--- a/Insurance Risk Analysis Team 8.pptx
+++ b/Insurance Risk Analysis Team 8.pptx
@@ -1,37 +1,44 @@
 
 <file path=ppt/presentation.xml><?xml version="1.0" encoding="utf-8"?>
-<p:presentation xmlns:a="http://schemas.openxmlformats.org/drawingml/2006/main" xmlns:r="http://schemas.openxmlformats.org/officeDocument/2006/relationships" xmlns:mc="http://schemas.openxmlformats.org/markup-compatibility/2006" xmlns:mv="urn:schemas-microsoft-com:mac:vml" xmlns:p="http://schemas.openxmlformats.org/presentationml/2006/main" xmlns:c="http://schemas.openxmlformats.org/drawingml/2006/chart" xmlns:dgm="http://schemas.openxmlformats.org/drawingml/2006/diagram" xmlns:o="urn:schemas-microsoft-com:office:office" xmlns:v="urn:schemas-microsoft-com:vml" xmlns:pvml="urn:schemas-microsoft-com:office:powerpoint" xmlns:com="http://schemas.openxmlformats.org/drawingml/2006/compatibility" xmlns:p14="http://schemas.microsoft.com/office/powerpoint/2010/main" xmlns:p15="http://schemas.microsoft.com/office/powerpoint/2012/main" autoCompressPictures="0" embedTrueTypeFonts="1" strictFirstAndLastChars="0" saveSubsetFonts="1">
+<p:presentation xmlns:a="http://schemas.openxmlformats.org/drawingml/2006/main" xmlns:r="http://schemas.openxmlformats.org/officeDocument/2006/relationships" xmlns:p="http://schemas.openxmlformats.org/presentationml/2006/main" strictFirstAndLastChars="0" embedTrueTypeFonts="1" saveSubsetFonts="1" autoCompressPictures="0">
   <p:sldMasterIdLst>
-    <p:sldMasterId id="2147483659" r:id="rId3"/>
+    <p:sldMasterId id="2147483659" r:id="rId1"/>
   </p:sldMasterIdLst>
   <p:notesMasterIdLst>
-    <p:notesMasterId r:id="rId4"/>
+    <p:notesMasterId r:id="rId13"/>
   </p:notesMasterIdLst>
   <p:sldIdLst>
-    <p:sldId id="256" r:id="rId5"/>
-    <p:sldId id="257" r:id="rId6"/>
-    <p:sldId id="258" r:id="rId7"/>
-    <p:sldId id="259" r:id="rId8"/>
-    <p:sldId id="260" r:id="rId9"/>
-    <p:sldId id="261" r:id="rId10"/>
-    <p:sldId id="262" r:id="rId11"/>
-    <p:sldId id="263" r:id="rId12"/>
-    <p:sldId id="264" r:id="rId13"/>
-    <p:sldId id="265" r:id="rId14"/>
-    <p:sldId id="266" r:id="rId15"/>
+    <p:sldId id="256" r:id="rId2"/>
+    <p:sldId id="257" r:id="rId3"/>
+    <p:sldId id="258" r:id="rId4"/>
+    <p:sldId id="259" r:id="rId5"/>
+    <p:sldId id="260" r:id="rId6"/>
+    <p:sldId id="261" r:id="rId7"/>
+    <p:sldId id="262" r:id="rId8"/>
+    <p:sldId id="263" r:id="rId9"/>
+    <p:sldId id="264" r:id="rId10"/>
+    <p:sldId id="265" r:id="rId11"/>
+    <p:sldId id="266" r:id="rId12"/>
   </p:sldIdLst>
-  <p:sldSz cy="5143500" cx="9144000"/>
+  <p:sldSz cx="9144000" cy="5143500" type="screen16x9"/>
   <p:notesSz cx="6858000" cy="9144000"/>
   <p:embeddedFontLst>
     <p:embeddedFont>
-      <p:font typeface="Old Standard TT"/>
-      <p:regular r:id="rId16"/>
-      <p:bold r:id="rId17"/>
-      <p:italic r:id="rId18"/>
+      <p:font typeface="Old Standard TT" charset="0"/>
+      <p:regular r:id="rId14"/>
+      <p:bold r:id="rId15"/>
+      <p:italic r:id="rId16"/>
+    </p:embeddedFont>
+    <p:embeddedFont>
+      <p:font typeface="Trebuchet MS" pitchFamily="34" charset="0"/>
+      <p:regular r:id="rId17"/>
+      <p:bold r:id="rId18"/>
+      <p:italic r:id="rId19"/>
+      <p:boldItalic r:id="rId20"/>
     </p:embeddedFont>
   </p:embeddedFontLst>
   <p:defaultTextStyle>
-    <a:defPPr lvl="0" marR="0" rtl="0" algn="l">
+    <a:defPPr marR="0" lvl="0" algn="l" rtl="0">
       <a:lnSpc>
         <a:spcPct val="100000"/>
       </a:lnSpc>
@@ -42,7 +49,7 @@
         <a:spcPts val="0"/>
       </a:spcAft>
     </a:defPPr>
-    <a:lvl1pPr lvl="0" marR="0" rtl="0" algn="l">
+    <a:lvl1pPr marR="0" lvl="0" algn="l" rtl="0">
       <a:lnSpc>
         <a:spcPct val="100000"/>
       </a:lnSpc>
@@ -53,7 +60,7 @@
         <a:spcPts val="0"/>
       </a:spcAft>
       <a:buNone/>
-      <a:defRPr b="0" i="0" sz="1400" u="none" cap="none" strike="noStrike">
+      <a:defRPr sz="1400" b="0" i="0" u="none" strike="noStrike" cap="none">
         <a:solidFill>
           <a:srgbClr val="000000"/>
         </a:solidFill>
@@ -63,7 +70,7 @@
         <a:sym typeface="Arial"/>
       </a:defRPr>
     </a:lvl1pPr>
-    <a:lvl2pPr lvl="1" marR="0" rtl="0" algn="l">
+    <a:lvl2pPr marR="0" lvl="1" algn="l" rtl="0">
       <a:lnSpc>
         <a:spcPct val="100000"/>
       </a:lnSpc>
@@ -74,7 +81,7 @@
         <a:spcPts val="0"/>
       </a:spcAft>
       <a:buNone/>
-      <a:defRPr b="0" i="0" sz="1400" u="none" cap="none" strike="noStrike">
+      <a:defRPr sz="1400" b="0" i="0" u="none" strike="noStrike" cap="none">
         <a:solidFill>
           <a:srgbClr val="000000"/>
         </a:solidFill>
@@ -84,7 +91,7 @@
         <a:sym typeface="Arial"/>
       </a:defRPr>
     </a:lvl2pPr>
-    <a:lvl3pPr lvl="2" marR="0" rtl="0" algn="l">
+    <a:lvl3pPr marR="0" lvl="2" algn="l" rtl="0">
       <a:lnSpc>
         <a:spcPct val="100000"/>
       </a:lnSpc>
@@ -95,7 +102,7 @@
         <a:spcPts val="0"/>
       </a:spcAft>
       <a:buNone/>
-      <a:defRPr b="0" i="0" sz="1400" u="none" cap="none" strike="noStrike">
+      <a:defRPr sz="1400" b="0" i="0" u="none" strike="noStrike" cap="none">
         <a:solidFill>
           <a:srgbClr val="000000"/>
         </a:solidFill>
@@ -105,7 +112,7 @@
         <a:sym typeface="Arial"/>
       </a:defRPr>
     </a:lvl3pPr>
-    <a:lvl4pPr lvl="3" marR="0" rtl="0" algn="l">
+    <a:lvl4pPr marR="0" lvl="3" algn="l" rtl="0">
       <a:lnSpc>
         <a:spcPct val="100000"/>
       </a:lnSpc>
@@ -116,7 +123,7 @@
         <a:spcPts val="0"/>
       </a:spcAft>
       <a:buNone/>
-      <a:defRPr b="0" i="0" sz="1400" u="none" cap="none" strike="noStrike">
+      <a:defRPr sz="1400" b="0" i="0" u="none" strike="noStrike" cap="none">
         <a:solidFill>
           <a:srgbClr val="000000"/>
         </a:solidFill>
@@ -126,7 +133,7 @@
         <a:sym typeface="Arial"/>
       </a:defRPr>
     </a:lvl4pPr>
-    <a:lvl5pPr lvl="4" marR="0" rtl="0" algn="l">
+    <a:lvl5pPr marR="0" lvl="4" algn="l" rtl="0">
       <a:lnSpc>
         <a:spcPct val="100000"/>
       </a:lnSpc>
@@ -137,7 +144,7 @@
         <a:spcPts val="0"/>
       </a:spcAft>
       <a:buNone/>
-      <a:defRPr b="0" i="0" sz="1400" u="none" cap="none" strike="noStrike">
+      <a:defRPr sz="1400" b="0" i="0" u="none" strike="noStrike" cap="none">
         <a:solidFill>
           <a:srgbClr val="000000"/>
         </a:solidFill>
@@ -147,7 +154,7 @@
         <a:sym typeface="Arial"/>
       </a:defRPr>
     </a:lvl5pPr>
-    <a:lvl6pPr lvl="5" marR="0" rtl="0" algn="l">
+    <a:lvl6pPr marR="0" lvl="5" algn="l" rtl="0">
       <a:lnSpc>
         <a:spcPct val="100000"/>
       </a:lnSpc>
@@ -158,7 +165,7 @@
         <a:spcPts val="0"/>
       </a:spcAft>
       <a:buNone/>
-      <a:defRPr b="0" i="0" sz="1400" u="none" cap="none" strike="noStrike">
+      <a:defRPr sz="1400" b="0" i="0" u="none" strike="noStrike" cap="none">
         <a:solidFill>
           <a:srgbClr val="000000"/>
         </a:solidFill>
@@ -168,7 +175,7 @@
         <a:sym typeface="Arial"/>
       </a:defRPr>
     </a:lvl6pPr>
-    <a:lvl7pPr lvl="6" marR="0" rtl="0" algn="l">
+    <a:lvl7pPr marR="0" lvl="6" algn="l" rtl="0">
       <a:lnSpc>
         <a:spcPct val="100000"/>
       </a:lnSpc>
@@ -179,7 +186,7 @@
         <a:spcPts val="0"/>
       </a:spcAft>
       <a:buNone/>
-      <a:defRPr b="0" i="0" sz="1400" u="none" cap="none" strike="noStrike">
+      <a:defRPr sz="1400" b="0" i="0" u="none" strike="noStrike" cap="none">
         <a:solidFill>
           <a:srgbClr val="000000"/>
         </a:solidFill>
@@ -189,7 +196,7 @@
         <a:sym typeface="Arial"/>
       </a:defRPr>
     </a:lvl7pPr>
-    <a:lvl8pPr lvl="7" marR="0" rtl="0" algn="l">
+    <a:lvl8pPr marR="0" lvl="7" algn="l" rtl="0">
       <a:lnSpc>
         <a:spcPct val="100000"/>
       </a:lnSpc>
@@ -200,7 +207,7 @@
         <a:spcPts val="0"/>
       </a:spcAft>
       <a:buNone/>
-      <a:defRPr b="0" i="0" sz="1400" u="none" cap="none" strike="noStrike">
+      <a:defRPr sz="1400" b="0" i="0" u="none" strike="noStrike" cap="none">
         <a:solidFill>
           <a:srgbClr val="000000"/>
         </a:solidFill>
@@ -210,7 +217,7 @@
         <a:sym typeface="Arial"/>
       </a:defRPr>
     </a:lvl8pPr>
-    <a:lvl9pPr lvl="8" marR="0" rtl="0" algn="l">
+    <a:lvl9pPr marR="0" lvl="8" algn="l" rtl="0">
       <a:lnSpc>
         <a:spcPct val="100000"/>
       </a:lnSpc>
@@ -221,7 +228,7 @@
         <a:spcPts val="0"/>
       </a:spcAft>
       <a:buNone/>
-      <a:defRPr b="0" i="0" sz="1400" u="none" cap="none" strike="noStrike">
+      <a:defRPr sz="1400" b="0" i="0" u="none" strike="noStrike" cap="none">
         <a:solidFill>
           <a:srgbClr val="000000"/>
         </a:solidFill>
@@ -236,11 +243,16 @@
 </file>
 
 <file path=ppt/notesMasters/notesMaster1.xml><?xml version="1.0" encoding="utf-8"?>
-<p:notesMaster xmlns:a="http://schemas.openxmlformats.org/drawingml/2006/main" xmlns:r="http://schemas.openxmlformats.org/officeDocument/2006/relationships" xmlns:mc="http://schemas.openxmlformats.org/markup-compatibility/2006" xmlns:mv="urn:schemas-microsoft-com:mac:vml" xmlns:p="http://schemas.openxmlformats.org/presentationml/2006/main" xmlns:c="http://schemas.openxmlformats.org/drawingml/2006/chart" xmlns:dgm="http://schemas.openxmlformats.org/drawingml/2006/diagram" xmlns:o="urn:schemas-microsoft-com:office:office" xmlns:v="urn:schemas-microsoft-com:vml" xmlns:pvml="urn:schemas-microsoft-com:office:powerpoint" xmlns:com="http://schemas.openxmlformats.org/drawingml/2006/compatibility" xmlns:p14="http://schemas.microsoft.com/office/powerpoint/2010/main" xmlns:p15="http://schemas.microsoft.com/office/powerpoint/2012/main">
+<p:notesMaster xmlns:a="http://schemas.openxmlformats.org/drawingml/2006/main" xmlns:r="http://schemas.openxmlformats.org/officeDocument/2006/relationships" xmlns:p="http://schemas.openxmlformats.org/presentationml/2006/main">
   <p:cSld>
+    <p:bg>
+      <p:bgRef idx="1001">
+        <a:schemeClr val="bg1"/>
+      </p:bgRef>
+    </p:bg>
     <p:spTree>
       <p:nvGrpSpPr>
-        <p:cNvPr id="2" name="Shape 2"/>
+        <p:cNvPr id="1" name="Shape 2"/>
         <p:cNvGrpSpPr/>
         <p:nvPr/>
       </p:nvGrpSpPr>
@@ -255,9 +267,11 @@
       <p:sp>
         <p:nvSpPr>
           <p:cNvPr id="3" name="Shape 3"/>
-          <p:cNvSpPr/>
+          <p:cNvSpPr>
+            <a:spLocks noGrp="1" noRot="1" noChangeAspect="1"/>
+          </p:cNvSpPr>
           <p:nvPr>
-            <p:ph idx="2" type="sldImg"/>
+            <p:ph type="sldImg" idx="2"/>
           </p:nvPr>
         </p:nvSpPr>
         <p:spPr>
@@ -266,8 +280,13 @@
             <a:ext cx="6096075" cy="3429000"/>
           </a:xfrm>
           <a:custGeom>
+            <a:avLst/>
+            <a:gdLst/>
+            <a:ahLst/>
+            <a:cxnLst/>
+            <a:rect l="0" t="0" r="0" b="0"/>
             <a:pathLst>
-              <a:path extrusionOk="0" h="120000" w="120000">
+              <a:path w="120000" h="120000" extrusionOk="0">
                 <a:moveTo>
                   <a:pt x="0" y="0"/>
                 </a:moveTo>
@@ -285,23 +304,25 @@
             </a:pathLst>
           </a:custGeom>
           <a:noFill/>
-          <a:ln cap="flat" cmpd="sng" w="9525">
+          <a:ln w="9525" cap="flat" cmpd="sng">
             <a:solidFill>
               <a:srgbClr val="000000"/>
             </a:solidFill>
             <a:prstDash val="solid"/>
             <a:round/>
-            <a:headEnd len="med" w="med" type="none"/>
-            <a:tailEnd len="med" w="med" type="none"/>
+            <a:headEnd type="none" w="med" len="med"/>
+            <a:tailEnd type="none" w="med" len="med"/>
           </a:ln>
         </p:spPr>
       </p:sp>
       <p:sp>
         <p:nvSpPr>
           <p:cNvPr id="4" name="Shape 4"/>
-          <p:cNvSpPr txBox="1"/>
+          <p:cNvSpPr txBox="1">
+            <a:spLocks noGrp="1"/>
+          </p:cNvSpPr>
           <p:nvPr>
-            <p:ph idx="1" type="body"/>
+            <p:ph type="body" idx="1"/>
           </p:nvPr>
         </p:nvSpPr>
         <p:spPr>
@@ -318,7 +339,7 @@
           </a:ln>
         </p:spPr>
         <p:txBody>
-          <a:bodyPr anchorCtr="0" anchor="t" bIns="91425" lIns="91425" rIns="91425" wrap="square" tIns="91425"/>
+          <a:bodyPr wrap="square" lIns="91425" tIns="91425" rIns="91425" bIns="91425" anchor="t" anchorCtr="0"/>
           <a:lstStyle>
             <a:lvl1pPr lvl="0">
               <a:spcBef>
@@ -384,21 +405,115 @@
               <a:defRPr sz="1100"/>
             </a:lvl9pPr>
           </a:lstStyle>
-          <a:p/>
+          <a:p>
+            <a:endParaRPr/>
+          </a:p>
         </p:txBody>
       </p:sp>
     </p:spTree>
   </p:cSld>
-  <p:clrMap accent1="accent1" accent2="accent2" accent3="accent3" accent4="accent4" accent5="accent5" accent6="accent6" bg1="lt1" bg2="dk2" tx1="dk1" tx2="lt2" folHlink="folHlink" hlink="hlink"/>
+  <p:clrMap bg1="lt1" tx1="dk1" bg2="dk2" tx2="lt2" accent1="accent1" accent2="accent2" accent3="accent3" accent4="accent4" accent5="accent5" accent6="accent6" hlink="hlink" folHlink="folHlink"/>
+  <p:notesStyle>
+    <a:lvl1pPr marL="0" algn="l" defTabSz="914400" rtl="0" eaLnBrk="1" latinLnBrk="0" hangingPunct="1">
+      <a:defRPr sz="1200" kern="1200">
+        <a:solidFill>
+          <a:schemeClr val="tx1"/>
+        </a:solidFill>
+        <a:latin typeface="+mn-lt"/>
+        <a:ea typeface="+mn-ea"/>
+        <a:cs typeface="+mn-cs"/>
+      </a:defRPr>
+    </a:lvl1pPr>
+    <a:lvl2pPr marL="457200" algn="l" defTabSz="914400" rtl="0" eaLnBrk="1" latinLnBrk="0" hangingPunct="1">
+      <a:defRPr sz="1200" kern="1200">
+        <a:solidFill>
+          <a:schemeClr val="tx1"/>
+        </a:solidFill>
+        <a:latin typeface="+mn-lt"/>
+        <a:ea typeface="+mn-ea"/>
+        <a:cs typeface="+mn-cs"/>
+      </a:defRPr>
+    </a:lvl2pPr>
+    <a:lvl3pPr marL="914400" algn="l" defTabSz="914400" rtl="0" eaLnBrk="1" latinLnBrk="0" hangingPunct="1">
+      <a:defRPr sz="1200" kern="1200">
+        <a:solidFill>
+          <a:schemeClr val="tx1"/>
+        </a:solidFill>
+        <a:latin typeface="+mn-lt"/>
+        <a:ea typeface="+mn-ea"/>
+        <a:cs typeface="+mn-cs"/>
+      </a:defRPr>
+    </a:lvl3pPr>
+    <a:lvl4pPr marL="1371600" algn="l" defTabSz="914400" rtl="0" eaLnBrk="1" latinLnBrk="0" hangingPunct="1">
+      <a:defRPr sz="1200" kern="1200">
+        <a:solidFill>
+          <a:schemeClr val="tx1"/>
+        </a:solidFill>
+        <a:latin typeface="+mn-lt"/>
+        <a:ea typeface="+mn-ea"/>
+        <a:cs typeface="+mn-cs"/>
+      </a:defRPr>
+    </a:lvl4pPr>
+    <a:lvl5pPr marL="1828800" algn="l" defTabSz="914400" rtl="0" eaLnBrk="1" latinLnBrk="0" hangingPunct="1">
+      <a:defRPr sz="1200" kern="1200">
+        <a:solidFill>
+          <a:schemeClr val="tx1"/>
+        </a:solidFill>
+        <a:latin typeface="+mn-lt"/>
+        <a:ea typeface="+mn-ea"/>
+        <a:cs typeface="+mn-cs"/>
+      </a:defRPr>
+    </a:lvl5pPr>
+    <a:lvl6pPr marL="2286000" algn="l" defTabSz="914400" rtl="0" eaLnBrk="1" latinLnBrk="0" hangingPunct="1">
+      <a:defRPr sz="1200" kern="1200">
+        <a:solidFill>
+          <a:schemeClr val="tx1"/>
+        </a:solidFill>
+        <a:latin typeface="+mn-lt"/>
+        <a:ea typeface="+mn-ea"/>
+        <a:cs typeface="+mn-cs"/>
+      </a:defRPr>
+    </a:lvl6pPr>
+    <a:lvl7pPr marL="2743200" algn="l" defTabSz="914400" rtl="0" eaLnBrk="1" latinLnBrk="0" hangingPunct="1">
+      <a:defRPr sz="1200" kern="1200">
+        <a:solidFill>
+          <a:schemeClr val="tx1"/>
+        </a:solidFill>
+        <a:latin typeface="+mn-lt"/>
+        <a:ea typeface="+mn-ea"/>
+        <a:cs typeface="+mn-cs"/>
+      </a:defRPr>
+    </a:lvl7pPr>
+    <a:lvl8pPr marL="3200400" algn="l" defTabSz="914400" rtl="0" eaLnBrk="1" latinLnBrk="0" hangingPunct="1">
+      <a:defRPr sz="1200" kern="1200">
+        <a:solidFill>
+          <a:schemeClr val="tx1"/>
+        </a:solidFill>
+        <a:latin typeface="+mn-lt"/>
+        <a:ea typeface="+mn-ea"/>
+        <a:cs typeface="+mn-cs"/>
+      </a:defRPr>
+    </a:lvl8pPr>
+    <a:lvl9pPr marL="3657600" algn="l" defTabSz="914400" rtl="0" eaLnBrk="1" latinLnBrk="0" hangingPunct="1">
+      <a:defRPr sz="1200" kern="1200">
+        <a:solidFill>
+          <a:schemeClr val="tx1"/>
+        </a:solidFill>
+        <a:latin typeface="+mn-lt"/>
+        <a:ea typeface="+mn-ea"/>
+        <a:cs typeface="+mn-cs"/>
+      </a:defRPr>
+    </a:lvl9pPr>
+  </p:notesStyle>
 </p:notesMaster>
 </file>
 
 <file path=ppt/notesSlides/notesSlide1.xml><?xml version="1.0" encoding="utf-8"?>
-<p:notes xmlns:a="http://schemas.openxmlformats.org/drawingml/2006/main" xmlns:r="http://schemas.openxmlformats.org/officeDocument/2006/relationships" xmlns:mc="http://schemas.openxmlformats.org/markup-compatibility/2006" xmlns:mv="urn:schemas-microsoft-com:mac:vml" xmlns:p="http://schemas.openxmlformats.org/presentationml/2006/main" xmlns:c="http://schemas.openxmlformats.org/drawingml/2006/chart" xmlns:dgm="http://schemas.openxmlformats.org/drawingml/2006/diagram" xmlns:o="urn:schemas-microsoft-com:office:office" xmlns:v="urn:schemas-microsoft-com:vml" xmlns:pvml="urn:schemas-microsoft-com:office:powerpoint" xmlns:com="http://schemas.openxmlformats.org/drawingml/2006/compatibility" xmlns:p14="http://schemas.microsoft.com/office/powerpoint/2010/main" xmlns:p15="http://schemas.microsoft.com/office/powerpoint/2012/main" showMasterPhAnim="0" showMasterSp="0">
+<p:notes xmlns:a="http://schemas.openxmlformats.org/drawingml/2006/main" xmlns:r="http://schemas.openxmlformats.org/officeDocument/2006/relationships" xmlns:p="http://schemas.openxmlformats.org/presentationml/2006/main" showMasterSp="0" showMasterPhAnim="0">
   <p:cSld>
     <p:spTree>
       <p:nvGrpSpPr>
-        <p:cNvPr id="55" name="Shape 55"/>
+        <p:cNvPr id="1" name="Shape 55"/>
         <p:cNvGrpSpPr/>
         <p:nvPr/>
       </p:nvGrpSpPr>
@@ -413,9 +528,11 @@
       <p:sp>
         <p:nvSpPr>
           <p:cNvPr id="56" name="Shape 56"/>
-          <p:cNvSpPr/>
+          <p:cNvSpPr>
+            <a:spLocks noGrp="1" noRot="1" noChangeAspect="1"/>
+          </p:cNvSpPr>
           <p:nvPr>
-            <p:ph idx="2" type="sldImg"/>
+            <p:ph type="sldImg" idx="2"/>
           </p:nvPr>
         </p:nvSpPr>
         <p:spPr>
@@ -424,8 +541,13 @@
             <a:ext cx="6096300" cy="3429000"/>
           </a:xfrm>
           <a:custGeom>
+            <a:avLst/>
+            <a:gdLst/>
+            <a:ahLst/>
+            <a:cxnLst/>
+            <a:rect l="0" t="0" r="0" b="0"/>
             <a:pathLst>
-              <a:path extrusionOk="0" h="120000" w="120000">
+              <a:path w="120000" h="120000" extrusionOk="0">
                 <a:moveTo>
                   <a:pt x="0" y="0"/>
                 </a:moveTo>
@@ -447,9 +569,11 @@
       <p:sp>
         <p:nvSpPr>
           <p:cNvPr id="57" name="Shape 57"/>
-          <p:cNvSpPr txBox="1"/>
+          <p:cNvSpPr txBox="1">
+            <a:spLocks noGrp="1"/>
+          </p:cNvSpPr>
           <p:nvPr>
-            <p:ph idx="1" type="body"/>
+            <p:ph type="body" idx="1"/>
           </p:nvPr>
         </p:nvSpPr>
         <p:spPr>
@@ -462,7 +586,7 @@
           </a:prstGeom>
         </p:spPr>
         <p:txBody>
-          <a:bodyPr anchorCtr="0" anchor="t" bIns="91425" lIns="91425" rIns="91425" wrap="square" tIns="91425">
+          <a:bodyPr wrap="square" lIns="91425" tIns="91425" rIns="91425" bIns="91425" anchor="t" anchorCtr="0">
             <a:noAutofit/>
           </a:bodyPr>
           <a:lstStyle/>
@@ -473,9 +597,6 @@
               </a:spcBef>
               <a:buNone/>
             </a:pPr>
-            <a:r>
-              <a:t/>
-            </a:r>
             <a:endParaRPr/>
           </a:p>
         </p:txBody>
@@ -489,11 +610,11 @@
 </file>
 
 <file path=ppt/notesSlides/notesSlide10.xml><?xml version="1.0" encoding="utf-8"?>
-<p:notes xmlns:a="http://schemas.openxmlformats.org/drawingml/2006/main" xmlns:r="http://schemas.openxmlformats.org/officeDocument/2006/relationships" xmlns:mc="http://schemas.openxmlformats.org/markup-compatibility/2006" xmlns:mv="urn:schemas-microsoft-com:mac:vml" xmlns:p="http://schemas.openxmlformats.org/presentationml/2006/main" xmlns:c="http://schemas.openxmlformats.org/drawingml/2006/chart" xmlns:dgm="http://schemas.openxmlformats.org/drawingml/2006/diagram" xmlns:o="urn:schemas-microsoft-com:office:office" xmlns:v="urn:schemas-microsoft-com:vml" xmlns:pvml="urn:schemas-microsoft-com:office:powerpoint" xmlns:com="http://schemas.openxmlformats.org/drawingml/2006/compatibility" xmlns:p14="http://schemas.microsoft.com/office/powerpoint/2010/main" xmlns:p15="http://schemas.microsoft.com/office/powerpoint/2012/main" showMasterPhAnim="0" showMasterSp="0">
+<p:notes xmlns:a="http://schemas.openxmlformats.org/drawingml/2006/main" xmlns:r="http://schemas.openxmlformats.org/officeDocument/2006/relationships" xmlns:p="http://schemas.openxmlformats.org/presentationml/2006/main" showMasterSp="0" showMasterPhAnim="0">
   <p:cSld>
     <p:spTree>
       <p:nvGrpSpPr>
-        <p:cNvPr id="109" name="Shape 109"/>
+        <p:cNvPr id="1" name="Shape 109"/>
         <p:cNvGrpSpPr/>
         <p:nvPr/>
       </p:nvGrpSpPr>
@@ -508,19 +629,26 @@
       <p:sp>
         <p:nvSpPr>
           <p:cNvPr id="110" name="Shape 110"/>
-          <p:cNvSpPr/>
+          <p:cNvSpPr>
+            <a:spLocks noGrp="1" noRot="1" noChangeAspect="1"/>
+          </p:cNvSpPr>
           <p:nvPr>
-            <p:ph idx="2" type="sldImg"/>
+            <p:ph type="sldImg" idx="2"/>
           </p:nvPr>
         </p:nvSpPr>
         <p:spPr>
           <a:xfrm>
-            <a:off x="381300" y="685800"/>
+            <a:off x="381000" y="685800"/>
             <a:ext cx="6096000" cy="3429000"/>
           </a:xfrm>
           <a:custGeom>
+            <a:avLst/>
+            <a:gdLst/>
+            <a:ahLst/>
+            <a:cxnLst/>
+            <a:rect l="0" t="0" r="0" b="0"/>
             <a:pathLst>
-              <a:path extrusionOk="0" h="120000" w="120000">
+              <a:path w="120000" h="120000" extrusionOk="0">
                 <a:moveTo>
                   <a:pt x="0" y="0"/>
                 </a:moveTo>
@@ -542,9 +670,11 @@
       <p:sp>
         <p:nvSpPr>
           <p:cNvPr id="111" name="Shape 111"/>
-          <p:cNvSpPr txBox="1"/>
+          <p:cNvSpPr txBox="1">
+            <a:spLocks noGrp="1"/>
+          </p:cNvSpPr>
           <p:nvPr>
-            <p:ph idx="1" type="body"/>
+            <p:ph type="body" idx="1"/>
           </p:nvPr>
         </p:nvSpPr>
         <p:spPr>
@@ -557,7 +687,7 @@
           </a:prstGeom>
         </p:spPr>
         <p:txBody>
-          <a:bodyPr anchorCtr="0" anchor="t" bIns="91425" lIns="91425" rIns="91425" wrap="square" tIns="91425">
+          <a:bodyPr wrap="square" lIns="91425" tIns="91425" rIns="91425" bIns="91425" anchor="t" anchorCtr="0">
             <a:noAutofit/>
           </a:bodyPr>
           <a:lstStyle/>
@@ -568,9 +698,6 @@
               </a:spcBef>
               <a:buNone/>
             </a:pPr>
-            <a:r>
-              <a:t/>
-            </a:r>
             <a:endParaRPr/>
           </a:p>
         </p:txBody>
@@ -584,11 +711,11 @@
 </file>
 
 <file path=ppt/notesSlides/notesSlide11.xml><?xml version="1.0" encoding="utf-8"?>
-<p:notes xmlns:a="http://schemas.openxmlformats.org/drawingml/2006/main" xmlns:r="http://schemas.openxmlformats.org/officeDocument/2006/relationships" xmlns:mc="http://schemas.openxmlformats.org/markup-compatibility/2006" xmlns:mv="urn:schemas-microsoft-com:mac:vml" xmlns:p="http://schemas.openxmlformats.org/presentationml/2006/main" xmlns:c="http://schemas.openxmlformats.org/drawingml/2006/chart" xmlns:dgm="http://schemas.openxmlformats.org/drawingml/2006/diagram" xmlns:o="urn:schemas-microsoft-com:office:office" xmlns:v="urn:schemas-microsoft-com:vml" xmlns:pvml="urn:schemas-microsoft-com:office:powerpoint" xmlns:com="http://schemas.openxmlformats.org/drawingml/2006/compatibility" xmlns:p14="http://schemas.microsoft.com/office/powerpoint/2010/main" xmlns:p15="http://schemas.microsoft.com/office/powerpoint/2012/main" showMasterPhAnim="0" showMasterSp="0">
+<p:notes xmlns:a="http://schemas.openxmlformats.org/drawingml/2006/main" xmlns:r="http://schemas.openxmlformats.org/officeDocument/2006/relationships" xmlns:p="http://schemas.openxmlformats.org/presentationml/2006/main" showMasterSp="0" showMasterPhAnim="0">
   <p:cSld>
     <p:spTree>
       <p:nvGrpSpPr>
-        <p:cNvPr id="115" name="Shape 115"/>
+        <p:cNvPr id="1" name="Shape 115"/>
         <p:cNvGrpSpPr/>
         <p:nvPr/>
       </p:nvGrpSpPr>
@@ -603,9 +730,11 @@
       <p:sp>
         <p:nvSpPr>
           <p:cNvPr id="116" name="Shape 116"/>
-          <p:cNvSpPr/>
+          <p:cNvSpPr>
+            <a:spLocks noGrp="1" noRot="1" noChangeAspect="1"/>
+          </p:cNvSpPr>
           <p:nvPr>
-            <p:ph idx="2" type="sldImg"/>
+            <p:ph type="sldImg" idx="2"/>
           </p:nvPr>
         </p:nvSpPr>
         <p:spPr>
@@ -614,8 +743,13 @@
             <a:ext cx="6096300" cy="3429000"/>
           </a:xfrm>
           <a:custGeom>
+            <a:avLst/>
+            <a:gdLst/>
+            <a:ahLst/>
+            <a:cxnLst/>
+            <a:rect l="0" t="0" r="0" b="0"/>
             <a:pathLst>
-              <a:path extrusionOk="0" h="120000" w="120000">
+              <a:path w="120000" h="120000" extrusionOk="0">
                 <a:moveTo>
                   <a:pt x="0" y="0"/>
                 </a:moveTo>
@@ -637,9 +771,11 @@
       <p:sp>
         <p:nvSpPr>
           <p:cNvPr id="117" name="Shape 117"/>
-          <p:cNvSpPr txBox="1"/>
+          <p:cNvSpPr txBox="1">
+            <a:spLocks noGrp="1"/>
+          </p:cNvSpPr>
           <p:nvPr>
-            <p:ph idx="1" type="body"/>
+            <p:ph type="body" idx="1"/>
           </p:nvPr>
         </p:nvSpPr>
         <p:spPr>
@@ -652,7 +788,7 @@
           </a:prstGeom>
         </p:spPr>
         <p:txBody>
-          <a:bodyPr anchorCtr="0" anchor="t" bIns="91425" lIns="91425" rIns="91425" wrap="square" tIns="91425">
+          <a:bodyPr wrap="square" lIns="91425" tIns="91425" rIns="91425" bIns="91425" anchor="t" anchorCtr="0">
             <a:noAutofit/>
           </a:bodyPr>
           <a:lstStyle/>
@@ -663,9 +799,6 @@
               </a:spcBef>
               <a:buNone/>
             </a:pPr>
-            <a:r>
-              <a:t/>
-            </a:r>
             <a:endParaRPr/>
           </a:p>
         </p:txBody>
@@ -679,11 +812,11 @@
 </file>
 
 <file path=ppt/notesSlides/notesSlide2.xml><?xml version="1.0" encoding="utf-8"?>
-<p:notes xmlns:a="http://schemas.openxmlformats.org/drawingml/2006/main" xmlns:r="http://schemas.openxmlformats.org/officeDocument/2006/relationships" xmlns:mc="http://schemas.openxmlformats.org/markup-compatibility/2006" xmlns:mv="urn:schemas-microsoft-com:mac:vml" xmlns:p="http://schemas.openxmlformats.org/presentationml/2006/main" xmlns:c="http://schemas.openxmlformats.org/drawingml/2006/chart" xmlns:dgm="http://schemas.openxmlformats.org/drawingml/2006/diagram" xmlns:o="urn:schemas-microsoft-com:office:office" xmlns:v="urn:schemas-microsoft-com:vml" xmlns:pvml="urn:schemas-microsoft-com:office:powerpoint" xmlns:com="http://schemas.openxmlformats.org/drawingml/2006/compatibility" xmlns:p14="http://schemas.microsoft.com/office/powerpoint/2010/main" xmlns:p15="http://schemas.microsoft.com/office/powerpoint/2012/main" showMasterPhAnim="0" showMasterSp="0">
+<p:notes xmlns:a="http://schemas.openxmlformats.org/drawingml/2006/main" xmlns:r="http://schemas.openxmlformats.org/officeDocument/2006/relationships" xmlns:p="http://schemas.openxmlformats.org/presentationml/2006/main" showMasterSp="0" showMasterPhAnim="0">
   <p:cSld>
     <p:spTree>
       <p:nvGrpSpPr>
-        <p:cNvPr id="61" name="Shape 61"/>
+        <p:cNvPr id="1" name="Shape 61"/>
         <p:cNvGrpSpPr/>
         <p:nvPr/>
       </p:nvGrpSpPr>
@@ -698,9 +831,11 @@
       <p:sp>
         <p:nvSpPr>
           <p:cNvPr id="62" name="Shape 62"/>
-          <p:cNvSpPr/>
+          <p:cNvSpPr>
+            <a:spLocks noGrp="1" noRot="1" noChangeAspect="1"/>
+          </p:cNvSpPr>
           <p:nvPr>
-            <p:ph idx="2" type="sldImg"/>
+            <p:ph type="sldImg" idx="2"/>
           </p:nvPr>
         </p:nvSpPr>
         <p:spPr>
@@ -709,8 +844,13 @@
             <a:ext cx="6096300" cy="3429000"/>
           </a:xfrm>
           <a:custGeom>
+            <a:avLst/>
+            <a:gdLst/>
+            <a:ahLst/>
+            <a:cxnLst/>
+            <a:rect l="0" t="0" r="0" b="0"/>
             <a:pathLst>
-              <a:path extrusionOk="0" h="120000" w="120000">
+              <a:path w="120000" h="120000" extrusionOk="0">
                 <a:moveTo>
                   <a:pt x="0" y="0"/>
                 </a:moveTo>
@@ -732,9 +872,11 @@
       <p:sp>
         <p:nvSpPr>
           <p:cNvPr id="63" name="Shape 63"/>
-          <p:cNvSpPr txBox="1"/>
+          <p:cNvSpPr txBox="1">
+            <a:spLocks noGrp="1"/>
+          </p:cNvSpPr>
           <p:nvPr>
-            <p:ph idx="1" type="body"/>
+            <p:ph type="body" idx="1"/>
           </p:nvPr>
         </p:nvSpPr>
         <p:spPr>
@@ -747,7 +889,7 @@
           </a:prstGeom>
         </p:spPr>
         <p:txBody>
-          <a:bodyPr anchorCtr="0" anchor="t" bIns="91425" lIns="91425" rIns="91425" wrap="square" tIns="91425">
+          <a:bodyPr wrap="square" lIns="91425" tIns="91425" rIns="91425" bIns="91425" anchor="t" anchorCtr="0">
             <a:noAutofit/>
           </a:bodyPr>
           <a:lstStyle/>
@@ -758,9 +900,6 @@
               </a:spcBef>
               <a:buNone/>
             </a:pPr>
-            <a:r>
-              <a:t/>
-            </a:r>
             <a:endParaRPr/>
           </a:p>
         </p:txBody>
@@ -774,11 +913,11 @@
 </file>
 
 <file path=ppt/notesSlides/notesSlide3.xml><?xml version="1.0" encoding="utf-8"?>
-<p:notes xmlns:a="http://schemas.openxmlformats.org/drawingml/2006/main" xmlns:r="http://schemas.openxmlformats.org/officeDocument/2006/relationships" xmlns:mc="http://schemas.openxmlformats.org/markup-compatibility/2006" xmlns:mv="urn:schemas-microsoft-com:mac:vml" xmlns:p="http://schemas.openxmlformats.org/presentationml/2006/main" xmlns:c="http://schemas.openxmlformats.org/drawingml/2006/chart" xmlns:dgm="http://schemas.openxmlformats.org/drawingml/2006/diagram" xmlns:o="urn:schemas-microsoft-com:office:office" xmlns:v="urn:schemas-microsoft-com:vml" xmlns:pvml="urn:schemas-microsoft-com:office:powerpoint" xmlns:com="http://schemas.openxmlformats.org/drawingml/2006/compatibility" xmlns:p14="http://schemas.microsoft.com/office/powerpoint/2010/main" xmlns:p15="http://schemas.microsoft.com/office/powerpoint/2012/main" showMasterPhAnim="0" showMasterSp="0">
+<p:notes xmlns:a="http://schemas.openxmlformats.org/drawingml/2006/main" xmlns:r="http://schemas.openxmlformats.org/officeDocument/2006/relationships" xmlns:p="http://schemas.openxmlformats.org/presentationml/2006/main" showMasterSp="0" showMasterPhAnim="0">
   <p:cSld>
     <p:spTree>
       <p:nvGrpSpPr>
-        <p:cNvPr id="67" name="Shape 67"/>
+        <p:cNvPr id="1" name="Shape 67"/>
         <p:cNvGrpSpPr/>
         <p:nvPr/>
       </p:nvGrpSpPr>
@@ -793,9 +932,11 @@
       <p:sp>
         <p:nvSpPr>
           <p:cNvPr id="68" name="Shape 68"/>
-          <p:cNvSpPr/>
+          <p:cNvSpPr>
+            <a:spLocks noGrp="1" noRot="1" noChangeAspect="1"/>
+          </p:cNvSpPr>
           <p:nvPr>
-            <p:ph idx="2" type="sldImg"/>
+            <p:ph type="sldImg" idx="2"/>
           </p:nvPr>
         </p:nvSpPr>
         <p:spPr>
@@ -804,8 +945,13 @@
             <a:ext cx="6096000" cy="3429000"/>
           </a:xfrm>
           <a:custGeom>
+            <a:avLst/>
+            <a:gdLst/>
+            <a:ahLst/>
+            <a:cxnLst/>
+            <a:rect l="0" t="0" r="0" b="0"/>
             <a:pathLst>
-              <a:path extrusionOk="0" h="120000" w="120000">
+              <a:path w="120000" h="120000" extrusionOk="0">
                 <a:moveTo>
                   <a:pt x="0" y="0"/>
                 </a:moveTo>
@@ -827,9 +973,11 @@
       <p:sp>
         <p:nvSpPr>
           <p:cNvPr id="69" name="Shape 69"/>
-          <p:cNvSpPr txBox="1"/>
+          <p:cNvSpPr txBox="1">
+            <a:spLocks noGrp="1"/>
+          </p:cNvSpPr>
           <p:nvPr>
-            <p:ph idx="1" type="body"/>
+            <p:ph type="body" idx="1"/>
           </p:nvPr>
         </p:nvSpPr>
         <p:spPr>
@@ -842,7 +990,7 @@
           </a:prstGeom>
         </p:spPr>
         <p:txBody>
-          <a:bodyPr anchorCtr="0" anchor="t" bIns="91425" lIns="91425" rIns="91425" wrap="square" tIns="91425">
+          <a:bodyPr wrap="square" lIns="91425" tIns="91425" rIns="91425" bIns="91425" anchor="t" anchorCtr="0">
             <a:noAutofit/>
           </a:bodyPr>
           <a:lstStyle/>
@@ -853,9 +1001,6 @@
               </a:spcBef>
               <a:buNone/>
             </a:pPr>
-            <a:r>
-              <a:t/>
-            </a:r>
             <a:endParaRPr/>
           </a:p>
         </p:txBody>
@@ -869,11 +1014,11 @@
 </file>
 
 <file path=ppt/notesSlides/notesSlide4.xml><?xml version="1.0" encoding="utf-8"?>
-<p:notes xmlns:a="http://schemas.openxmlformats.org/drawingml/2006/main" xmlns:r="http://schemas.openxmlformats.org/officeDocument/2006/relationships" xmlns:mc="http://schemas.openxmlformats.org/markup-compatibility/2006" xmlns:mv="urn:schemas-microsoft-com:mac:vml" xmlns:p="http://schemas.openxmlformats.org/presentationml/2006/main" xmlns:c="http://schemas.openxmlformats.org/drawingml/2006/chart" xmlns:dgm="http://schemas.openxmlformats.org/drawingml/2006/diagram" xmlns:o="urn:schemas-microsoft-com:office:office" xmlns:v="urn:schemas-microsoft-com:vml" xmlns:pvml="urn:schemas-microsoft-com:office:powerpoint" xmlns:com="http://schemas.openxmlformats.org/drawingml/2006/compatibility" xmlns:p14="http://schemas.microsoft.com/office/powerpoint/2010/main" xmlns:p15="http://schemas.microsoft.com/office/powerpoint/2012/main" showMasterPhAnim="0" showMasterSp="0">
+<p:notes xmlns:a="http://schemas.openxmlformats.org/drawingml/2006/main" xmlns:r="http://schemas.openxmlformats.org/officeDocument/2006/relationships" xmlns:p="http://schemas.openxmlformats.org/presentationml/2006/main" showMasterSp="0" showMasterPhAnim="0">
   <p:cSld>
     <p:spTree>
       <p:nvGrpSpPr>
-        <p:cNvPr id="73" name="Shape 73"/>
+        <p:cNvPr id="1" name="Shape 73"/>
         <p:cNvGrpSpPr/>
         <p:nvPr/>
       </p:nvGrpSpPr>
@@ -888,19 +1033,26 @@
       <p:sp>
         <p:nvSpPr>
           <p:cNvPr id="74" name="Shape 74"/>
-          <p:cNvSpPr/>
+          <p:cNvSpPr>
+            <a:spLocks noGrp="1" noRot="1" noChangeAspect="1"/>
+          </p:cNvSpPr>
           <p:nvPr>
-            <p:ph idx="2" type="sldImg"/>
+            <p:ph type="sldImg" idx="2"/>
           </p:nvPr>
         </p:nvSpPr>
         <p:spPr>
           <a:xfrm>
-            <a:off x="381188" y="685800"/>
-            <a:ext cx="6096300" cy="3429000"/>
+            <a:off x="381000" y="685800"/>
+            <a:ext cx="6096000" cy="3429000"/>
           </a:xfrm>
           <a:custGeom>
+            <a:avLst/>
+            <a:gdLst/>
+            <a:ahLst/>
+            <a:cxnLst/>
+            <a:rect l="0" t="0" r="0" b="0"/>
             <a:pathLst>
-              <a:path extrusionOk="0" h="120000" w="120000">
+              <a:path w="120000" h="120000" extrusionOk="0">
                 <a:moveTo>
                   <a:pt x="0" y="0"/>
                 </a:moveTo>
@@ -922,9 +1074,11 @@
       <p:sp>
         <p:nvSpPr>
           <p:cNvPr id="75" name="Shape 75"/>
-          <p:cNvSpPr txBox="1"/>
+          <p:cNvSpPr txBox="1">
+            <a:spLocks noGrp="1"/>
+          </p:cNvSpPr>
           <p:nvPr>
-            <p:ph idx="1" type="body"/>
+            <p:ph type="body" idx="1"/>
           </p:nvPr>
         </p:nvSpPr>
         <p:spPr>
@@ -937,7 +1091,7 @@
           </a:prstGeom>
         </p:spPr>
         <p:txBody>
-          <a:bodyPr anchorCtr="0" anchor="t" bIns="91425" lIns="91425" rIns="91425" wrap="square" tIns="91425">
+          <a:bodyPr wrap="square" lIns="91425" tIns="91425" rIns="91425" bIns="91425" anchor="t" anchorCtr="0">
             <a:noAutofit/>
           </a:bodyPr>
           <a:lstStyle/>
@@ -948,9 +1102,6 @@
               </a:spcBef>
               <a:buNone/>
             </a:pPr>
-            <a:r>
-              <a:t/>
-            </a:r>
             <a:endParaRPr/>
           </a:p>
         </p:txBody>
@@ -964,11 +1115,11 @@
 </file>
 
 <file path=ppt/notesSlides/notesSlide5.xml><?xml version="1.0" encoding="utf-8"?>
-<p:notes xmlns:a="http://schemas.openxmlformats.org/drawingml/2006/main" xmlns:r="http://schemas.openxmlformats.org/officeDocument/2006/relationships" xmlns:mc="http://schemas.openxmlformats.org/markup-compatibility/2006" xmlns:mv="urn:schemas-microsoft-com:mac:vml" xmlns:p="http://schemas.openxmlformats.org/presentationml/2006/main" xmlns:c="http://schemas.openxmlformats.org/drawingml/2006/chart" xmlns:dgm="http://schemas.openxmlformats.org/drawingml/2006/diagram" xmlns:o="urn:schemas-microsoft-com:office:office" xmlns:v="urn:schemas-microsoft-com:vml" xmlns:pvml="urn:schemas-microsoft-com:office:powerpoint" xmlns:com="http://schemas.openxmlformats.org/drawingml/2006/compatibility" xmlns:p14="http://schemas.microsoft.com/office/powerpoint/2010/main" xmlns:p15="http://schemas.microsoft.com/office/powerpoint/2012/main" showMasterPhAnim="0" showMasterSp="0">
+<p:notes xmlns:a="http://schemas.openxmlformats.org/drawingml/2006/main" xmlns:r="http://schemas.openxmlformats.org/officeDocument/2006/relationships" xmlns:p="http://schemas.openxmlformats.org/presentationml/2006/main" showMasterSp="0" showMasterPhAnim="0">
   <p:cSld>
     <p:spTree>
       <p:nvGrpSpPr>
-        <p:cNvPr id="79" name="Shape 79"/>
+        <p:cNvPr id="1" name="Shape 79"/>
         <p:cNvGrpSpPr/>
         <p:nvPr/>
       </p:nvGrpSpPr>
@@ -983,19 +1134,26 @@
       <p:sp>
         <p:nvSpPr>
           <p:cNvPr id="80" name="Shape 80"/>
-          <p:cNvSpPr/>
+          <p:cNvSpPr>
+            <a:spLocks noGrp="1" noRot="1" noChangeAspect="1"/>
+          </p:cNvSpPr>
           <p:nvPr>
-            <p:ph idx="2" type="sldImg"/>
+            <p:ph type="sldImg" idx="2"/>
           </p:nvPr>
         </p:nvSpPr>
         <p:spPr>
           <a:xfrm>
-            <a:off x="381188" y="685800"/>
-            <a:ext cx="6096300" cy="3429000"/>
+            <a:off x="381000" y="685800"/>
+            <a:ext cx="6096000" cy="3429000"/>
           </a:xfrm>
           <a:custGeom>
+            <a:avLst/>
+            <a:gdLst/>
+            <a:ahLst/>
+            <a:cxnLst/>
+            <a:rect l="0" t="0" r="0" b="0"/>
             <a:pathLst>
-              <a:path extrusionOk="0" h="120000" w="120000">
+              <a:path w="120000" h="120000" extrusionOk="0">
                 <a:moveTo>
                   <a:pt x="0" y="0"/>
                 </a:moveTo>
@@ -1017,9 +1175,11 @@
       <p:sp>
         <p:nvSpPr>
           <p:cNvPr id="81" name="Shape 81"/>
-          <p:cNvSpPr txBox="1"/>
+          <p:cNvSpPr txBox="1">
+            <a:spLocks noGrp="1"/>
+          </p:cNvSpPr>
           <p:nvPr>
-            <p:ph idx="1" type="body"/>
+            <p:ph type="body" idx="1"/>
           </p:nvPr>
         </p:nvSpPr>
         <p:spPr>
@@ -1032,7 +1192,7 @@
           </a:prstGeom>
         </p:spPr>
         <p:txBody>
-          <a:bodyPr anchorCtr="0" anchor="t" bIns="91425" lIns="91425" rIns="91425" wrap="square" tIns="91425">
+          <a:bodyPr wrap="square" lIns="91425" tIns="91425" rIns="91425" bIns="91425" anchor="t" anchorCtr="0">
             <a:noAutofit/>
           </a:bodyPr>
           <a:lstStyle/>
@@ -1043,9 +1203,6 @@
               </a:spcBef>
               <a:buNone/>
             </a:pPr>
-            <a:r>
-              <a:t/>
-            </a:r>
             <a:endParaRPr/>
           </a:p>
         </p:txBody>
@@ -1059,11 +1216,11 @@
 </file>
 
 <file path=ppt/notesSlides/notesSlide6.xml><?xml version="1.0" encoding="utf-8"?>
-<p:notes xmlns:a="http://schemas.openxmlformats.org/drawingml/2006/main" xmlns:r="http://schemas.openxmlformats.org/officeDocument/2006/relationships" xmlns:mc="http://schemas.openxmlformats.org/markup-compatibility/2006" xmlns:mv="urn:schemas-microsoft-com:mac:vml" xmlns:p="http://schemas.openxmlformats.org/presentationml/2006/main" xmlns:c="http://schemas.openxmlformats.org/drawingml/2006/chart" xmlns:dgm="http://schemas.openxmlformats.org/drawingml/2006/diagram" xmlns:o="urn:schemas-microsoft-com:office:office" xmlns:v="urn:schemas-microsoft-com:vml" xmlns:pvml="urn:schemas-microsoft-com:office:powerpoint" xmlns:com="http://schemas.openxmlformats.org/drawingml/2006/compatibility" xmlns:p14="http://schemas.microsoft.com/office/powerpoint/2010/main" xmlns:p15="http://schemas.microsoft.com/office/powerpoint/2012/main" showMasterPhAnim="0" showMasterSp="0">
+<p:notes xmlns:a="http://schemas.openxmlformats.org/drawingml/2006/main" xmlns:r="http://schemas.openxmlformats.org/officeDocument/2006/relationships" xmlns:p="http://schemas.openxmlformats.org/presentationml/2006/main" showMasterSp="0" showMasterPhAnim="0">
   <p:cSld>
     <p:spTree>
       <p:nvGrpSpPr>
-        <p:cNvPr id="85" name="Shape 85"/>
+        <p:cNvPr id="1" name="Shape 85"/>
         <p:cNvGrpSpPr/>
         <p:nvPr/>
       </p:nvGrpSpPr>
@@ -1078,9 +1235,11 @@
       <p:sp>
         <p:nvSpPr>
           <p:cNvPr id="86" name="Shape 86"/>
-          <p:cNvSpPr/>
+          <p:cNvSpPr>
+            <a:spLocks noGrp="1" noRot="1" noChangeAspect="1"/>
+          </p:cNvSpPr>
           <p:nvPr>
-            <p:ph idx="2" type="sldImg"/>
+            <p:ph type="sldImg" idx="2"/>
           </p:nvPr>
         </p:nvSpPr>
         <p:spPr>
@@ -1089,8 +1248,13 @@
             <a:ext cx="6096300" cy="3429000"/>
           </a:xfrm>
           <a:custGeom>
+            <a:avLst/>
+            <a:gdLst/>
+            <a:ahLst/>
+            <a:cxnLst/>
+            <a:rect l="0" t="0" r="0" b="0"/>
             <a:pathLst>
-              <a:path extrusionOk="0" h="120000" w="120000">
+              <a:path w="120000" h="120000" extrusionOk="0">
                 <a:moveTo>
                   <a:pt x="0" y="0"/>
                 </a:moveTo>
@@ -1112,9 +1276,11 @@
       <p:sp>
         <p:nvSpPr>
           <p:cNvPr id="87" name="Shape 87"/>
-          <p:cNvSpPr txBox="1"/>
+          <p:cNvSpPr txBox="1">
+            <a:spLocks noGrp="1"/>
+          </p:cNvSpPr>
           <p:nvPr>
-            <p:ph idx="1" type="body"/>
+            <p:ph type="body" idx="1"/>
           </p:nvPr>
         </p:nvSpPr>
         <p:spPr>
@@ -1127,7 +1293,7 @@
           </a:prstGeom>
         </p:spPr>
         <p:txBody>
-          <a:bodyPr anchorCtr="0" anchor="t" bIns="91425" lIns="91425" rIns="91425" wrap="square" tIns="91425">
+          <a:bodyPr wrap="square" lIns="91425" tIns="91425" rIns="91425" bIns="91425" anchor="t" anchorCtr="0">
             <a:noAutofit/>
           </a:bodyPr>
           <a:lstStyle/>
@@ -1138,9 +1304,6 @@
               </a:spcBef>
               <a:buNone/>
             </a:pPr>
-            <a:r>
-              <a:t/>
-            </a:r>
             <a:endParaRPr/>
           </a:p>
         </p:txBody>
@@ -1154,11 +1317,11 @@
 </file>
 
 <file path=ppt/notesSlides/notesSlide7.xml><?xml version="1.0" encoding="utf-8"?>
-<p:notes xmlns:a="http://schemas.openxmlformats.org/drawingml/2006/main" xmlns:r="http://schemas.openxmlformats.org/officeDocument/2006/relationships" xmlns:mc="http://schemas.openxmlformats.org/markup-compatibility/2006" xmlns:mv="urn:schemas-microsoft-com:mac:vml" xmlns:p="http://schemas.openxmlformats.org/presentationml/2006/main" xmlns:c="http://schemas.openxmlformats.org/drawingml/2006/chart" xmlns:dgm="http://schemas.openxmlformats.org/drawingml/2006/diagram" xmlns:o="urn:schemas-microsoft-com:office:office" xmlns:v="urn:schemas-microsoft-com:vml" xmlns:pvml="urn:schemas-microsoft-com:office:powerpoint" xmlns:com="http://schemas.openxmlformats.org/drawingml/2006/compatibility" xmlns:p14="http://schemas.microsoft.com/office/powerpoint/2010/main" xmlns:p15="http://schemas.microsoft.com/office/powerpoint/2012/main" showMasterPhAnim="0" showMasterSp="0">
+<p:notes xmlns:a="http://schemas.openxmlformats.org/drawingml/2006/main" xmlns:r="http://schemas.openxmlformats.org/officeDocument/2006/relationships" xmlns:p="http://schemas.openxmlformats.org/presentationml/2006/main" showMasterSp="0" showMasterPhAnim="0">
   <p:cSld>
     <p:spTree>
       <p:nvGrpSpPr>
-        <p:cNvPr id="91" name="Shape 91"/>
+        <p:cNvPr id="1" name="Shape 91"/>
         <p:cNvGrpSpPr/>
         <p:nvPr/>
       </p:nvGrpSpPr>
@@ -1173,9 +1336,11 @@
       <p:sp>
         <p:nvSpPr>
           <p:cNvPr id="92" name="Shape 92"/>
-          <p:cNvSpPr/>
+          <p:cNvSpPr>
+            <a:spLocks noGrp="1" noRot="1" noChangeAspect="1"/>
+          </p:cNvSpPr>
           <p:nvPr>
-            <p:ph idx="2" type="sldImg"/>
+            <p:ph type="sldImg" idx="2"/>
           </p:nvPr>
         </p:nvSpPr>
         <p:spPr>
@@ -1184,8 +1349,13 @@
             <a:ext cx="6096300" cy="3429000"/>
           </a:xfrm>
           <a:custGeom>
+            <a:avLst/>
+            <a:gdLst/>
+            <a:ahLst/>
+            <a:cxnLst/>
+            <a:rect l="0" t="0" r="0" b="0"/>
             <a:pathLst>
-              <a:path extrusionOk="0" h="120000" w="120000">
+              <a:path w="120000" h="120000" extrusionOk="0">
                 <a:moveTo>
                   <a:pt x="0" y="0"/>
                 </a:moveTo>
@@ -1207,9 +1377,11 @@
       <p:sp>
         <p:nvSpPr>
           <p:cNvPr id="93" name="Shape 93"/>
-          <p:cNvSpPr txBox="1"/>
+          <p:cNvSpPr txBox="1">
+            <a:spLocks noGrp="1"/>
+          </p:cNvSpPr>
           <p:nvPr>
-            <p:ph idx="1" type="body"/>
+            <p:ph type="body" idx="1"/>
           </p:nvPr>
         </p:nvSpPr>
         <p:spPr>
@@ -1222,7 +1394,7 @@
           </a:prstGeom>
         </p:spPr>
         <p:txBody>
-          <a:bodyPr anchorCtr="0" anchor="t" bIns="91425" lIns="91425" rIns="91425" wrap="square" tIns="91425">
+          <a:bodyPr wrap="square" lIns="91425" tIns="91425" rIns="91425" bIns="91425" anchor="t" anchorCtr="0">
             <a:noAutofit/>
           </a:bodyPr>
           <a:lstStyle/>
@@ -1233,9 +1405,6 @@
               </a:spcBef>
               <a:buNone/>
             </a:pPr>
-            <a:r>
-              <a:t/>
-            </a:r>
             <a:endParaRPr/>
           </a:p>
         </p:txBody>
@@ -1249,11 +1418,11 @@
 </file>
 
 <file path=ppt/notesSlides/notesSlide8.xml><?xml version="1.0" encoding="utf-8"?>
-<p:notes xmlns:a="http://schemas.openxmlformats.org/drawingml/2006/main" xmlns:r="http://schemas.openxmlformats.org/officeDocument/2006/relationships" xmlns:mc="http://schemas.openxmlformats.org/markup-compatibility/2006" xmlns:mv="urn:schemas-microsoft-com:mac:vml" xmlns:p="http://schemas.openxmlformats.org/presentationml/2006/main" xmlns:c="http://schemas.openxmlformats.org/drawingml/2006/chart" xmlns:dgm="http://schemas.openxmlformats.org/drawingml/2006/diagram" xmlns:o="urn:schemas-microsoft-com:office:office" xmlns:v="urn:schemas-microsoft-com:vml" xmlns:pvml="urn:schemas-microsoft-com:office:powerpoint" xmlns:com="http://schemas.openxmlformats.org/drawingml/2006/compatibility" xmlns:p14="http://schemas.microsoft.com/office/powerpoint/2010/main" xmlns:p15="http://schemas.microsoft.com/office/powerpoint/2012/main" showMasterPhAnim="0" showMasterSp="0">
+<p:notes xmlns:a="http://schemas.openxmlformats.org/drawingml/2006/main" xmlns:r="http://schemas.openxmlformats.org/officeDocument/2006/relationships" xmlns:p="http://schemas.openxmlformats.org/presentationml/2006/main" showMasterSp="0" showMasterPhAnim="0">
   <p:cSld>
     <p:spTree>
       <p:nvGrpSpPr>
-        <p:cNvPr id="97" name="Shape 97"/>
+        <p:cNvPr id="1" name="Shape 97"/>
         <p:cNvGrpSpPr/>
         <p:nvPr/>
       </p:nvGrpSpPr>
@@ -1268,9 +1437,11 @@
       <p:sp>
         <p:nvSpPr>
           <p:cNvPr id="98" name="Shape 98"/>
-          <p:cNvSpPr/>
+          <p:cNvSpPr>
+            <a:spLocks noGrp="1" noRot="1" noChangeAspect="1"/>
+          </p:cNvSpPr>
           <p:nvPr>
-            <p:ph idx="2" type="sldImg"/>
+            <p:ph type="sldImg" idx="2"/>
           </p:nvPr>
         </p:nvSpPr>
         <p:spPr>
@@ -1279,8 +1450,13 @@
             <a:ext cx="6096300" cy="3429000"/>
           </a:xfrm>
           <a:custGeom>
+            <a:avLst/>
+            <a:gdLst/>
+            <a:ahLst/>
+            <a:cxnLst/>
+            <a:rect l="0" t="0" r="0" b="0"/>
             <a:pathLst>
-              <a:path extrusionOk="0" h="120000" w="120000">
+              <a:path w="120000" h="120000" extrusionOk="0">
                 <a:moveTo>
                   <a:pt x="0" y="0"/>
                 </a:moveTo>
@@ -1302,9 +1478,11 @@
       <p:sp>
         <p:nvSpPr>
           <p:cNvPr id="99" name="Shape 99"/>
-          <p:cNvSpPr txBox="1"/>
+          <p:cNvSpPr txBox="1">
+            <a:spLocks noGrp="1"/>
+          </p:cNvSpPr>
           <p:nvPr>
-            <p:ph idx="1" type="body"/>
+            <p:ph type="body" idx="1"/>
           </p:nvPr>
         </p:nvSpPr>
         <p:spPr>
@@ -1317,7 +1495,7 @@
           </a:prstGeom>
         </p:spPr>
         <p:txBody>
-          <a:bodyPr anchorCtr="0" anchor="t" bIns="91425" lIns="91425" rIns="91425" wrap="square" tIns="91425">
+          <a:bodyPr wrap="square" lIns="91425" tIns="91425" rIns="91425" bIns="91425" anchor="t" anchorCtr="0">
             <a:noAutofit/>
           </a:bodyPr>
           <a:lstStyle/>
@@ -1328,9 +1506,6 @@
               </a:spcBef>
               <a:buNone/>
             </a:pPr>
-            <a:r>
-              <a:t/>
-            </a:r>
             <a:endParaRPr/>
           </a:p>
         </p:txBody>
@@ -1344,11 +1519,11 @@
 </file>
 
 <file path=ppt/notesSlides/notesSlide9.xml><?xml version="1.0" encoding="utf-8"?>
-<p:notes xmlns:a="http://schemas.openxmlformats.org/drawingml/2006/main" xmlns:r="http://schemas.openxmlformats.org/officeDocument/2006/relationships" xmlns:mc="http://schemas.openxmlformats.org/markup-compatibility/2006" xmlns:mv="urn:schemas-microsoft-com:mac:vml" xmlns:p="http://schemas.openxmlformats.org/presentationml/2006/main" xmlns:c="http://schemas.openxmlformats.org/drawingml/2006/chart" xmlns:dgm="http://schemas.openxmlformats.org/drawingml/2006/diagram" xmlns:o="urn:schemas-microsoft-com:office:office" xmlns:v="urn:schemas-microsoft-com:vml" xmlns:pvml="urn:schemas-microsoft-com:office:powerpoint" xmlns:com="http://schemas.openxmlformats.org/drawingml/2006/compatibility" xmlns:p14="http://schemas.microsoft.com/office/powerpoint/2010/main" xmlns:p15="http://schemas.microsoft.com/office/powerpoint/2012/main" showMasterPhAnim="0" showMasterSp="0">
+<p:notes xmlns:a="http://schemas.openxmlformats.org/drawingml/2006/main" xmlns:r="http://schemas.openxmlformats.org/officeDocument/2006/relationships" xmlns:p="http://schemas.openxmlformats.org/presentationml/2006/main" showMasterSp="0" showMasterPhAnim="0">
   <p:cSld>
     <p:spTree>
       <p:nvGrpSpPr>
-        <p:cNvPr id="103" name="Shape 103"/>
+        <p:cNvPr id="1" name="Shape 103"/>
         <p:cNvGrpSpPr/>
         <p:nvPr/>
       </p:nvGrpSpPr>
@@ -1363,19 +1538,26 @@
       <p:sp>
         <p:nvSpPr>
           <p:cNvPr id="104" name="Shape 104"/>
-          <p:cNvSpPr/>
+          <p:cNvSpPr>
+            <a:spLocks noGrp="1" noRot="1" noChangeAspect="1"/>
+          </p:cNvSpPr>
           <p:nvPr>
-            <p:ph idx="2" type="sldImg"/>
+            <p:ph type="sldImg" idx="2"/>
           </p:nvPr>
         </p:nvSpPr>
         <p:spPr>
           <a:xfrm>
-            <a:off x="381188" y="685800"/>
-            <a:ext cx="6096300" cy="3429000"/>
+            <a:off x="381000" y="685800"/>
+            <a:ext cx="6096000" cy="3429000"/>
           </a:xfrm>
           <a:custGeom>
+            <a:avLst/>
+            <a:gdLst/>
+            <a:ahLst/>
+            <a:cxnLst/>
+            <a:rect l="0" t="0" r="0" b="0"/>
             <a:pathLst>
-              <a:path extrusionOk="0" h="120000" w="120000">
+              <a:path w="120000" h="120000" extrusionOk="0">
                 <a:moveTo>
                   <a:pt x="0" y="0"/>
                 </a:moveTo>
@@ -1397,9 +1579,11 @@
       <p:sp>
         <p:nvSpPr>
           <p:cNvPr id="105" name="Shape 105"/>
-          <p:cNvSpPr txBox="1"/>
+          <p:cNvSpPr txBox="1">
+            <a:spLocks noGrp="1"/>
+          </p:cNvSpPr>
           <p:nvPr>
-            <p:ph idx="1" type="body"/>
+            <p:ph type="body" idx="1"/>
           </p:nvPr>
         </p:nvSpPr>
         <p:spPr>
@@ -1412,7 +1596,7 @@
           </a:prstGeom>
         </p:spPr>
         <p:txBody>
-          <a:bodyPr anchorCtr="0" anchor="t" bIns="91425" lIns="91425" rIns="91425" wrap="square" tIns="91425">
+          <a:bodyPr wrap="square" lIns="91425" tIns="91425" rIns="91425" bIns="91425" anchor="t" anchorCtr="0">
             <a:noAutofit/>
           </a:bodyPr>
           <a:lstStyle/>
@@ -1423,9 +1607,6 @@
               </a:spcBef>
               <a:buNone/>
             </a:pPr>
-            <a:r>
-              <a:t/>
-            </a:r>
             <a:endParaRPr/>
           </a:p>
         </p:txBody>
@@ -1439,18 +1620,19 @@
 </file>
 
 <file path=ppt/slideLayouts/slideLayout1.xml><?xml version="1.0" encoding="utf-8"?>
-<p:sldLayout xmlns:a="http://schemas.openxmlformats.org/drawingml/2006/main" xmlns:r="http://schemas.openxmlformats.org/officeDocument/2006/relationships" xmlns:mc="http://schemas.openxmlformats.org/markup-compatibility/2006" xmlns:mv="urn:schemas-microsoft-com:mac:vml" xmlns:p="http://schemas.openxmlformats.org/presentationml/2006/main" xmlns:c="http://schemas.openxmlformats.org/drawingml/2006/chart" xmlns:dgm="http://schemas.openxmlformats.org/drawingml/2006/diagram" xmlns:o="urn:schemas-microsoft-com:office:office" xmlns:v="urn:schemas-microsoft-com:vml" xmlns:pvml="urn:schemas-microsoft-com:office:powerpoint" xmlns:com="http://schemas.openxmlformats.org/drawingml/2006/compatibility" xmlns:p14="http://schemas.microsoft.com/office/powerpoint/2010/main" xmlns:p15="http://schemas.microsoft.com/office/powerpoint/2012/main" type="title">
+<p:sldLayout xmlns:a="http://schemas.openxmlformats.org/drawingml/2006/main" xmlns:r="http://schemas.openxmlformats.org/officeDocument/2006/relationships" xmlns:p="http://schemas.openxmlformats.org/presentationml/2006/main" type="title">
   <p:cSld name="Title slide">
     <p:bg>
       <p:bgPr>
         <a:solidFill>
           <a:schemeClr val="dk1"/>
         </a:solidFill>
+        <a:effectLst/>
       </p:bgPr>
     </p:bg>
     <p:spTree>
       <p:nvGrpSpPr>
-        <p:cNvPr id="9" name="Shape 9"/>
+        <p:cNvPr id="1" name="Shape 9"/>
         <p:cNvGrpSpPr/>
         <p:nvPr/>
       </p:nvGrpSpPr>
@@ -1484,7 +1666,7 @@
           </a:ln>
         </p:spPr>
         <p:txBody>
-          <a:bodyPr anchorCtr="0" anchor="ctr" bIns="91425" lIns="91425" rIns="91425" wrap="square" tIns="91425">
+          <a:bodyPr wrap="square" lIns="91425" tIns="91425" rIns="91425" bIns="91425" anchor="ctr" anchorCtr="0">
             <a:noAutofit/>
           </a:bodyPr>
           <a:lstStyle/>
@@ -1495,9 +1677,6 @@
               </a:spcBef>
               <a:buNone/>
             </a:pPr>
-            <a:r>
-              <a:t/>
-            </a:r>
             <a:endParaRPr/>
           </a:p>
         </p:txBody>
@@ -1517,21 +1696,23 @@
             <a:avLst/>
           </a:prstGeom>
           <a:noFill/>
-          <a:ln cap="flat" cmpd="sng" w="28575">
+          <a:ln w="28575" cap="flat" cmpd="sng">
             <a:solidFill>
               <a:schemeClr val="accent1"/>
             </a:solidFill>
             <a:prstDash val="solid"/>
             <a:round/>
-            <a:headEnd len="med" w="med" type="none"/>
-            <a:tailEnd len="med" w="med" type="none"/>
+            <a:headEnd type="none" w="med" len="med"/>
+            <a:tailEnd type="none" w="med" len="med"/>
           </a:ln>
         </p:spPr>
       </p:cxnSp>
       <p:sp>
         <p:nvSpPr>
           <p:cNvPr id="12" name="Shape 12"/>
-          <p:cNvSpPr txBox="1"/>
+          <p:cNvSpPr txBox="1">
+            <a:spLocks noGrp="1"/>
+          </p:cNvSpPr>
           <p:nvPr>
             <p:ph type="ctrTitle"/>
           </p:nvPr>
@@ -1546,7 +1727,7 @@
           </a:prstGeom>
         </p:spPr>
         <p:txBody>
-          <a:bodyPr anchorCtr="0" anchor="b" bIns="91425" lIns="91425" rIns="91425" wrap="square" tIns="91425"/>
+          <a:bodyPr wrap="square" lIns="91425" tIns="91425" rIns="91425" bIns="91425" anchor="b" anchorCtr="0"/>
           <a:lstStyle>
             <a:lvl1pPr lvl="0">
               <a:spcBef>
@@ -1675,15 +1856,19 @@
               </a:defRPr>
             </a:lvl9pPr>
           </a:lstStyle>
-          <a:p/>
+          <a:p>
+            <a:endParaRPr/>
+          </a:p>
         </p:txBody>
       </p:sp>
       <p:sp>
         <p:nvSpPr>
           <p:cNvPr id="13" name="Shape 13"/>
-          <p:cNvSpPr txBox="1"/>
+          <p:cNvSpPr txBox="1">
+            <a:spLocks noGrp="1"/>
+          </p:cNvSpPr>
           <p:nvPr>
-            <p:ph idx="1" type="subTitle"/>
+            <p:ph type="subTitle" idx="1"/>
           </p:nvPr>
         </p:nvSpPr>
         <p:spPr>
@@ -1696,7 +1881,7 @@
           </a:prstGeom>
         </p:spPr>
         <p:txBody>
-          <a:bodyPr anchorCtr="0" anchor="t" bIns="91425" lIns="91425" rIns="91425" wrap="square" tIns="91425"/>
+          <a:bodyPr wrap="square" lIns="91425" tIns="91425" rIns="91425" bIns="91425" anchor="t" anchorCtr="0"/>
           <a:lstStyle>
             <a:lvl1pPr lvl="0">
               <a:lnSpc>
@@ -1888,15 +2073,19 @@
               </a:defRPr>
             </a:lvl9pPr>
           </a:lstStyle>
-          <a:p/>
+          <a:p>
+            <a:endParaRPr/>
+          </a:p>
         </p:txBody>
       </p:sp>
       <p:sp>
         <p:nvSpPr>
           <p:cNvPr id="14" name="Shape 14"/>
-          <p:cNvSpPr txBox="1"/>
+          <p:cNvSpPr txBox="1">
+            <a:spLocks noGrp="1"/>
+          </p:cNvSpPr>
           <p:nvPr>
-            <p:ph idx="12" type="sldNum"/>
+            <p:ph type="sldNum" idx="12"/>
           </p:nvPr>
         </p:nvSpPr>
         <p:spPr>
@@ -1909,7 +2098,7 @@
           </a:prstGeom>
         </p:spPr>
         <p:txBody>
-          <a:bodyPr anchorCtr="0" anchor="ctr" bIns="91425" lIns="91425" rIns="91425" wrap="square" tIns="91425">
+          <a:bodyPr wrap="square" lIns="91425" tIns="91425" rIns="91425" bIns="91425" anchor="ctr" anchorCtr="0">
             <a:noAutofit/>
           </a:bodyPr>
           <a:lstStyle/>
@@ -1926,8 +2115,19 @@
                   <a:schemeClr val="accent1"/>
                 </a:solidFill>
               </a:rPr>
+              <a:pPr lvl="0">
+                <a:spcBef>
+                  <a:spcPts val="0"/>
+                </a:spcBef>
+                <a:buNone/>
+              </a:pPr>
               <a:t>‹#›</a:t>
             </a:fld>
+            <a:endParaRPr lang="en">
+              <a:solidFill>
+                <a:schemeClr val="accent1"/>
+              </a:solidFill>
+            </a:endParaRPr>
           </a:p>
         </p:txBody>
       </p:sp>
@@ -1940,11 +2140,11 @@
 </file>
 
 <file path=ppt/slideLayouts/slideLayout10.xml><?xml version="1.0" encoding="utf-8"?>
-<p:sldLayout xmlns:a="http://schemas.openxmlformats.org/drawingml/2006/main" xmlns:r="http://schemas.openxmlformats.org/officeDocument/2006/relationships" xmlns:mc="http://schemas.openxmlformats.org/markup-compatibility/2006" xmlns:mv="urn:schemas-microsoft-com:mac:vml" xmlns:p="http://schemas.openxmlformats.org/presentationml/2006/main" xmlns:c="http://schemas.openxmlformats.org/drawingml/2006/chart" xmlns:dgm="http://schemas.openxmlformats.org/drawingml/2006/diagram" xmlns:o="urn:schemas-microsoft-com:office:office" xmlns:v="urn:schemas-microsoft-com:vml" xmlns:pvml="urn:schemas-microsoft-com:office:powerpoint" xmlns:com="http://schemas.openxmlformats.org/drawingml/2006/compatibility" xmlns:p14="http://schemas.microsoft.com/office/powerpoint/2010/main" xmlns:p15="http://schemas.microsoft.com/office/powerpoint/2012/main">
+<p:sldLayout xmlns:a="http://schemas.openxmlformats.org/drawingml/2006/main" xmlns:r="http://schemas.openxmlformats.org/officeDocument/2006/relationships" xmlns:p="http://schemas.openxmlformats.org/presentationml/2006/main">
   <p:cSld name="Big number">
     <p:spTree>
       <p:nvGrpSpPr>
-        <p:cNvPr id="49" name="Shape 49"/>
+        <p:cNvPr id="1" name="Shape 49"/>
         <p:cNvGrpSpPr/>
         <p:nvPr/>
       </p:nvGrpSpPr>
@@ -1959,7 +2159,9 @@
       <p:sp>
         <p:nvSpPr>
           <p:cNvPr id="50" name="Shape 50"/>
-          <p:cNvSpPr txBox="1"/>
+          <p:cNvSpPr txBox="1">
+            <a:spLocks noGrp="1"/>
+          </p:cNvSpPr>
           <p:nvPr>
             <p:ph type="title"/>
           </p:nvPr>
@@ -1974,81 +2176,85 @@
           </a:prstGeom>
         </p:spPr>
         <p:txBody>
-          <a:bodyPr anchorCtr="0" anchor="b" bIns="91425" lIns="91425" rIns="91425" wrap="square" tIns="91425"/>
+          <a:bodyPr wrap="square" lIns="91425" tIns="91425" rIns="91425" bIns="91425" anchor="b" anchorCtr="0"/>
           <a:lstStyle>
             <a:lvl1pPr lvl="0" algn="ctr">
               <a:spcBef>
                 <a:spcPts val="0"/>
               </a:spcBef>
               <a:buSzPct val="100000"/>
-              <a:defRPr b="1" sz="14000"/>
+              <a:defRPr sz="14000" b="1"/>
             </a:lvl1pPr>
             <a:lvl2pPr lvl="1" algn="ctr">
               <a:spcBef>
                 <a:spcPts val="0"/>
               </a:spcBef>
               <a:buSzPct val="100000"/>
-              <a:defRPr b="1" sz="14000"/>
+              <a:defRPr sz="14000" b="1"/>
             </a:lvl2pPr>
             <a:lvl3pPr lvl="2" algn="ctr">
               <a:spcBef>
                 <a:spcPts val="0"/>
               </a:spcBef>
               <a:buSzPct val="100000"/>
-              <a:defRPr b="1" sz="14000"/>
+              <a:defRPr sz="14000" b="1"/>
             </a:lvl3pPr>
             <a:lvl4pPr lvl="3" algn="ctr">
               <a:spcBef>
                 <a:spcPts val="0"/>
               </a:spcBef>
               <a:buSzPct val="100000"/>
-              <a:defRPr b="1" sz="14000"/>
+              <a:defRPr sz="14000" b="1"/>
             </a:lvl4pPr>
             <a:lvl5pPr lvl="4" algn="ctr">
               <a:spcBef>
                 <a:spcPts val="0"/>
               </a:spcBef>
               <a:buSzPct val="100000"/>
-              <a:defRPr b="1" sz="14000"/>
+              <a:defRPr sz="14000" b="1"/>
             </a:lvl5pPr>
             <a:lvl6pPr lvl="5" algn="ctr">
               <a:spcBef>
                 <a:spcPts val="0"/>
               </a:spcBef>
               <a:buSzPct val="100000"/>
-              <a:defRPr b="1" sz="14000"/>
+              <a:defRPr sz="14000" b="1"/>
             </a:lvl6pPr>
             <a:lvl7pPr lvl="6" algn="ctr">
               <a:spcBef>
                 <a:spcPts val="0"/>
               </a:spcBef>
               <a:buSzPct val="100000"/>
-              <a:defRPr b="1" sz="14000"/>
+              <a:defRPr sz="14000" b="1"/>
             </a:lvl7pPr>
             <a:lvl8pPr lvl="7" algn="ctr">
               <a:spcBef>
                 <a:spcPts val="0"/>
               </a:spcBef>
               <a:buSzPct val="100000"/>
-              <a:defRPr b="1" sz="14000"/>
+              <a:defRPr sz="14000" b="1"/>
             </a:lvl8pPr>
             <a:lvl9pPr lvl="8" algn="ctr">
               <a:spcBef>
                 <a:spcPts val="0"/>
               </a:spcBef>
               <a:buSzPct val="100000"/>
-              <a:defRPr b="1" sz="14000"/>
+              <a:defRPr sz="14000" b="1"/>
             </a:lvl9pPr>
           </a:lstStyle>
-          <a:p/>
+          <a:p>
+            <a:endParaRPr/>
+          </a:p>
         </p:txBody>
       </p:sp>
       <p:sp>
         <p:nvSpPr>
           <p:cNvPr id="51" name="Shape 51"/>
-          <p:cNvSpPr txBox="1"/>
+          <p:cNvSpPr txBox="1">
+            <a:spLocks noGrp="1"/>
+          </p:cNvSpPr>
           <p:nvPr>
-            <p:ph idx="1" type="body"/>
+            <p:ph type="body" idx="1"/>
           </p:nvPr>
         </p:nvSpPr>
         <p:spPr>
@@ -2061,7 +2267,7 @@
           </a:prstGeom>
         </p:spPr>
         <p:txBody>
-          <a:bodyPr anchorCtr="0" anchor="t" bIns="91425" lIns="91425" rIns="91425" wrap="square" tIns="91425"/>
+          <a:bodyPr wrap="square" lIns="91425" tIns="91425" rIns="91425" bIns="91425" anchor="t" anchorCtr="0"/>
           <a:lstStyle>
             <a:lvl1pPr lvl="0" algn="ctr">
               <a:spcBef>
@@ -2118,15 +2324,19 @@
               <a:defRPr/>
             </a:lvl9pPr>
           </a:lstStyle>
-          <a:p/>
+          <a:p>
+            <a:endParaRPr/>
+          </a:p>
         </p:txBody>
       </p:sp>
       <p:sp>
         <p:nvSpPr>
           <p:cNvPr id="52" name="Shape 52"/>
-          <p:cNvSpPr txBox="1"/>
+          <p:cNvSpPr txBox="1">
+            <a:spLocks noGrp="1"/>
+          </p:cNvSpPr>
           <p:nvPr>
-            <p:ph idx="12" type="sldNum"/>
+            <p:ph type="sldNum" idx="12"/>
           </p:nvPr>
         </p:nvSpPr>
         <p:spPr>
@@ -2139,7 +2349,7 @@
           </a:prstGeom>
         </p:spPr>
         <p:txBody>
-          <a:bodyPr anchorCtr="0" anchor="ctr" bIns="91425" lIns="91425" rIns="91425" wrap="square" tIns="91425">
+          <a:bodyPr wrap="square" lIns="91425" tIns="91425" rIns="91425" bIns="91425" anchor="ctr" anchorCtr="0">
             <a:noAutofit/>
           </a:bodyPr>
           <a:lstStyle/>
@@ -2152,8 +2362,15 @@
             </a:pPr>
             <a:fld id="{00000000-1234-1234-1234-123412341234}" type="slidenum">
               <a:rPr lang="en"/>
+              <a:pPr lvl="0">
+                <a:spcBef>
+                  <a:spcPts val="0"/>
+                </a:spcBef>
+                <a:buNone/>
+              </a:pPr>
               <a:t>‹#›</a:t>
             </a:fld>
+            <a:endParaRPr lang="en"/>
           </a:p>
         </p:txBody>
       </p:sp>
@@ -2166,11 +2383,11 @@
 </file>
 
 <file path=ppt/slideLayouts/slideLayout11.xml><?xml version="1.0" encoding="utf-8"?>
-<p:sldLayout xmlns:a="http://schemas.openxmlformats.org/drawingml/2006/main" xmlns:r="http://schemas.openxmlformats.org/officeDocument/2006/relationships" xmlns:mc="http://schemas.openxmlformats.org/markup-compatibility/2006" xmlns:mv="urn:schemas-microsoft-com:mac:vml" xmlns:p="http://schemas.openxmlformats.org/presentationml/2006/main" xmlns:c="http://schemas.openxmlformats.org/drawingml/2006/chart" xmlns:dgm="http://schemas.openxmlformats.org/drawingml/2006/diagram" xmlns:o="urn:schemas-microsoft-com:office:office" xmlns:v="urn:schemas-microsoft-com:vml" xmlns:pvml="urn:schemas-microsoft-com:office:powerpoint" xmlns:com="http://schemas.openxmlformats.org/drawingml/2006/compatibility" xmlns:p14="http://schemas.microsoft.com/office/powerpoint/2010/main" xmlns:p15="http://schemas.microsoft.com/office/powerpoint/2012/main" type="blank">
+<p:sldLayout xmlns:a="http://schemas.openxmlformats.org/drawingml/2006/main" xmlns:r="http://schemas.openxmlformats.org/officeDocument/2006/relationships" xmlns:p="http://schemas.openxmlformats.org/presentationml/2006/main" type="blank">
   <p:cSld name="Blank">
     <p:spTree>
       <p:nvGrpSpPr>
-        <p:cNvPr id="53" name="Shape 53"/>
+        <p:cNvPr id="1" name="Shape 53"/>
         <p:cNvGrpSpPr/>
         <p:nvPr/>
       </p:nvGrpSpPr>
@@ -2185,9 +2402,11 @@
       <p:sp>
         <p:nvSpPr>
           <p:cNvPr id="54" name="Shape 54"/>
-          <p:cNvSpPr txBox="1"/>
+          <p:cNvSpPr txBox="1">
+            <a:spLocks noGrp="1"/>
+          </p:cNvSpPr>
           <p:nvPr>
-            <p:ph idx="12" type="sldNum"/>
+            <p:ph type="sldNum" idx="12"/>
           </p:nvPr>
         </p:nvSpPr>
         <p:spPr>
@@ -2200,7 +2419,7 @@
           </a:prstGeom>
         </p:spPr>
         <p:txBody>
-          <a:bodyPr anchorCtr="0" anchor="ctr" bIns="91425" lIns="91425" rIns="91425" wrap="square" tIns="91425">
+          <a:bodyPr wrap="square" lIns="91425" tIns="91425" rIns="91425" bIns="91425" anchor="ctr" anchorCtr="0">
             <a:noAutofit/>
           </a:bodyPr>
           <a:lstStyle/>
@@ -2213,8 +2432,15 @@
             </a:pPr>
             <a:fld id="{00000000-1234-1234-1234-123412341234}" type="slidenum">
               <a:rPr lang="en"/>
+              <a:pPr lvl="0">
+                <a:spcBef>
+                  <a:spcPts val="0"/>
+                </a:spcBef>
+                <a:buNone/>
+              </a:pPr>
               <a:t>‹#›</a:t>
             </a:fld>
+            <a:endParaRPr lang="en"/>
           </a:p>
         </p:txBody>
       </p:sp>
@@ -2227,18 +2453,19 @@
 </file>
 
 <file path=ppt/slideLayouts/slideLayout2.xml><?xml version="1.0" encoding="utf-8"?>
-<p:sldLayout xmlns:a="http://schemas.openxmlformats.org/drawingml/2006/main" xmlns:r="http://schemas.openxmlformats.org/officeDocument/2006/relationships" xmlns:mc="http://schemas.openxmlformats.org/markup-compatibility/2006" xmlns:mv="urn:schemas-microsoft-com:mac:vml" xmlns:p="http://schemas.openxmlformats.org/presentationml/2006/main" xmlns:c="http://schemas.openxmlformats.org/drawingml/2006/chart" xmlns:dgm="http://schemas.openxmlformats.org/drawingml/2006/diagram" xmlns:o="urn:schemas-microsoft-com:office:office" xmlns:v="urn:schemas-microsoft-com:vml" xmlns:pvml="urn:schemas-microsoft-com:office:powerpoint" xmlns:com="http://schemas.openxmlformats.org/drawingml/2006/compatibility" xmlns:p14="http://schemas.microsoft.com/office/powerpoint/2010/main" xmlns:p15="http://schemas.microsoft.com/office/powerpoint/2012/main" type="secHead">
+<p:sldLayout xmlns:a="http://schemas.openxmlformats.org/drawingml/2006/main" xmlns:r="http://schemas.openxmlformats.org/officeDocument/2006/relationships" xmlns:p="http://schemas.openxmlformats.org/presentationml/2006/main" type="secHead">
   <p:cSld name="Section header">
     <p:bg>
       <p:bgPr>
         <a:solidFill>
           <a:schemeClr val="dk1"/>
         </a:solidFill>
+        <a:effectLst/>
       </p:bgPr>
     </p:bg>
     <p:spTree>
       <p:nvGrpSpPr>
-        <p:cNvPr id="15" name="Shape 15"/>
+        <p:cNvPr id="1" name="Shape 15"/>
         <p:cNvGrpSpPr/>
         <p:nvPr/>
       </p:nvGrpSpPr>
@@ -2265,21 +2492,23 @@
             <a:avLst/>
           </a:prstGeom>
           <a:noFill/>
-          <a:ln cap="flat" cmpd="sng" w="28575">
+          <a:ln w="28575" cap="flat" cmpd="sng">
             <a:solidFill>
               <a:schemeClr val="lt2"/>
             </a:solidFill>
             <a:prstDash val="solid"/>
             <a:round/>
-            <a:headEnd len="med" w="med" type="none"/>
-            <a:tailEnd len="med" w="med" type="none"/>
+            <a:headEnd type="none" w="med" len="med"/>
+            <a:tailEnd type="none" w="med" len="med"/>
           </a:ln>
         </p:spPr>
       </p:cxnSp>
       <p:sp>
         <p:nvSpPr>
           <p:cNvPr id="17" name="Shape 17"/>
-          <p:cNvSpPr txBox="1"/>
+          <p:cNvSpPr txBox="1">
+            <a:spLocks noGrp="1"/>
+          </p:cNvSpPr>
           <p:nvPr>
             <p:ph type="title"/>
           </p:nvPr>
@@ -2294,7 +2523,7 @@
           </a:prstGeom>
         </p:spPr>
         <p:txBody>
-          <a:bodyPr anchorCtr="0" anchor="b" bIns="91425" lIns="91425" rIns="91425" wrap="square" tIns="91425"/>
+          <a:bodyPr wrap="square" lIns="91425" tIns="91425" rIns="91425" bIns="91425" anchor="b" anchorCtr="0"/>
           <a:lstStyle>
             <a:lvl1pPr lvl="0">
               <a:spcBef>
@@ -2423,15 +2652,19 @@
               </a:defRPr>
             </a:lvl9pPr>
           </a:lstStyle>
-          <a:p/>
+          <a:p>
+            <a:endParaRPr/>
+          </a:p>
         </p:txBody>
       </p:sp>
       <p:sp>
         <p:nvSpPr>
           <p:cNvPr id="18" name="Shape 18"/>
-          <p:cNvSpPr txBox="1"/>
+          <p:cNvSpPr txBox="1">
+            <a:spLocks noGrp="1"/>
+          </p:cNvSpPr>
           <p:nvPr>
-            <p:ph idx="12" type="sldNum"/>
+            <p:ph type="sldNum" idx="12"/>
           </p:nvPr>
         </p:nvSpPr>
         <p:spPr>
@@ -2444,7 +2677,7 @@
           </a:prstGeom>
         </p:spPr>
         <p:txBody>
-          <a:bodyPr anchorCtr="0" anchor="ctr" bIns="91425" lIns="91425" rIns="91425" wrap="square" tIns="91425">
+          <a:bodyPr wrap="square" lIns="91425" tIns="91425" rIns="91425" bIns="91425" anchor="ctr" anchorCtr="0">
             <a:noAutofit/>
           </a:bodyPr>
           <a:lstStyle/>
@@ -2461,8 +2694,19 @@
                   <a:schemeClr val="accent1"/>
                 </a:solidFill>
               </a:rPr>
+              <a:pPr lvl="0">
+                <a:spcBef>
+                  <a:spcPts val="0"/>
+                </a:spcBef>
+                <a:buNone/>
+              </a:pPr>
               <a:t>‹#›</a:t>
             </a:fld>
+            <a:endParaRPr lang="en">
+              <a:solidFill>
+                <a:schemeClr val="accent1"/>
+              </a:solidFill>
+            </a:endParaRPr>
           </a:p>
         </p:txBody>
       </p:sp>
@@ -2475,11 +2719,11 @@
 </file>
 
 <file path=ppt/slideLayouts/slideLayout3.xml><?xml version="1.0" encoding="utf-8"?>
-<p:sldLayout xmlns:a="http://schemas.openxmlformats.org/drawingml/2006/main" xmlns:r="http://schemas.openxmlformats.org/officeDocument/2006/relationships" xmlns:mc="http://schemas.openxmlformats.org/markup-compatibility/2006" xmlns:mv="urn:schemas-microsoft-com:mac:vml" xmlns:p="http://schemas.openxmlformats.org/presentationml/2006/main" xmlns:c="http://schemas.openxmlformats.org/drawingml/2006/chart" xmlns:dgm="http://schemas.openxmlformats.org/drawingml/2006/diagram" xmlns:o="urn:schemas-microsoft-com:office:office" xmlns:v="urn:schemas-microsoft-com:vml" xmlns:pvml="urn:schemas-microsoft-com:office:powerpoint" xmlns:com="http://schemas.openxmlformats.org/drawingml/2006/compatibility" xmlns:p14="http://schemas.microsoft.com/office/powerpoint/2010/main" xmlns:p15="http://schemas.microsoft.com/office/powerpoint/2012/main" type="tx">
+<p:sldLayout xmlns:a="http://schemas.openxmlformats.org/drawingml/2006/main" xmlns:r="http://schemas.openxmlformats.org/officeDocument/2006/relationships" xmlns:p="http://schemas.openxmlformats.org/presentationml/2006/main" type="tx">
   <p:cSld name="Title and body">
     <p:spTree>
       <p:nvGrpSpPr>
-        <p:cNvPr id="19" name="Shape 19"/>
+        <p:cNvPr id="1" name="Shape 19"/>
         <p:cNvGrpSpPr/>
         <p:nvPr/>
       </p:nvGrpSpPr>
@@ -2513,7 +2757,7 @@
           </a:ln>
         </p:spPr>
         <p:txBody>
-          <a:bodyPr anchorCtr="0" anchor="ctr" bIns="91425" lIns="91425" rIns="91425" wrap="square" tIns="91425">
+          <a:bodyPr wrap="square" lIns="91425" tIns="91425" rIns="91425" bIns="91425" anchor="ctr" anchorCtr="0">
             <a:noAutofit/>
           </a:bodyPr>
           <a:lstStyle/>
@@ -2524,9 +2768,6 @@
               </a:spcBef>
               <a:buNone/>
             </a:pPr>
-            <a:r>
-              <a:t/>
-            </a:r>
             <a:endParaRPr/>
           </a:p>
         </p:txBody>
@@ -2534,7 +2775,9 @@
       <p:sp>
         <p:nvSpPr>
           <p:cNvPr id="21" name="Shape 21"/>
-          <p:cNvSpPr txBox="1"/>
+          <p:cNvSpPr txBox="1">
+            <a:spLocks noGrp="1"/>
+          </p:cNvSpPr>
           <p:nvPr>
             <p:ph type="title"/>
           </p:nvPr>
@@ -2549,7 +2792,7 @@
           </a:prstGeom>
         </p:spPr>
         <p:txBody>
-          <a:bodyPr anchorCtr="0" anchor="t" bIns="91425" lIns="91425" rIns="91425" wrap="square" tIns="91425"/>
+          <a:bodyPr wrap="square" lIns="91425" tIns="91425" rIns="91425" bIns="91425" anchor="t" anchorCtr="0"/>
           <a:lstStyle>
             <a:lvl1pPr lvl="0">
               <a:spcBef>
@@ -2606,15 +2849,19 @@
               <a:defRPr/>
             </a:lvl9pPr>
           </a:lstStyle>
-          <a:p/>
+          <a:p>
+            <a:endParaRPr/>
+          </a:p>
         </p:txBody>
       </p:sp>
       <p:sp>
         <p:nvSpPr>
           <p:cNvPr id="22" name="Shape 22"/>
-          <p:cNvSpPr txBox="1"/>
+          <p:cNvSpPr txBox="1">
+            <a:spLocks noGrp="1"/>
+          </p:cNvSpPr>
           <p:nvPr>
-            <p:ph idx="1" type="body"/>
+            <p:ph type="body" idx="1"/>
           </p:nvPr>
         </p:nvSpPr>
         <p:spPr>
@@ -2627,7 +2874,7 @@
           </a:prstGeom>
         </p:spPr>
         <p:txBody>
-          <a:bodyPr anchorCtr="0" anchor="t" bIns="91425" lIns="91425" rIns="91425" wrap="square" tIns="91425"/>
+          <a:bodyPr wrap="square" lIns="91425" tIns="91425" rIns="91425" bIns="91425" anchor="t" anchorCtr="0"/>
           <a:lstStyle>
             <a:lvl1pPr lvl="0">
               <a:spcBef>
@@ -2684,15 +2931,19 @@
               <a:defRPr/>
             </a:lvl9pPr>
           </a:lstStyle>
-          <a:p/>
+          <a:p>
+            <a:endParaRPr/>
+          </a:p>
         </p:txBody>
       </p:sp>
       <p:sp>
         <p:nvSpPr>
           <p:cNvPr id="23" name="Shape 23"/>
-          <p:cNvSpPr txBox="1"/>
+          <p:cNvSpPr txBox="1">
+            <a:spLocks noGrp="1"/>
+          </p:cNvSpPr>
           <p:nvPr>
-            <p:ph idx="12" type="sldNum"/>
+            <p:ph type="sldNum" idx="12"/>
           </p:nvPr>
         </p:nvSpPr>
         <p:spPr>
@@ -2705,7 +2956,7 @@
           </a:prstGeom>
         </p:spPr>
         <p:txBody>
-          <a:bodyPr anchorCtr="0" anchor="ctr" bIns="91425" lIns="91425" rIns="91425" wrap="square" tIns="91425">
+          <a:bodyPr wrap="square" lIns="91425" tIns="91425" rIns="91425" bIns="91425" anchor="ctr" anchorCtr="0">
             <a:noAutofit/>
           </a:bodyPr>
           <a:lstStyle/>
@@ -2718,8 +2969,15 @@
             </a:pPr>
             <a:fld id="{00000000-1234-1234-1234-123412341234}" type="slidenum">
               <a:rPr lang="en"/>
+              <a:pPr lvl="0">
+                <a:spcBef>
+                  <a:spcPts val="0"/>
+                </a:spcBef>
+                <a:buNone/>
+              </a:pPr>
               <a:t>‹#›</a:t>
             </a:fld>
+            <a:endParaRPr lang="en"/>
           </a:p>
         </p:txBody>
       </p:sp>
@@ -2732,11 +2990,11 @@
 </file>
 
 <file path=ppt/slideLayouts/slideLayout4.xml><?xml version="1.0" encoding="utf-8"?>
-<p:sldLayout xmlns:a="http://schemas.openxmlformats.org/drawingml/2006/main" xmlns:r="http://schemas.openxmlformats.org/officeDocument/2006/relationships" xmlns:mc="http://schemas.openxmlformats.org/markup-compatibility/2006" xmlns:mv="urn:schemas-microsoft-com:mac:vml" xmlns:p="http://schemas.openxmlformats.org/presentationml/2006/main" xmlns:c="http://schemas.openxmlformats.org/drawingml/2006/chart" xmlns:dgm="http://schemas.openxmlformats.org/drawingml/2006/diagram" xmlns:o="urn:schemas-microsoft-com:office:office" xmlns:v="urn:schemas-microsoft-com:vml" xmlns:pvml="urn:schemas-microsoft-com:office:powerpoint" xmlns:com="http://schemas.openxmlformats.org/drawingml/2006/compatibility" xmlns:p14="http://schemas.microsoft.com/office/powerpoint/2010/main" xmlns:p15="http://schemas.microsoft.com/office/powerpoint/2012/main" type="twoColTx">
+<p:sldLayout xmlns:a="http://schemas.openxmlformats.org/drawingml/2006/main" xmlns:r="http://schemas.openxmlformats.org/officeDocument/2006/relationships" xmlns:p="http://schemas.openxmlformats.org/presentationml/2006/main" type="twoColTx">
   <p:cSld name="Title and two columns">
     <p:spTree>
       <p:nvGrpSpPr>
-        <p:cNvPr id="24" name="Shape 24"/>
+        <p:cNvPr id="1" name="Shape 24"/>
         <p:cNvGrpSpPr/>
         <p:nvPr/>
       </p:nvGrpSpPr>
@@ -2751,7 +3009,9 @@
       <p:sp>
         <p:nvSpPr>
           <p:cNvPr id="25" name="Shape 25"/>
-          <p:cNvSpPr txBox="1"/>
+          <p:cNvSpPr txBox="1">
+            <a:spLocks noGrp="1"/>
+          </p:cNvSpPr>
           <p:nvPr>
             <p:ph type="title"/>
           </p:nvPr>
@@ -2766,7 +3026,7 @@
           </a:prstGeom>
         </p:spPr>
         <p:txBody>
-          <a:bodyPr anchorCtr="0" anchor="t" bIns="91425" lIns="91425" rIns="91425" wrap="square" tIns="91425"/>
+          <a:bodyPr wrap="square" lIns="91425" tIns="91425" rIns="91425" bIns="91425" anchor="t" anchorCtr="0"/>
           <a:lstStyle>
             <a:lvl1pPr lvl="0">
               <a:spcBef>
@@ -2823,15 +3083,19 @@
               <a:defRPr/>
             </a:lvl9pPr>
           </a:lstStyle>
-          <a:p/>
+          <a:p>
+            <a:endParaRPr/>
+          </a:p>
         </p:txBody>
       </p:sp>
       <p:sp>
         <p:nvSpPr>
           <p:cNvPr id="26" name="Shape 26"/>
-          <p:cNvSpPr txBox="1"/>
+          <p:cNvSpPr txBox="1">
+            <a:spLocks noGrp="1"/>
+          </p:cNvSpPr>
           <p:nvPr>
-            <p:ph idx="1" type="body"/>
+            <p:ph type="body" idx="1"/>
           </p:nvPr>
         </p:nvSpPr>
         <p:spPr>
@@ -2844,7 +3108,7 @@
           </a:prstGeom>
         </p:spPr>
         <p:txBody>
-          <a:bodyPr anchorCtr="0" anchor="t" bIns="91425" lIns="91425" rIns="91425" wrap="square" tIns="91425"/>
+          <a:bodyPr wrap="square" lIns="91425" tIns="91425" rIns="91425" bIns="91425" anchor="t" anchorCtr="0"/>
           <a:lstStyle>
             <a:lvl1pPr lvl="0">
               <a:spcBef>
@@ -2910,15 +3174,19 @@
               <a:defRPr sz="1200"/>
             </a:lvl9pPr>
           </a:lstStyle>
-          <a:p/>
+          <a:p>
+            <a:endParaRPr/>
+          </a:p>
         </p:txBody>
       </p:sp>
       <p:sp>
         <p:nvSpPr>
           <p:cNvPr id="27" name="Shape 27"/>
-          <p:cNvSpPr txBox="1"/>
+          <p:cNvSpPr txBox="1">
+            <a:spLocks noGrp="1"/>
+          </p:cNvSpPr>
           <p:nvPr>
-            <p:ph idx="2" type="body"/>
+            <p:ph type="body" idx="2"/>
           </p:nvPr>
         </p:nvSpPr>
         <p:spPr>
@@ -2931,7 +3199,7 @@
           </a:prstGeom>
         </p:spPr>
         <p:txBody>
-          <a:bodyPr anchorCtr="0" anchor="t" bIns="91425" lIns="91425" rIns="91425" wrap="square" tIns="91425"/>
+          <a:bodyPr wrap="square" lIns="91425" tIns="91425" rIns="91425" bIns="91425" anchor="t" anchorCtr="0"/>
           <a:lstStyle>
             <a:lvl1pPr lvl="0">
               <a:spcBef>
@@ -2997,15 +3265,19 @@
               <a:defRPr sz="1200"/>
             </a:lvl9pPr>
           </a:lstStyle>
-          <a:p/>
+          <a:p>
+            <a:endParaRPr/>
+          </a:p>
         </p:txBody>
       </p:sp>
       <p:sp>
         <p:nvSpPr>
           <p:cNvPr id="28" name="Shape 28"/>
-          <p:cNvSpPr txBox="1"/>
+          <p:cNvSpPr txBox="1">
+            <a:spLocks noGrp="1"/>
+          </p:cNvSpPr>
           <p:nvPr>
-            <p:ph idx="12" type="sldNum"/>
+            <p:ph type="sldNum" idx="12"/>
           </p:nvPr>
         </p:nvSpPr>
         <p:spPr>
@@ -3018,7 +3290,7 @@
           </a:prstGeom>
         </p:spPr>
         <p:txBody>
-          <a:bodyPr anchorCtr="0" anchor="ctr" bIns="91425" lIns="91425" rIns="91425" wrap="square" tIns="91425">
+          <a:bodyPr wrap="square" lIns="91425" tIns="91425" rIns="91425" bIns="91425" anchor="ctr" anchorCtr="0">
             <a:noAutofit/>
           </a:bodyPr>
           <a:lstStyle/>
@@ -3031,8 +3303,15 @@
             </a:pPr>
             <a:fld id="{00000000-1234-1234-1234-123412341234}" type="slidenum">
               <a:rPr lang="en"/>
+              <a:pPr lvl="0">
+                <a:spcBef>
+                  <a:spcPts val="0"/>
+                </a:spcBef>
+                <a:buNone/>
+              </a:pPr>
               <a:t>‹#›</a:t>
             </a:fld>
+            <a:endParaRPr lang="en"/>
           </a:p>
         </p:txBody>
       </p:sp>
@@ -3045,11 +3324,11 @@
 </file>
 
 <file path=ppt/slideLayouts/slideLayout5.xml><?xml version="1.0" encoding="utf-8"?>
-<p:sldLayout xmlns:a="http://schemas.openxmlformats.org/drawingml/2006/main" xmlns:r="http://schemas.openxmlformats.org/officeDocument/2006/relationships" xmlns:mc="http://schemas.openxmlformats.org/markup-compatibility/2006" xmlns:mv="urn:schemas-microsoft-com:mac:vml" xmlns:p="http://schemas.openxmlformats.org/presentationml/2006/main" xmlns:c="http://schemas.openxmlformats.org/drawingml/2006/chart" xmlns:dgm="http://schemas.openxmlformats.org/drawingml/2006/diagram" xmlns:o="urn:schemas-microsoft-com:office:office" xmlns:v="urn:schemas-microsoft-com:vml" xmlns:pvml="urn:schemas-microsoft-com:office:powerpoint" xmlns:com="http://schemas.openxmlformats.org/drawingml/2006/compatibility" xmlns:p14="http://schemas.microsoft.com/office/powerpoint/2010/main" xmlns:p15="http://schemas.microsoft.com/office/powerpoint/2012/main" type="titleOnly">
+<p:sldLayout xmlns:a="http://schemas.openxmlformats.org/drawingml/2006/main" xmlns:r="http://schemas.openxmlformats.org/officeDocument/2006/relationships" xmlns:p="http://schemas.openxmlformats.org/presentationml/2006/main" type="titleOnly">
   <p:cSld name="Title only">
     <p:spTree>
       <p:nvGrpSpPr>
-        <p:cNvPr id="29" name="Shape 29"/>
+        <p:cNvPr id="1" name="Shape 29"/>
         <p:cNvGrpSpPr/>
         <p:nvPr/>
       </p:nvGrpSpPr>
@@ -3064,7 +3343,9 @@
       <p:sp>
         <p:nvSpPr>
           <p:cNvPr id="30" name="Shape 30"/>
-          <p:cNvSpPr txBox="1"/>
+          <p:cNvSpPr txBox="1">
+            <a:spLocks noGrp="1"/>
+          </p:cNvSpPr>
           <p:nvPr>
             <p:ph type="title"/>
           </p:nvPr>
@@ -3079,7 +3360,7 @@
           </a:prstGeom>
         </p:spPr>
         <p:txBody>
-          <a:bodyPr anchorCtr="0" anchor="t" bIns="91425" lIns="91425" rIns="91425" wrap="square" tIns="91425"/>
+          <a:bodyPr wrap="square" lIns="91425" tIns="91425" rIns="91425" bIns="91425" anchor="t" anchorCtr="0"/>
           <a:lstStyle>
             <a:lvl1pPr lvl="0">
               <a:spcBef>
@@ -3136,15 +3417,19 @@
               <a:defRPr/>
             </a:lvl9pPr>
           </a:lstStyle>
-          <a:p/>
+          <a:p>
+            <a:endParaRPr/>
+          </a:p>
         </p:txBody>
       </p:sp>
       <p:sp>
         <p:nvSpPr>
           <p:cNvPr id="31" name="Shape 31"/>
-          <p:cNvSpPr txBox="1"/>
+          <p:cNvSpPr txBox="1">
+            <a:spLocks noGrp="1"/>
+          </p:cNvSpPr>
           <p:nvPr>
-            <p:ph idx="12" type="sldNum"/>
+            <p:ph type="sldNum" idx="12"/>
           </p:nvPr>
         </p:nvSpPr>
         <p:spPr>
@@ -3157,7 +3442,7 @@
           </a:prstGeom>
         </p:spPr>
         <p:txBody>
-          <a:bodyPr anchorCtr="0" anchor="ctr" bIns="91425" lIns="91425" rIns="91425" wrap="square" tIns="91425">
+          <a:bodyPr wrap="square" lIns="91425" tIns="91425" rIns="91425" bIns="91425" anchor="ctr" anchorCtr="0">
             <a:noAutofit/>
           </a:bodyPr>
           <a:lstStyle/>
@@ -3170,8 +3455,15 @@
             </a:pPr>
             <a:fld id="{00000000-1234-1234-1234-123412341234}" type="slidenum">
               <a:rPr lang="en"/>
+              <a:pPr lvl="0">
+                <a:spcBef>
+                  <a:spcPts val="0"/>
+                </a:spcBef>
+                <a:buNone/>
+              </a:pPr>
               <a:t>‹#›</a:t>
             </a:fld>
+            <a:endParaRPr lang="en"/>
           </a:p>
         </p:txBody>
       </p:sp>
@@ -3184,11 +3476,11 @@
 </file>
 
 <file path=ppt/slideLayouts/slideLayout6.xml><?xml version="1.0" encoding="utf-8"?>
-<p:sldLayout xmlns:a="http://schemas.openxmlformats.org/drawingml/2006/main" xmlns:r="http://schemas.openxmlformats.org/officeDocument/2006/relationships" xmlns:mc="http://schemas.openxmlformats.org/markup-compatibility/2006" xmlns:mv="urn:schemas-microsoft-com:mac:vml" xmlns:p="http://schemas.openxmlformats.org/presentationml/2006/main" xmlns:c="http://schemas.openxmlformats.org/drawingml/2006/chart" xmlns:dgm="http://schemas.openxmlformats.org/drawingml/2006/diagram" xmlns:o="urn:schemas-microsoft-com:office:office" xmlns:v="urn:schemas-microsoft-com:vml" xmlns:pvml="urn:schemas-microsoft-com:office:powerpoint" xmlns:com="http://schemas.openxmlformats.org/drawingml/2006/compatibility" xmlns:p14="http://schemas.microsoft.com/office/powerpoint/2010/main" xmlns:p15="http://schemas.microsoft.com/office/powerpoint/2012/main">
+<p:sldLayout xmlns:a="http://schemas.openxmlformats.org/drawingml/2006/main" xmlns:r="http://schemas.openxmlformats.org/officeDocument/2006/relationships" xmlns:p="http://schemas.openxmlformats.org/presentationml/2006/main">
   <p:cSld name="One column text">
     <p:spTree>
       <p:nvGrpSpPr>
-        <p:cNvPr id="32" name="Shape 32"/>
+        <p:cNvPr id="1" name="Shape 32"/>
         <p:cNvGrpSpPr/>
         <p:nvPr/>
       </p:nvGrpSpPr>
@@ -3203,7 +3495,9 @@
       <p:sp>
         <p:nvSpPr>
           <p:cNvPr id="33" name="Shape 33"/>
-          <p:cNvSpPr txBox="1"/>
+          <p:cNvSpPr txBox="1">
+            <a:spLocks noGrp="1"/>
+          </p:cNvSpPr>
           <p:nvPr>
             <p:ph type="title"/>
           </p:nvPr>
@@ -3218,7 +3512,7 @@
           </a:prstGeom>
         </p:spPr>
         <p:txBody>
-          <a:bodyPr anchorCtr="0" anchor="b" bIns="91425" lIns="91425" rIns="91425" wrap="square" tIns="91425"/>
+          <a:bodyPr wrap="square" lIns="91425" tIns="91425" rIns="91425" bIns="91425" anchor="b" anchorCtr="0"/>
           <a:lstStyle>
             <a:lvl1pPr lvl="0">
               <a:spcBef>
@@ -3284,15 +3578,19 @@
               <a:defRPr sz="2400"/>
             </a:lvl9pPr>
           </a:lstStyle>
-          <a:p/>
+          <a:p>
+            <a:endParaRPr/>
+          </a:p>
         </p:txBody>
       </p:sp>
       <p:sp>
         <p:nvSpPr>
           <p:cNvPr id="34" name="Shape 34"/>
-          <p:cNvSpPr txBox="1"/>
+          <p:cNvSpPr txBox="1">
+            <a:spLocks noGrp="1"/>
+          </p:cNvSpPr>
           <p:nvPr>
-            <p:ph idx="1" type="body"/>
+            <p:ph type="body" idx="1"/>
           </p:nvPr>
         </p:nvSpPr>
         <p:spPr>
@@ -3305,7 +3603,7 @@
           </a:prstGeom>
         </p:spPr>
         <p:txBody>
-          <a:bodyPr anchorCtr="0" anchor="t" bIns="91425" lIns="91425" rIns="91425" wrap="square" tIns="91425"/>
+          <a:bodyPr wrap="square" lIns="91425" tIns="91425" rIns="91425" bIns="91425" anchor="t" anchorCtr="0"/>
           <a:lstStyle>
             <a:lvl1pPr lvl="0">
               <a:spcBef>
@@ -3371,15 +3669,19 @@
               <a:defRPr sz="1200"/>
             </a:lvl9pPr>
           </a:lstStyle>
-          <a:p/>
+          <a:p>
+            <a:endParaRPr/>
+          </a:p>
         </p:txBody>
       </p:sp>
       <p:sp>
         <p:nvSpPr>
           <p:cNvPr id="35" name="Shape 35"/>
-          <p:cNvSpPr txBox="1"/>
+          <p:cNvSpPr txBox="1">
+            <a:spLocks noGrp="1"/>
+          </p:cNvSpPr>
           <p:nvPr>
-            <p:ph idx="12" type="sldNum"/>
+            <p:ph type="sldNum" idx="12"/>
           </p:nvPr>
         </p:nvSpPr>
         <p:spPr>
@@ -3392,7 +3694,7 @@
           </a:prstGeom>
         </p:spPr>
         <p:txBody>
-          <a:bodyPr anchorCtr="0" anchor="ctr" bIns="91425" lIns="91425" rIns="91425" wrap="square" tIns="91425">
+          <a:bodyPr wrap="square" lIns="91425" tIns="91425" rIns="91425" bIns="91425" anchor="ctr" anchorCtr="0">
             <a:noAutofit/>
           </a:bodyPr>
           <a:lstStyle/>
@@ -3405,8 +3707,15 @@
             </a:pPr>
             <a:fld id="{00000000-1234-1234-1234-123412341234}" type="slidenum">
               <a:rPr lang="en"/>
+              <a:pPr lvl="0">
+                <a:spcBef>
+                  <a:spcPts val="0"/>
+                </a:spcBef>
+                <a:buNone/>
+              </a:pPr>
               <a:t>‹#›</a:t>
             </a:fld>
+            <a:endParaRPr lang="en"/>
           </a:p>
         </p:txBody>
       </p:sp>
@@ -3419,18 +3728,19 @@
 </file>
 
 <file path=ppt/slideLayouts/slideLayout7.xml><?xml version="1.0" encoding="utf-8"?>
-<p:sldLayout xmlns:a="http://schemas.openxmlformats.org/drawingml/2006/main" xmlns:r="http://schemas.openxmlformats.org/officeDocument/2006/relationships" xmlns:mc="http://schemas.openxmlformats.org/markup-compatibility/2006" xmlns:mv="urn:schemas-microsoft-com:mac:vml" xmlns:p="http://schemas.openxmlformats.org/presentationml/2006/main" xmlns:c="http://schemas.openxmlformats.org/drawingml/2006/chart" xmlns:dgm="http://schemas.openxmlformats.org/drawingml/2006/diagram" xmlns:o="urn:schemas-microsoft-com:office:office" xmlns:v="urn:schemas-microsoft-com:vml" xmlns:pvml="urn:schemas-microsoft-com:office:powerpoint" xmlns:com="http://schemas.openxmlformats.org/drawingml/2006/compatibility" xmlns:p14="http://schemas.microsoft.com/office/powerpoint/2010/main" xmlns:p15="http://schemas.microsoft.com/office/powerpoint/2012/main">
+<p:sldLayout xmlns:a="http://schemas.openxmlformats.org/drawingml/2006/main" xmlns:r="http://schemas.openxmlformats.org/officeDocument/2006/relationships" xmlns:p="http://schemas.openxmlformats.org/presentationml/2006/main">
   <p:cSld name="Main point">
     <p:bg>
       <p:bgPr>
         <a:solidFill>
           <a:schemeClr val="lt2"/>
         </a:solidFill>
+        <a:effectLst/>
       </p:bgPr>
     </p:bg>
     <p:spTree>
       <p:nvGrpSpPr>
-        <p:cNvPr id="36" name="Shape 36"/>
+        <p:cNvPr id="1" name="Shape 36"/>
         <p:cNvGrpSpPr/>
         <p:nvPr/>
       </p:nvGrpSpPr>
@@ -3445,7 +3755,9 @@
       <p:sp>
         <p:nvSpPr>
           <p:cNvPr id="37" name="Shape 37"/>
-          <p:cNvSpPr txBox="1"/>
+          <p:cNvSpPr txBox="1">
+            <a:spLocks noGrp="1"/>
+          </p:cNvSpPr>
           <p:nvPr>
             <p:ph type="title"/>
           </p:nvPr>
@@ -3460,7 +3772,7 @@
           </a:prstGeom>
         </p:spPr>
         <p:txBody>
-          <a:bodyPr anchorCtr="0" anchor="ctr" bIns="91425" lIns="91425" rIns="91425" wrap="square" tIns="91425"/>
+          <a:bodyPr wrap="square" lIns="91425" tIns="91425" rIns="91425" bIns="91425" anchor="ctr" anchorCtr="0"/>
           <a:lstStyle>
             <a:lvl1pPr lvl="0">
               <a:spcBef>
@@ -3589,15 +3901,19 @@
               </a:defRPr>
             </a:lvl9pPr>
           </a:lstStyle>
-          <a:p/>
+          <a:p>
+            <a:endParaRPr/>
+          </a:p>
         </p:txBody>
       </p:sp>
       <p:sp>
         <p:nvSpPr>
           <p:cNvPr id="38" name="Shape 38"/>
-          <p:cNvSpPr txBox="1"/>
+          <p:cNvSpPr txBox="1">
+            <a:spLocks noGrp="1"/>
+          </p:cNvSpPr>
           <p:nvPr>
-            <p:ph idx="12" type="sldNum"/>
+            <p:ph type="sldNum" idx="12"/>
           </p:nvPr>
         </p:nvSpPr>
         <p:spPr>
@@ -3610,7 +3926,7 @@
           </a:prstGeom>
         </p:spPr>
         <p:txBody>
-          <a:bodyPr anchorCtr="0" anchor="ctr" bIns="91425" lIns="91425" rIns="91425" wrap="square" tIns="91425">
+          <a:bodyPr wrap="square" lIns="91425" tIns="91425" rIns="91425" bIns="91425" anchor="ctr" anchorCtr="0">
             <a:noAutofit/>
           </a:bodyPr>
           <a:lstStyle/>
@@ -3627,8 +3943,19 @@
                   <a:schemeClr val="accent1"/>
                 </a:solidFill>
               </a:rPr>
+              <a:pPr lvl="0">
+                <a:spcBef>
+                  <a:spcPts val="0"/>
+                </a:spcBef>
+                <a:buNone/>
+              </a:pPr>
               <a:t>‹#›</a:t>
             </a:fld>
+            <a:endParaRPr lang="en">
+              <a:solidFill>
+                <a:schemeClr val="accent1"/>
+              </a:solidFill>
+            </a:endParaRPr>
           </a:p>
         </p:txBody>
       </p:sp>
@@ -3641,11 +3968,11 @@
 </file>
 
 <file path=ppt/slideLayouts/slideLayout8.xml><?xml version="1.0" encoding="utf-8"?>
-<p:sldLayout xmlns:a="http://schemas.openxmlformats.org/drawingml/2006/main" xmlns:r="http://schemas.openxmlformats.org/officeDocument/2006/relationships" xmlns:mc="http://schemas.openxmlformats.org/markup-compatibility/2006" xmlns:mv="urn:schemas-microsoft-com:mac:vml" xmlns:p="http://schemas.openxmlformats.org/presentationml/2006/main" xmlns:c="http://schemas.openxmlformats.org/drawingml/2006/chart" xmlns:dgm="http://schemas.openxmlformats.org/drawingml/2006/diagram" xmlns:o="urn:schemas-microsoft-com:office:office" xmlns:v="urn:schemas-microsoft-com:vml" xmlns:pvml="urn:schemas-microsoft-com:office:powerpoint" xmlns:com="http://schemas.openxmlformats.org/drawingml/2006/compatibility" xmlns:p14="http://schemas.microsoft.com/office/powerpoint/2010/main" xmlns:p15="http://schemas.microsoft.com/office/powerpoint/2012/main">
+<p:sldLayout xmlns:a="http://schemas.openxmlformats.org/drawingml/2006/main" xmlns:r="http://schemas.openxmlformats.org/officeDocument/2006/relationships" xmlns:p="http://schemas.openxmlformats.org/presentationml/2006/main">
   <p:cSld name="Section title and description">
     <p:spTree>
       <p:nvGrpSpPr>
-        <p:cNvPr id="39" name="Shape 39"/>
+        <p:cNvPr id="1" name="Shape 39"/>
         <p:cNvGrpSpPr/>
         <p:nvPr/>
       </p:nvGrpSpPr>
@@ -3679,7 +4006,7 @@
           </a:ln>
         </p:spPr>
         <p:txBody>
-          <a:bodyPr anchorCtr="0" anchor="ctr" bIns="91425" lIns="91425" rIns="91425" wrap="square" tIns="91425">
+          <a:bodyPr wrap="square" lIns="91425" tIns="91425" rIns="91425" bIns="91425" anchor="ctr" anchorCtr="0">
             <a:noAutofit/>
           </a:bodyPr>
           <a:lstStyle/>
@@ -3690,9 +4017,6 @@
               </a:spcBef>
               <a:buNone/>
             </a:pPr>
-            <a:r>
-              <a:t/>
-            </a:r>
             <a:endParaRPr/>
           </a:p>
         </p:txBody>
@@ -3712,21 +4036,23 @@
             <a:avLst/>
           </a:prstGeom>
           <a:noFill/>
-          <a:ln cap="flat" cmpd="sng" w="19050">
+          <a:ln w="19050" cap="flat" cmpd="sng">
             <a:solidFill>
               <a:schemeClr val="lt2"/>
             </a:solidFill>
             <a:prstDash val="solid"/>
             <a:round/>
-            <a:headEnd len="med" w="med" type="none"/>
-            <a:tailEnd len="med" w="med" type="none"/>
+            <a:headEnd type="none" w="med" len="med"/>
+            <a:tailEnd type="none" w="med" len="med"/>
           </a:ln>
         </p:spPr>
       </p:cxnSp>
       <p:sp>
         <p:nvSpPr>
           <p:cNvPr id="42" name="Shape 42"/>
-          <p:cNvSpPr txBox="1"/>
+          <p:cNvSpPr txBox="1">
+            <a:spLocks noGrp="1"/>
+          </p:cNvSpPr>
           <p:nvPr>
             <p:ph type="title"/>
           </p:nvPr>
@@ -3741,7 +4067,7 @@
           </a:prstGeom>
         </p:spPr>
         <p:txBody>
-          <a:bodyPr anchorCtr="0" anchor="b" bIns="91425" lIns="91425" rIns="91425" wrap="square" tIns="91425"/>
+          <a:bodyPr wrap="square" lIns="91425" tIns="91425" rIns="91425" bIns="91425" anchor="b" anchorCtr="0"/>
           <a:lstStyle>
             <a:lvl1pPr lvl="0" algn="ctr">
               <a:spcBef>
@@ -3870,15 +4196,19 @@
               </a:defRPr>
             </a:lvl9pPr>
           </a:lstStyle>
-          <a:p/>
+          <a:p>
+            <a:endParaRPr/>
+          </a:p>
         </p:txBody>
       </p:sp>
       <p:sp>
         <p:nvSpPr>
           <p:cNvPr id="43" name="Shape 43"/>
-          <p:cNvSpPr txBox="1"/>
+          <p:cNvSpPr txBox="1">
+            <a:spLocks noGrp="1"/>
+          </p:cNvSpPr>
           <p:nvPr>
-            <p:ph idx="1" type="subTitle"/>
+            <p:ph type="subTitle" idx="1"/>
           </p:nvPr>
         </p:nvSpPr>
         <p:spPr>
@@ -3891,7 +4221,7 @@
           </a:prstGeom>
         </p:spPr>
         <p:txBody>
-          <a:bodyPr anchorCtr="0" anchor="t" bIns="91425" lIns="91425" rIns="91425" wrap="square" tIns="91425"/>
+          <a:bodyPr wrap="square" lIns="91425" tIns="91425" rIns="91425" bIns="91425" anchor="t" anchorCtr="0"/>
           <a:lstStyle>
             <a:lvl1pPr lvl="0" algn="ctr">
               <a:lnSpc>
@@ -4020,15 +4350,19 @@
               <a:defRPr sz="2100"/>
             </a:lvl9pPr>
           </a:lstStyle>
-          <a:p/>
+          <a:p>
+            <a:endParaRPr/>
+          </a:p>
         </p:txBody>
       </p:sp>
       <p:sp>
         <p:nvSpPr>
           <p:cNvPr id="44" name="Shape 44"/>
-          <p:cNvSpPr txBox="1"/>
+          <p:cNvSpPr txBox="1">
+            <a:spLocks noGrp="1"/>
+          </p:cNvSpPr>
           <p:nvPr>
-            <p:ph idx="2" type="body"/>
+            <p:ph type="body" idx="2"/>
           </p:nvPr>
         </p:nvSpPr>
         <p:spPr>
@@ -4041,7 +4375,7 @@
           </a:prstGeom>
         </p:spPr>
         <p:txBody>
-          <a:bodyPr anchorCtr="0" anchor="ctr" bIns="91425" lIns="91425" rIns="91425" wrap="square" tIns="91425"/>
+          <a:bodyPr wrap="square" lIns="91425" tIns="91425" rIns="91425" bIns="91425" anchor="ctr" anchorCtr="0"/>
           <a:lstStyle>
             <a:lvl1pPr lvl="0">
               <a:spcBef>
@@ -4161,15 +4495,19 @@
               </a:defRPr>
             </a:lvl9pPr>
           </a:lstStyle>
-          <a:p/>
+          <a:p>
+            <a:endParaRPr/>
+          </a:p>
         </p:txBody>
       </p:sp>
       <p:sp>
         <p:nvSpPr>
           <p:cNvPr id="45" name="Shape 45"/>
-          <p:cNvSpPr txBox="1"/>
+          <p:cNvSpPr txBox="1">
+            <a:spLocks noGrp="1"/>
+          </p:cNvSpPr>
           <p:nvPr>
-            <p:ph idx="12" type="sldNum"/>
+            <p:ph type="sldNum" idx="12"/>
           </p:nvPr>
         </p:nvSpPr>
         <p:spPr>
@@ -4182,7 +4520,7 @@
           </a:prstGeom>
         </p:spPr>
         <p:txBody>
-          <a:bodyPr anchorCtr="0" anchor="ctr" bIns="91425" lIns="91425" rIns="91425" wrap="square" tIns="91425">
+          <a:bodyPr wrap="square" lIns="91425" tIns="91425" rIns="91425" bIns="91425" anchor="ctr" anchorCtr="0">
             <a:noAutofit/>
           </a:bodyPr>
           <a:lstStyle/>
@@ -4199,8 +4537,19 @@
                   <a:schemeClr val="accent1"/>
                 </a:solidFill>
               </a:rPr>
+              <a:pPr lvl="0">
+                <a:spcBef>
+                  <a:spcPts val="0"/>
+                </a:spcBef>
+                <a:buNone/>
+              </a:pPr>
               <a:t>‹#›</a:t>
             </a:fld>
+            <a:endParaRPr lang="en">
+              <a:solidFill>
+                <a:schemeClr val="accent1"/>
+              </a:solidFill>
+            </a:endParaRPr>
           </a:p>
         </p:txBody>
       </p:sp>
@@ -4213,11 +4562,11 @@
 </file>
 
 <file path=ppt/slideLayouts/slideLayout9.xml><?xml version="1.0" encoding="utf-8"?>
-<p:sldLayout xmlns:a="http://schemas.openxmlformats.org/drawingml/2006/main" xmlns:r="http://schemas.openxmlformats.org/officeDocument/2006/relationships" xmlns:mc="http://schemas.openxmlformats.org/markup-compatibility/2006" xmlns:mv="urn:schemas-microsoft-com:mac:vml" xmlns:p="http://schemas.openxmlformats.org/presentationml/2006/main" xmlns:c="http://schemas.openxmlformats.org/drawingml/2006/chart" xmlns:dgm="http://schemas.openxmlformats.org/drawingml/2006/diagram" xmlns:o="urn:schemas-microsoft-com:office:office" xmlns:v="urn:schemas-microsoft-com:vml" xmlns:pvml="urn:schemas-microsoft-com:office:powerpoint" xmlns:com="http://schemas.openxmlformats.org/drawingml/2006/compatibility" xmlns:p14="http://schemas.microsoft.com/office/powerpoint/2010/main" xmlns:p15="http://schemas.microsoft.com/office/powerpoint/2012/main">
+<p:sldLayout xmlns:a="http://schemas.openxmlformats.org/drawingml/2006/main" xmlns:r="http://schemas.openxmlformats.org/officeDocument/2006/relationships" xmlns:p="http://schemas.openxmlformats.org/presentationml/2006/main">
   <p:cSld name="Caption">
     <p:spTree>
       <p:nvGrpSpPr>
-        <p:cNvPr id="46" name="Shape 46"/>
+        <p:cNvPr id="1" name="Shape 46"/>
         <p:cNvGrpSpPr/>
         <p:nvPr/>
       </p:nvGrpSpPr>
@@ -4232,9 +4581,11 @@
       <p:sp>
         <p:nvSpPr>
           <p:cNvPr id="47" name="Shape 47"/>
-          <p:cNvSpPr txBox="1"/>
+          <p:cNvSpPr txBox="1">
+            <a:spLocks noGrp="1"/>
+          </p:cNvSpPr>
           <p:nvPr>
-            <p:ph idx="1" type="body"/>
+            <p:ph type="body" idx="1"/>
           </p:nvPr>
         </p:nvSpPr>
         <p:spPr>
@@ -4247,7 +4598,7 @@
           </a:prstGeom>
         </p:spPr>
         <p:txBody>
-          <a:bodyPr anchorCtr="0" anchor="ctr" bIns="91425" lIns="91425" rIns="91425" wrap="square" tIns="91425"/>
+          <a:bodyPr wrap="square" lIns="91425" tIns="91425" rIns="91425" bIns="91425" anchor="ctr" anchorCtr="0"/>
           <a:lstStyle>
             <a:lvl1pPr lvl="0">
               <a:lnSpc>
@@ -4263,15 +4614,19 @@
               <a:defRPr/>
             </a:lvl1pPr>
           </a:lstStyle>
-          <a:p/>
+          <a:p>
+            <a:endParaRPr/>
+          </a:p>
         </p:txBody>
       </p:sp>
       <p:sp>
         <p:nvSpPr>
           <p:cNvPr id="48" name="Shape 48"/>
-          <p:cNvSpPr txBox="1"/>
+          <p:cNvSpPr txBox="1">
+            <a:spLocks noGrp="1"/>
+          </p:cNvSpPr>
           <p:nvPr>
-            <p:ph idx="12" type="sldNum"/>
+            <p:ph type="sldNum" idx="12"/>
           </p:nvPr>
         </p:nvSpPr>
         <p:spPr>
@@ -4284,7 +4639,7 @@
           </a:prstGeom>
         </p:spPr>
         <p:txBody>
-          <a:bodyPr anchorCtr="0" anchor="ctr" bIns="91425" lIns="91425" rIns="91425" wrap="square" tIns="91425">
+          <a:bodyPr wrap="square" lIns="91425" tIns="91425" rIns="91425" bIns="91425" anchor="ctr" anchorCtr="0">
             <a:noAutofit/>
           </a:bodyPr>
           <a:lstStyle/>
@@ -4297,8 +4652,15 @@
             </a:pPr>
             <a:fld id="{00000000-1234-1234-1234-123412341234}" type="slidenum">
               <a:rPr lang="en"/>
+              <a:pPr lvl="0">
+                <a:spcBef>
+                  <a:spcPts val="0"/>
+                </a:spcBef>
+                <a:buNone/>
+              </a:pPr>
               <a:t>‹#›</a:t>
             </a:fld>
+            <a:endParaRPr lang="en"/>
           </a:p>
         </p:txBody>
       </p:sp>
@@ -4311,18 +4673,19 @@
 </file>
 
 <file path=ppt/slideMasters/slideMaster1.xml><?xml version="1.0" encoding="utf-8"?>
-<p:sldMaster xmlns:a="http://schemas.openxmlformats.org/drawingml/2006/main" xmlns:r="http://schemas.openxmlformats.org/officeDocument/2006/relationships" xmlns:mc="http://schemas.openxmlformats.org/markup-compatibility/2006" xmlns:mv="urn:schemas-microsoft-com:mac:vml" xmlns:p="http://schemas.openxmlformats.org/presentationml/2006/main" xmlns:c="http://schemas.openxmlformats.org/drawingml/2006/chart" xmlns:dgm="http://schemas.openxmlformats.org/drawingml/2006/diagram" xmlns:o="urn:schemas-microsoft-com:office:office" xmlns:v="urn:schemas-microsoft-com:vml" xmlns:pvml="urn:schemas-microsoft-com:office:powerpoint" xmlns:com="http://schemas.openxmlformats.org/drawingml/2006/compatibility" xmlns:p14="http://schemas.microsoft.com/office/powerpoint/2010/main" xmlns:p15="http://schemas.microsoft.com/office/powerpoint/2012/main">
+<p:sldMaster xmlns:a="http://schemas.openxmlformats.org/drawingml/2006/main" xmlns:r="http://schemas.openxmlformats.org/officeDocument/2006/relationships" xmlns:p="http://schemas.openxmlformats.org/presentationml/2006/main">
   <p:cSld name="paperback">
     <p:bg>
       <p:bgPr>
         <a:solidFill>
           <a:schemeClr val="accent1"/>
         </a:solidFill>
+        <a:effectLst/>
       </p:bgPr>
     </p:bg>
     <p:spTree>
       <p:nvGrpSpPr>
-        <p:cNvPr id="5" name="Shape 5"/>
+        <p:cNvPr id="1" name="Shape 5"/>
         <p:cNvGrpSpPr/>
         <p:nvPr/>
       </p:nvGrpSpPr>
@@ -4337,7 +4700,9 @@
       <p:sp>
         <p:nvSpPr>
           <p:cNvPr id="6" name="Shape 6"/>
-          <p:cNvSpPr txBox="1"/>
+          <p:cNvSpPr txBox="1">
+            <a:spLocks noGrp="1"/>
+          </p:cNvSpPr>
           <p:nvPr>
             <p:ph type="title"/>
           </p:nvPr>
@@ -4356,7 +4721,7 @@
           </a:ln>
         </p:spPr>
         <p:txBody>
-          <a:bodyPr anchorCtr="0" anchor="t" bIns="91425" lIns="91425" rIns="91425" wrap="square" tIns="91425"/>
+          <a:bodyPr wrap="square" lIns="91425" tIns="91425" rIns="91425" bIns="91425" anchor="t" anchorCtr="0"/>
           <a:lstStyle>
             <a:lvl1pPr lvl="0">
               <a:spcBef>
@@ -4539,15 +4904,19 @@
               </a:defRPr>
             </a:lvl9pPr>
           </a:lstStyle>
-          <a:p/>
+          <a:p>
+            <a:endParaRPr/>
+          </a:p>
         </p:txBody>
       </p:sp>
       <p:sp>
         <p:nvSpPr>
           <p:cNvPr id="7" name="Shape 7"/>
-          <p:cNvSpPr txBox="1"/>
+          <p:cNvSpPr txBox="1">
+            <a:spLocks noGrp="1"/>
+          </p:cNvSpPr>
           <p:nvPr>
-            <p:ph idx="1" type="body"/>
+            <p:ph type="body" idx="1"/>
           </p:nvPr>
         </p:nvSpPr>
         <p:spPr>
@@ -4564,7 +4933,7 @@
           </a:ln>
         </p:spPr>
         <p:txBody>
-          <a:bodyPr anchorCtr="0" anchor="t" bIns="91425" lIns="91425" rIns="91425" wrap="square" tIns="91425"/>
+          <a:bodyPr wrap="square" lIns="91425" tIns="91425" rIns="91425" bIns="91425" anchor="t" anchorCtr="0"/>
           <a:lstStyle>
             <a:lvl1pPr lvl="0">
               <a:lnSpc>
@@ -4793,15 +5162,19 @@
               </a:defRPr>
             </a:lvl9pPr>
           </a:lstStyle>
-          <a:p/>
+          <a:p>
+            <a:endParaRPr/>
+          </a:p>
         </p:txBody>
       </p:sp>
       <p:sp>
         <p:nvSpPr>
           <p:cNvPr id="8" name="Shape 8"/>
-          <p:cNvSpPr txBox="1"/>
+          <p:cNvSpPr txBox="1">
+            <a:spLocks noGrp="1"/>
+          </p:cNvSpPr>
           <p:nvPr>
-            <p:ph idx="12" type="sldNum"/>
+            <p:ph type="sldNum" idx="12"/>
           </p:nvPr>
         </p:nvSpPr>
         <p:spPr>
@@ -4818,7 +5191,7 @@
           </a:ln>
         </p:spPr>
         <p:txBody>
-          <a:bodyPr anchorCtr="0" anchor="ctr" bIns="91425" lIns="91425" rIns="91425" wrap="square" tIns="91425">
+          <a:bodyPr wrap="square" lIns="91425" tIns="91425" rIns="91425" bIns="91425" anchor="ctr" anchorCtr="0">
             <a:noAutofit/>
           </a:bodyPr>
           <a:lstStyle/>
@@ -4839,14 +5212,29 @@
                 <a:cs typeface="Old Standard TT"/>
                 <a:sym typeface="Old Standard TT"/>
               </a:rPr>
+              <a:pPr lvl="0" algn="r">
+                <a:spcBef>
+                  <a:spcPts val="0"/>
+                </a:spcBef>
+                <a:buNone/>
+              </a:pPr>
               <a:t>‹#›</a:t>
             </a:fld>
+            <a:endParaRPr lang="en" sz="1000">
+              <a:solidFill>
+                <a:schemeClr val="dk1"/>
+              </a:solidFill>
+              <a:latin typeface="Old Standard TT"/>
+              <a:ea typeface="Old Standard TT"/>
+              <a:cs typeface="Old Standard TT"/>
+              <a:sym typeface="Old Standard TT"/>
+            </a:endParaRPr>
           </a:p>
         </p:txBody>
       </p:sp>
     </p:spTree>
   </p:cSld>
-  <p:clrMap accent1="accent1" accent2="accent2" accent3="accent3" accent4="accent4" accent5="accent5" accent6="accent6" bg1="lt1" bg2="dk2" tx1="dk1" tx2="lt2" folHlink="folHlink" hlink="hlink"/>
+  <p:clrMap bg1="lt1" tx1="dk1" bg2="dk2" tx2="lt2" accent1="accent1" accent2="accent2" accent3="accent3" accent4="accent4" accent5="accent5" accent6="accent6" hlink="hlink" folHlink="folHlink"/>
   <p:sldLayoutIdLst>
     <p:sldLayoutId id="2147483648" r:id="rId1"/>
     <p:sldLayoutId id="2147483649" r:id="rId2"/>
@@ -4860,10 +5248,10 @@
     <p:sldLayoutId id="2147483657" r:id="rId10"/>
     <p:sldLayoutId id="2147483658" r:id="rId11"/>
   </p:sldLayoutIdLst>
-  <p:hf dt="0" ftr="0" hdr="0" sldNum="0"/>
+  <p:hf sldNum="0" hdr="0" ftr="0" dt="0"/>
   <p:txStyles>
     <p:titleStyle>
-      <a:defPPr lvl="0" marR="0" rtl="0" algn="l">
+      <a:defPPr marR="0" lvl="0" algn="l" rtl="0">
         <a:lnSpc>
           <a:spcPct val="100000"/>
         </a:lnSpc>
@@ -4874,7 +5262,7 @@
           <a:spcPts val="0"/>
         </a:spcAft>
       </a:defPPr>
-      <a:lvl1pPr lvl="0" marR="0" rtl="0" algn="l">
+      <a:lvl1pPr marR="0" lvl="0" algn="l" rtl="0">
         <a:lnSpc>
           <a:spcPct val="100000"/>
         </a:lnSpc>
@@ -4885,7 +5273,7 @@
           <a:spcPts val="0"/>
         </a:spcAft>
         <a:buNone/>
-        <a:defRPr b="0" i="0" sz="1400" u="none" cap="none" strike="noStrike">
+        <a:defRPr sz="1400" b="0" i="0" u="none" strike="noStrike" cap="none">
           <a:solidFill>
             <a:srgbClr val="000000"/>
           </a:solidFill>
@@ -4897,7 +5285,7 @@
       </a:lvl1pPr>
     </p:titleStyle>
     <p:bodyStyle>
-      <a:defPPr lvl="0" marR="0" rtl="0" algn="l">
+      <a:defPPr marR="0" lvl="0" algn="l" rtl="0">
         <a:lnSpc>
           <a:spcPct val="100000"/>
         </a:lnSpc>
@@ -4908,7 +5296,7 @@
           <a:spcPts val="0"/>
         </a:spcAft>
       </a:defPPr>
-      <a:lvl1pPr lvl="0" marR="0" rtl="0" algn="l">
+      <a:lvl1pPr marR="0" lvl="0" algn="l" rtl="0">
         <a:lnSpc>
           <a:spcPct val="100000"/>
         </a:lnSpc>
@@ -4919,7 +5307,7 @@
           <a:spcPts val="0"/>
         </a:spcAft>
         <a:buNone/>
-        <a:defRPr b="0" i="0" sz="1400" u="none" cap="none" strike="noStrike">
+        <a:defRPr sz="1400" b="0" i="0" u="none" strike="noStrike" cap="none">
           <a:solidFill>
             <a:srgbClr val="000000"/>
           </a:solidFill>
@@ -4929,7 +5317,7 @@
           <a:sym typeface="Arial"/>
         </a:defRPr>
       </a:lvl1pPr>
-      <a:lvl2pPr lvl="1" marR="0" rtl="0" algn="l">
+      <a:lvl2pPr marR="0" lvl="1" algn="l" rtl="0">
         <a:lnSpc>
           <a:spcPct val="100000"/>
         </a:lnSpc>
@@ -4940,7 +5328,7 @@
           <a:spcPts val="0"/>
         </a:spcAft>
         <a:buNone/>
-        <a:defRPr b="0" i="0" sz="1400" u="none" cap="none" strike="noStrike">
+        <a:defRPr sz="1400" b="0" i="0" u="none" strike="noStrike" cap="none">
           <a:solidFill>
             <a:srgbClr val="000000"/>
           </a:solidFill>
@@ -4950,7 +5338,7 @@
           <a:sym typeface="Arial"/>
         </a:defRPr>
       </a:lvl2pPr>
-      <a:lvl3pPr lvl="2" marR="0" rtl="0" algn="l">
+      <a:lvl3pPr marR="0" lvl="2" algn="l" rtl="0">
         <a:lnSpc>
           <a:spcPct val="100000"/>
         </a:lnSpc>
@@ -4961,7 +5349,7 @@
           <a:spcPts val="0"/>
         </a:spcAft>
         <a:buNone/>
-        <a:defRPr b="0" i="0" sz="1400" u="none" cap="none" strike="noStrike">
+        <a:defRPr sz="1400" b="0" i="0" u="none" strike="noStrike" cap="none">
           <a:solidFill>
             <a:srgbClr val="000000"/>
           </a:solidFill>
@@ -4971,7 +5359,7 @@
           <a:sym typeface="Arial"/>
         </a:defRPr>
       </a:lvl3pPr>
-      <a:lvl4pPr lvl="3" marR="0" rtl="0" algn="l">
+      <a:lvl4pPr marR="0" lvl="3" algn="l" rtl="0">
         <a:lnSpc>
           <a:spcPct val="100000"/>
         </a:lnSpc>
@@ -4982,7 +5370,7 @@
           <a:spcPts val="0"/>
         </a:spcAft>
         <a:buNone/>
-        <a:defRPr b="0" i="0" sz="1400" u="none" cap="none" strike="noStrike">
+        <a:defRPr sz="1400" b="0" i="0" u="none" strike="noStrike" cap="none">
           <a:solidFill>
             <a:srgbClr val="000000"/>
           </a:solidFill>
@@ -4992,7 +5380,7 @@
           <a:sym typeface="Arial"/>
         </a:defRPr>
       </a:lvl4pPr>
-      <a:lvl5pPr lvl="4" marR="0" rtl="0" algn="l">
+      <a:lvl5pPr marR="0" lvl="4" algn="l" rtl="0">
         <a:lnSpc>
           <a:spcPct val="100000"/>
         </a:lnSpc>
@@ -5003,7 +5391,7 @@
           <a:spcPts val="0"/>
         </a:spcAft>
         <a:buNone/>
-        <a:defRPr b="0" i="0" sz="1400" u="none" cap="none" strike="noStrike">
+        <a:defRPr sz="1400" b="0" i="0" u="none" strike="noStrike" cap="none">
           <a:solidFill>
             <a:srgbClr val="000000"/>
           </a:solidFill>
@@ -5013,7 +5401,7 @@
           <a:sym typeface="Arial"/>
         </a:defRPr>
       </a:lvl5pPr>
-      <a:lvl6pPr lvl="5" marR="0" rtl="0" algn="l">
+      <a:lvl6pPr marR="0" lvl="5" algn="l" rtl="0">
         <a:lnSpc>
           <a:spcPct val="100000"/>
         </a:lnSpc>
@@ -5024,7 +5412,7 @@
           <a:spcPts val="0"/>
         </a:spcAft>
         <a:buNone/>
-        <a:defRPr b="0" i="0" sz="1400" u="none" cap="none" strike="noStrike">
+        <a:defRPr sz="1400" b="0" i="0" u="none" strike="noStrike" cap="none">
           <a:solidFill>
             <a:srgbClr val="000000"/>
           </a:solidFill>
@@ -5034,7 +5422,7 @@
           <a:sym typeface="Arial"/>
         </a:defRPr>
       </a:lvl6pPr>
-      <a:lvl7pPr lvl="6" marR="0" rtl="0" algn="l">
+      <a:lvl7pPr marR="0" lvl="6" algn="l" rtl="0">
         <a:lnSpc>
           <a:spcPct val="100000"/>
         </a:lnSpc>
@@ -5045,7 +5433,7 @@
           <a:spcPts val="0"/>
         </a:spcAft>
         <a:buNone/>
-        <a:defRPr b="0" i="0" sz="1400" u="none" cap="none" strike="noStrike">
+        <a:defRPr sz="1400" b="0" i="0" u="none" strike="noStrike" cap="none">
           <a:solidFill>
             <a:srgbClr val="000000"/>
           </a:solidFill>
@@ -5055,7 +5443,7 @@
           <a:sym typeface="Arial"/>
         </a:defRPr>
       </a:lvl7pPr>
-      <a:lvl8pPr lvl="7" marR="0" rtl="0" algn="l">
+      <a:lvl8pPr marR="0" lvl="7" algn="l" rtl="0">
         <a:lnSpc>
           <a:spcPct val="100000"/>
         </a:lnSpc>
@@ -5066,7 +5454,7 @@
           <a:spcPts val="0"/>
         </a:spcAft>
         <a:buNone/>
-        <a:defRPr b="0" i="0" sz="1400" u="none" cap="none" strike="noStrike">
+        <a:defRPr sz="1400" b="0" i="0" u="none" strike="noStrike" cap="none">
           <a:solidFill>
             <a:srgbClr val="000000"/>
           </a:solidFill>
@@ -5076,7 +5464,7 @@
           <a:sym typeface="Arial"/>
         </a:defRPr>
       </a:lvl8pPr>
-      <a:lvl9pPr lvl="8" marR="0" rtl="0" algn="l">
+      <a:lvl9pPr marR="0" lvl="8" algn="l" rtl="0">
         <a:lnSpc>
           <a:spcPct val="100000"/>
         </a:lnSpc>
@@ -5087,7 +5475,7 @@
           <a:spcPts val="0"/>
         </a:spcAft>
         <a:buNone/>
-        <a:defRPr b="0" i="0" sz="1400" u="none" cap="none" strike="noStrike">
+        <a:defRPr sz="1400" b="0" i="0" u="none" strike="noStrike" cap="none">
           <a:solidFill>
             <a:srgbClr val="000000"/>
           </a:solidFill>
@@ -5099,7 +5487,7 @@
       </a:lvl9pPr>
     </p:bodyStyle>
     <p:otherStyle>
-      <a:defPPr lvl="0" marR="0" rtl="0" algn="l">
+      <a:defPPr marR="0" lvl="0" algn="l" rtl="0">
         <a:lnSpc>
           <a:spcPct val="100000"/>
         </a:lnSpc>
@@ -5110,7 +5498,7 @@
           <a:spcPts val="0"/>
         </a:spcAft>
       </a:defPPr>
-      <a:lvl1pPr lvl="0" marR="0" rtl="0" algn="l">
+      <a:lvl1pPr marR="0" lvl="0" algn="l" rtl="0">
         <a:lnSpc>
           <a:spcPct val="100000"/>
         </a:lnSpc>
@@ -5121,7 +5509,7 @@
           <a:spcPts val="0"/>
         </a:spcAft>
         <a:buNone/>
-        <a:defRPr b="0" i="0" sz="1400" u="none" cap="none" strike="noStrike">
+        <a:defRPr sz="1400" b="0" i="0" u="none" strike="noStrike" cap="none">
           <a:solidFill>
             <a:srgbClr val="000000"/>
           </a:solidFill>
@@ -5131,7 +5519,7 @@
           <a:sym typeface="Arial"/>
         </a:defRPr>
       </a:lvl1pPr>
-      <a:lvl2pPr lvl="1" marR="0" rtl="0" algn="l">
+      <a:lvl2pPr marR="0" lvl="1" algn="l" rtl="0">
         <a:lnSpc>
           <a:spcPct val="100000"/>
         </a:lnSpc>
@@ -5142,7 +5530,7 @@
           <a:spcPts val="0"/>
         </a:spcAft>
         <a:buNone/>
-        <a:defRPr b="0" i="0" sz="1400" u="none" cap="none" strike="noStrike">
+        <a:defRPr sz="1400" b="0" i="0" u="none" strike="noStrike" cap="none">
           <a:solidFill>
             <a:srgbClr val="000000"/>
           </a:solidFill>
@@ -5152,7 +5540,7 @@
           <a:sym typeface="Arial"/>
         </a:defRPr>
       </a:lvl2pPr>
-      <a:lvl3pPr lvl="2" marR="0" rtl="0" algn="l">
+      <a:lvl3pPr marR="0" lvl="2" algn="l" rtl="0">
         <a:lnSpc>
           <a:spcPct val="100000"/>
         </a:lnSpc>
@@ -5163,7 +5551,7 @@
           <a:spcPts val="0"/>
         </a:spcAft>
         <a:buNone/>
-        <a:defRPr b="0" i="0" sz="1400" u="none" cap="none" strike="noStrike">
+        <a:defRPr sz="1400" b="0" i="0" u="none" strike="noStrike" cap="none">
           <a:solidFill>
             <a:srgbClr val="000000"/>
           </a:solidFill>
@@ -5173,7 +5561,7 @@
           <a:sym typeface="Arial"/>
         </a:defRPr>
       </a:lvl3pPr>
-      <a:lvl4pPr lvl="3" marR="0" rtl="0" algn="l">
+      <a:lvl4pPr marR="0" lvl="3" algn="l" rtl="0">
         <a:lnSpc>
           <a:spcPct val="100000"/>
         </a:lnSpc>
@@ -5184,7 +5572,7 @@
           <a:spcPts val="0"/>
         </a:spcAft>
         <a:buNone/>
-        <a:defRPr b="0" i="0" sz="1400" u="none" cap="none" strike="noStrike">
+        <a:defRPr sz="1400" b="0" i="0" u="none" strike="noStrike" cap="none">
           <a:solidFill>
             <a:srgbClr val="000000"/>
           </a:solidFill>
@@ -5194,7 +5582,7 @@
           <a:sym typeface="Arial"/>
         </a:defRPr>
       </a:lvl4pPr>
-      <a:lvl5pPr lvl="4" marR="0" rtl="0" algn="l">
+      <a:lvl5pPr marR="0" lvl="4" algn="l" rtl="0">
         <a:lnSpc>
           <a:spcPct val="100000"/>
         </a:lnSpc>
@@ -5205,7 +5593,7 @@
           <a:spcPts val="0"/>
         </a:spcAft>
         <a:buNone/>
-        <a:defRPr b="0" i="0" sz="1400" u="none" cap="none" strike="noStrike">
+        <a:defRPr sz="1400" b="0" i="0" u="none" strike="noStrike" cap="none">
           <a:solidFill>
             <a:srgbClr val="000000"/>
           </a:solidFill>
@@ -5215,7 +5603,7 @@
           <a:sym typeface="Arial"/>
         </a:defRPr>
       </a:lvl5pPr>
-      <a:lvl6pPr lvl="5" marR="0" rtl="0" algn="l">
+      <a:lvl6pPr marR="0" lvl="5" algn="l" rtl="0">
         <a:lnSpc>
           <a:spcPct val="100000"/>
         </a:lnSpc>
@@ -5226,7 +5614,7 @@
           <a:spcPts val="0"/>
         </a:spcAft>
         <a:buNone/>
-        <a:defRPr b="0" i="0" sz="1400" u="none" cap="none" strike="noStrike">
+        <a:defRPr sz="1400" b="0" i="0" u="none" strike="noStrike" cap="none">
           <a:solidFill>
             <a:srgbClr val="000000"/>
           </a:solidFill>
@@ -5236,7 +5624,7 @@
           <a:sym typeface="Arial"/>
         </a:defRPr>
       </a:lvl6pPr>
-      <a:lvl7pPr lvl="6" marR="0" rtl="0" algn="l">
+      <a:lvl7pPr marR="0" lvl="6" algn="l" rtl="0">
         <a:lnSpc>
           <a:spcPct val="100000"/>
         </a:lnSpc>
@@ -5247,7 +5635,7 @@
           <a:spcPts val="0"/>
         </a:spcAft>
         <a:buNone/>
-        <a:defRPr b="0" i="0" sz="1400" u="none" cap="none" strike="noStrike">
+        <a:defRPr sz="1400" b="0" i="0" u="none" strike="noStrike" cap="none">
           <a:solidFill>
             <a:srgbClr val="000000"/>
           </a:solidFill>
@@ -5257,7 +5645,7 @@
           <a:sym typeface="Arial"/>
         </a:defRPr>
       </a:lvl7pPr>
-      <a:lvl8pPr lvl="7" marR="0" rtl="0" algn="l">
+      <a:lvl8pPr marR="0" lvl="7" algn="l" rtl="0">
         <a:lnSpc>
           <a:spcPct val="100000"/>
         </a:lnSpc>
@@ -5268,7 +5656,7 @@
           <a:spcPts val="0"/>
         </a:spcAft>
         <a:buNone/>
-        <a:defRPr b="0" i="0" sz="1400" u="none" cap="none" strike="noStrike">
+        <a:defRPr sz="1400" b="0" i="0" u="none" strike="noStrike" cap="none">
           <a:solidFill>
             <a:srgbClr val="000000"/>
           </a:solidFill>
@@ -5278,7 +5666,7 @@
           <a:sym typeface="Arial"/>
         </a:defRPr>
       </a:lvl8pPr>
-      <a:lvl9pPr lvl="8" marR="0" rtl="0" algn="l">
+      <a:lvl9pPr marR="0" lvl="8" algn="l" rtl="0">
         <a:lnSpc>
           <a:spcPct val="100000"/>
         </a:lnSpc>
@@ -5289,7 +5677,7 @@
           <a:spcPts val="0"/>
         </a:spcAft>
         <a:buNone/>
-        <a:defRPr b="0" i="0" sz="1400" u="none" cap="none" strike="noStrike">
+        <a:defRPr sz="1400" b="0" i="0" u="none" strike="noStrike" cap="none">
           <a:solidFill>
             <a:srgbClr val="000000"/>
           </a:solidFill>
@@ -5305,11 +5693,11 @@
 </file>
 
 <file path=ppt/slides/slide1.xml><?xml version="1.0" encoding="utf-8"?>
-<p:sld xmlns:a="http://schemas.openxmlformats.org/drawingml/2006/main" xmlns:r="http://schemas.openxmlformats.org/officeDocument/2006/relationships" xmlns:mc="http://schemas.openxmlformats.org/markup-compatibility/2006" xmlns:mv="urn:schemas-microsoft-com:mac:vml" xmlns:p="http://schemas.openxmlformats.org/presentationml/2006/main" xmlns:c="http://schemas.openxmlformats.org/drawingml/2006/chart" xmlns:dgm="http://schemas.openxmlformats.org/drawingml/2006/diagram" xmlns:o="urn:schemas-microsoft-com:office:office" xmlns:v="urn:schemas-microsoft-com:vml" xmlns:pvml="urn:schemas-microsoft-com:office:powerpoint" xmlns:com="http://schemas.openxmlformats.org/drawingml/2006/compatibility" xmlns:p14="http://schemas.microsoft.com/office/powerpoint/2010/main" xmlns:p15="http://schemas.microsoft.com/office/powerpoint/2012/main">
+<p:sld xmlns:a="http://schemas.openxmlformats.org/drawingml/2006/main" xmlns:r="http://schemas.openxmlformats.org/officeDocument/2006/relationships" xmlns:p="http://schemas.openxmlformats.org/presentationml/2006/main">
   <p:cSld>
     <p:spTree>
       <p:nvGrpSpPr>
-        <p:cNvPr id="58" name="Shape 58"/>
+        <p:cNvPr id="1" name="Shape 58"/>
         <p:cNvGrpSpPr/>
         <p:nvPr/>
       </p:nvGrpSpPr>
@@ -5324,7 +5712,9 @@
       <p:sp>
         <p:nvSpPr>
           <p:cNvPr id="59" name="Shape 59"/>
-          <p:cNvSpPr txBox="1"/>
+          <p:cNvSpPr txBox="1">
+            <a:spLocks noGrp="1"/>
+          </p:cNvSpPr>
           <p:nvPr>
             <p:ph type="ctrTitle"/>
           </p:nvPr>
@@ -5339,7 +5729,7 @@
           </a:prstGeom>
         </p:spPr>
         <p:txBody>
-          <a:bodyPr anchorCtr="0" anchor="b" bIns="91425" lIns="91425" rIns="91425" wrap="square" tIns="91425">
+          <a:bodyPr wrap="square" lIns="91425" tIns="91425" rIns="91425" bIns="91425" anchor="b" anchorCtr="0">
             <a:noAutofit/>
           </a:bodyPr>
           <a:lstStyle/>
@@ -5360,9 +5750,11 @@
       <p:sp>
         <p:nvSpPr>
           <p:cNvPr id="60" name="Shape 60"/>
-          <p:cNvSpPr txBox="1"/>
+          <p:cNvSpPr txBox="1">
+            <a:spLocks noGrp="1"/>
+          </p:cNvSpPr>
           <p:nvPr>
-            <p:ph idx="1" type="subTitle"/>
+            <p:ph type="subTitle" idx="1"/>
           </p:nvPr>
         </p:nvSpPr>
         <p:spPr>
@@ -5375,7 +5767,7 @@
           </a:prstGeom>
         </p:spPr>
         <p:txBody>
-          <a:bodyPr anchorCtr="0" anchor="t" bIns="91425" lIns="91425" rIns="91425" wrap="square" tIns="91425">
+          <a:bodyPr wrap="square" lIns="91425" tIns="91425" rIns="91425" bIns="91425" anchor="t" anchorCtr="0">
             <a:noAutofit/>
           </a:bodyPr>
           <a:lstStyle/>
@@ -5402,11 +5794,11 @@
 </file>
 
 <file path=ppt/slides/slide10.xml><?xml version="1.0" encoding="utf-8"?>
-<p:sld xmlns:a="http://schemas.openxmlformats.org/drawingml/2006/main" xmlns:r="http://schemas.openxmlformats.org/officeDocument/2006/relationships" xmlns:mc="http://schemas.openxmlformats.org/markup-compatibility/2006" xmlns:mv="urn:schemas-microsoft-com:mac:vml" xmlns:p="http://schemas.openxmlformats.org/presentationml/2006/main" xmlns:c="http://schemas.openxmlformats.org/drawingml/2006/chart" xmlns:dgm="http://schemas.openxmlformats.org/drawingml/2006/diagram" xmlns:o="urn:schemas-microsoft-com:office:office" xmlns:v="urn:schemas-microsoft-com:vml" xmlns:pvml="urn:schemas-microsoft-com:office:powerpoint" xmlns:com="http://schemas.openxmlformats.org/drawingml/2006/compatibility" xmlns:p14="http://schemas.microsoft.com/office/powerpoint/2010/main" xmlns:p15="http://schemas.microsoft.com/office/powerpoint/2012/main">
+<p:sld xmlns:a="http://schemas.openxmlformats.org/drawingml/2006/main" xmlns:r="http://schemas.openxmlformats.org/officeDocument/2006/relationships" xmlns:p="http://schemas.openxmlformats.org/presentationml/2006/main">
   <p:cSld>
     <p:spTree>
       <p:nvGrpSpPr>
-        <p:cNvPr id="112" name="Shape 112"/>
+        <p:cNvPr id="1" name="Shape 112"/>
         <p:cNvGrpSpPr/>
         <p:nvPr/>
       </p:nvGrpSpPr>
@@ -5421,7 +5813,9 @@
       <p:sp>
         <p:nvSpPr>
           <p:cNvPr id="113" name="Shape 113"/>
-          <p:cNvSpPr txBox="1"/>
+          <p:cNvSpPr txBox="1">
+            <a:spLocks noGrp="1"/>
+          </p:cNvSpPr>
           <p:nvPr>
             <p:ph type="title"/>
           </p:nvPr>
@@ -5436,7 +5830,7 @@
           </a:prstGeom>
         </p:spPr>
         <p:txBody>
-          <a:bodyPr anchorCtr="0" anchor="t" bIns="91425" lIns="91425" rIns="91425" wrap="square" tIns="91425">
+          <a:bodyPr wrap="square" lIns="91425" tIns="91425" rIns="91425" bIns="91425" anchor="t" anchorCtr="0">
             <a:noAutofit/>
           </a:bodyPr>
           <a:lstStyle/>
@@ -5457,9 +5851,11 @@
       <p:sp>
         <p:nvSpPr>
           <p:cNvPr id="114" name="Shape 114"/>
-          <p:cNvSpPr txBox="1"/>
+          <p:cNvSpPr txBox="1">
+            <a:spLocks noGrp="1"/>
+          </p:cNvSpPr>
           <p:nvPr>
-            <p:ph idx="1" type="body"/>
+            <p:ph type="body" idx="1"/>
           </p:nvPr>
         </p:nvSpPr>
         <p:spPr>
@@ -5472,21 +5868,26 @@
           </a:prstGeom>
         </p:spPr>
         <p:txBody>
-          <a:bodyPr anchorCtr="0" anchor="t" bIns="91425" lIns="91425" rIns="91425" wrap="square" tIns="91425">
+          <a:bodyPr wrap="square" lIns="91425" tIns="91425" rIns="91425" bIns="91425" anchor="t" anchorCtr="0">
             <a:noAutofit/>
           </a:bodyPr>
           <a:lstStyle/>
           <a:p>
-            <a:pPr indent="-342900" lvl="0" marL="457200" rtl="0">
+            <a:pPr marL="457200" lvl="0" indent="-342900" rtl="0">
               <a:spcBef>
                 <a:spcPts val="0"/>
               </a:spcBef>
               <a:buChar char="-"/>
             </a:pPr>
             <a:r>
-              <a:rPr lang="en"/>
-              <a:t>Data Clean Up and In Depth Understanding: 1.5 weeks</a:t>
+              <a:rPr lang="en" dirty="0"/>
+              <a:t>Data Clean Up and In Depth </a:t>
             </a:r>
+            <a:r>
+              <a:rPr lang="en" dirty="0" smtClean="0"/>
+              <a:t>Understanding: 17 Nov – 25 Nov</a:t>
+            </a:r>
+            <a:endParaRPr lang="en" dirty="0"/>
           </a:p>
           <a:p>
             <a:pPr lvl="0" rtl="0">
@@ -5495,22 +5896,28 @@
               </a:spcBef>
               <a:buNone/>
             </a:pPr>
-            <a:r>
-              <a:t/>
-            </a:r>
-            <a:endParaRPr/>
-          </a:p>
-          <a:p>
-            <a:pPr indent="-342900" lvl="0" marL="457200" rtl="0">
+            <a:endParaRPr dirty="0"/>
+          </a:p>
+          <a:p>
+            <a:pPr marL="457200" lvl="0" indent="-342900" rtl="0">
               <a:spcBef>
                 <a:spcPts val="0"/>
               </a:spcBef>
               <a:buChar char="-"/>
             </a:pPr>
             <a:r>
-              <a:rPr lang="en"/>
-              <a:t>Implementing Algorithms Using MLlib: 0.5 week/each</a:t>
+              <a:rPr lang="en" dirty="0" smtClean="0"/>
+              <a:t>Implementing </a:t>
             </a:r>
+            <a:r>
+              <a:rPr lang="en" dirty="0"/>
+              <a:t>Algorithms Using MLlib</a:t>
+            </a:r>
+            <a:r>
+              <a:rPr lang="en" dirty="0" smtClean="0"/>
+              <a:t>:  25 Nov – 4 Dec</a:t>
+            </a:r>
+            <a:endParaRPr lang="en" dirty="0"/>
           </a:p>
           <a:p>
             <a:pPr lvl="0" rtl="0">
@@ -5519,22 +5926,24 @@
               </a:spcBef>
               <a:buNone/>
             </a:pPr>
-            <a:r>
-              <a:t/>
-            </a:r>
-            <a:endParaRPr/>
-          </a:p>
-          <a:p>
-            <a:pPr indent="-342900" lvl="0" marL="457200">
+            <a:endParaRPr dirty="0"/>
+          </a:p>
+          <a:p>
+            <a:pPr marL="457200" lvl="0" indent="-342900">
               <a:spcBef>
                 <a:spcPts val="0"/>
               </a:spcBef>
               <a:buChar char="-"/>
             </a:pPr>
             <a:r>
-              <a:rPr lang="en"/>
-              <a:t>Clean Up and Final Presentation: 1-2 days </a:t>
+              <a:rPr lang="en" dirty="0"/>
+              <a:t>Clean Up and Final Presentation: </a:t>
             </a:r>
+            <a:r>
+              <a:rPr lang="en" dirty="0" smtClean="0"/>
+              <a:t>4 Dec – 7 Dec</a:t>
+            </a:r>
+            <a:endParaRPr lang="en" dirty="0"/>
           </a:p>
         </p:txBody>
       </p:sp>
@@ -5547,11 +5956,11 @@
 </file>
 
 <file path=ppt/slides/slide11.xml><?xml version="1.0" encoding="utf-8"?>
-<p:sld xmlns:a="http://schemas.openxmlformats.org/drawingml/2006/main" xmlns:r="http://schemas.openxmlformats.org/officeDocument/2006/relationships" xmlns:mc="http://schemas.openxmlformats.org/markup-compatibility/2006" xmlns:mv="urn:schemas-microsoft-com:mac:vml" xmlns:p="http://schemas.openxmlformats.org/presentationml/2006/main" xmlns:c="http://schemas.openxmlformats.org/drawingml/2006/chart" xmlns:dgm="http://schemas.openxmlformats.org/drawingml/2006/diagram" xmlns:o="urn:schemas-microsoft-com:office:office" xmlns:v="urn:schemas-microsoft-com:vml" xmlns:pvml="urn:schemas-microsoft-com:office:powerpoint" xmlns:com="http://schemas.openxmlformats.org/drawingml/2006/compatibility" xmlns:p14="http://schemas.microsoft.com/office/powerpoint/2010/main" xmlns:p15="http://schemas.microsoft.com/office/powerpoint/2012/main">
+<p:sld xmlns:a="http://schemas.openxmlformats.org/drawingml/2006/main" xmlns:r="http://schemas.openxmlformats.org/officeDocument/2006/relationships" xmlns:p="http://schemas.openxmlformats.org/presentationml/2006/main">
   <p:cSld>
     <p:spTree>
       <p:nvGrpSpPr>
-        <p:cNvPr id="118" name="Shape 118"/>
+        <p:cNvPr id="1" name="Shape 118"/>
         <p:cNvGrpSpPr/>
         <p:nvPr/>
       </p:nvGrpSpPr>
@@ -5566,7 +5975,9 @@
       <p:sp>
         <p:nvSpPr>
           <p:cNvPr id="119" name="Shape 119"/>
-          <p:cNvSpPr txBox="1"/>
+          <p:cNvSpPr txBox="1">
+            <a:spLocks noGrp="1"/>
+          </p:cNvSpPr>
           <p:nvPr>
             <p:ph type="title"/>
           </p:nvPr>
@@ -5581,7 +5992,7 @@
           </a:prstGeom>
         </p:spPr>
         <p:txBody>
-          <a:bodyPr anchorCtr="0" anchor="ctr" bIns="91425" lIns="91425" rIns="91425" wrap="square" tIns="91425">
+          <a:bodyPr wrap="square" lIns="91425" tIns="91425" rIns="91425" bIns="91425" anchor="ctr" anchorCtr="0">
             <a:noAutofit/>
           </a:bodyPr>
           <a:lstStyle/>
@@ -5602,9 +6013,11 @@
       <p:sp>
         <p:nvSpPr>
           <p:cNvPr id="120" name="Shape 120"/>
-          <p:cNvSpPr txBox="1"/>
+          <p:cNvSpPr txBox="1">
+            <a:spLocks noGrp="1"/>
+          </p:cNvSpPr>
           <p:nvPr>
-            <p:ph idx="4294967295" type="body"/>
+            <p:ph type="body" idx="4294967295"/>
           </p:nvPr>
         </p:nvSpPr>
         <p:spPr>
@@ -5617,12 +6030,12 @@
           </a:prstGeom>
         </p:spPr>
         <p:txBody>
-          <a:bodyPr anchorCtr="0" anchor="t" bIns="91425" lIns="91425" rIns="91425" wrap="square" tIns="91425">
+          <a:bodyPr wrap="square" lIns="91425" tIns="91425" rIns="91425" bIns="91425" anchor="t" anchorCtr="0">
             <a:noAutofit/>
           </a:bodyPr>
           <a:lstStyle/>
           <a:p>
-            <a:pPr indent="-330200" lvl="0" marL="457200" rtl="0">
+            <a:pPr marL="457200" lvl="0" indent="-330200" rtl="0">
               <a:spcBef>
                 <a:spcPts val="0"/>
               </a:spcBef>
@@ -5641,13 +6054,10 @@
               </a:spcBef>
               <a:buNone/>
             </a:pPr>
-            <a:r>
-              <a:t/>
-            </a:r>
             <a:endParaRPr sz="1600"/>
           </a:p>
           <a:p>
-            <a:pPr indent="-330200" lvl="0" marL="457200" rtl="0">
+            <a:pPr marL="457200" lvl="0" indent="-330200" rtl="0">
               <a:spcBef>
                 <a:spcPts val="0"/>
               </a:spcBef>
@@ -5670,11 +6080,11 @@
 </file>
 
 <file path=ppt/slides/slide2.xml><?xml version="1.0" encoding="utf-8"?>
-<p:sld xmlns:a="http://schemas.openxmlformats.org/drawingml/2006/main" xmlns:r="http://schemas.openxmlformats.org/officeDocument/2006/relationships" xmlns:mc="http://schemas.openxmlformats.org/markup-compatibility/2006" xmlns:mv="urn:schemas-microsoft-com:mac:vml" xmlns:p="http://schemas.openxmlformats.org/presentationml/2006/main" xmlns:c="http://schemas.openxmlformats.org/drawingml/2006/chart" xmlns:dgm="http://schemas.openxmlformats.org/drawingml/2006/diagram" xmlns:o="urn:schemas-microsoft-com:office:office" xmlns:v="urn:schemas-microsoft-com:vml" xmlns:pvml="urn:schemas-microsoft-com:office:powerpoint" xmlns:com="http://schemas.openxmlformats.org/drawingml/2006/compatibility" xmlns:p14="http://schemas.microsoft.com/office/powerpoint/2010/main" xmlns:p15="http://schemas.microsoft.com/office/powerpoint/2012/main">
+<p:sld xmlns:a="http://schemas.openxmlformats.org/drawingml/2006/main" xmlns:r="http://schemas.openxmlformats.org/officeDocument/2006/relationships" xmlns:p="http://schemas.openxmlformats.org/presentationml/2006/main">
   <p:cSld>
     <p:spTree>
       <p:nvGrpSpPr>
-        <p:cNvPr id="64" name="Shape 64"/>
+        <p:cNvPr id="1" name="Shape 64"/>
         <p:cNvGrpSpPr/>
         <p:nvPr/>
       </p:nvGrpSpPr>
@@ -5689,7 +6099,9 @@
       <p:sp>
         <p:nvSpPr>
           <p:cNvPr id="65" name="Shape 65"/>
-          <p:cNvSpPr txBox="1"/>
+          <p:cNvSpPr txBox="1">
+            <a:spLocks noGrp="1"/>
+          </p:cNvSpPr>
           <p:nvPr>
             <p:ph type="title"/>
           </p:nvPr>
@@ -5704,7 +6116,7 @@
           </a:prstGeom>
         </p:spPr>
         <p:txBody>
-          <a:bodyPr anchorCtr="0" anchor="b" bIns="91425" lIns="91425" rIns="91425" wrap="square" tIns="91425">
+          <a:bodyPr wrap="square" lIns="91425" tIns="91425" rIns="91425" bIns="91425" anchor="b" anchorCtr="0">
             <a:noAutofit/>
           </a:bodyPr>
           <a:lstStyle/>
@@ -5725,9 +6137,11 @@
       <p:sp>
         <p:nvSpPr>
           <p:cNvPr id="66" name="Shape 66"/>
-          <p:cNvSpPr txBox="1"/>
+          <p:cNvSpPr txBox="1">
+            <a:spLocks noGrp="1"/>
+          </p:cNvSpPr>
           <p:nvPr>
-            <p:ph idx="2" type="body"/>
+            <p:ph type="body" idx="2"/>
           </p:nvPr>
         </p:nvSpPr>
         <p:spPr>
@@ -5740,12 +6154,12 @@
           </a:prstGeom>
         </p:spPr>
         <p:txBody>
-          <a:bodyPr anchorCtr="0" anchor="ctr" bIns="91425" lIns="91425" rIns="91425" wrap="square" tIns="91425">
+          <a:bodyPr wrap="square" lIns="91425" tIns="91425" rIns="91425" bIns="91425" anchor="ctr" anchorCtr="0">
             <a:noAutofit/>
           </a:bodyPr>
           <a:lstStyle/>
           <a:p>
-            <a:pPr indent="-342900" lvl="0" marL="457200" rtl="0">
+            <a:pPr marL="457200" lvl="0" indent="-342900" rtl="0">
               <a:spcBef>
                 <a:spcPts val="0"/>
               </a:spcBef>
@@ -5756,7 +6170,7 @@
             </a:r>
           </a:p>
           <a:p>
-            <a:pPr indent="-342900" lvl="0" marL="457200" rtl="0">
+            <a:pPr marL="457200" lvl="0" indent="-342900" rtl="0">
               <a:spcBef>
                 <a:spcPts val="0"/>
               </a:spcBef>
@@ -5767,7 +6181,7 @@
             </a:r>
           </a:p>
           <a:p>
-            <a:pPr indent="-323850" lvl="0" marL="457200" rtl="0">
+            <a:pPr marL="457200" lvl="0" indent="-323850" rtl="0">
               <a:spcBef>
                 <a:spcPts val="0"/>
               </a:spcBef>
@@ -5806,9 +6220,6 @@
               </a:spcAft>
               <a:buNone/>
             </a:pPr>
-            <a:r>
-              <a:t/>
-            </a:r>
             <a:endParaRPr sz="1500">
               <a:solidFill>
                 <a:schemeClr val="lt1"/>
@@ -5816,7 +6227,7 @@
             </a:endParaRPr>
           </a:p>
           <a:p>
-            <a:pPr indent="-342900" lvl="0" marL="457200" rtl="0">
+            <a:pPr marL="457200" lvl="0" indent="-342900" rtl="0">
               <a:spcBef>
                 <a:spcPts val="0"/>
               </a:spcBef>
@@ -5833,9 +6244,6 @@
               </a:spcBef>
               <a:buNone/>
             </a:pPr>
-            <a:r>
-              <a:t/>
-            </a:r>
             <a:endParaRPr/>
           </a:p>
         </p:txBody>
@@ -5849,11 +6257,11 @@
 </file>
 
 <file path=ppt/slides/slide3.xml><?xml version="1.0" encoding="utf-8"?>
-<p:sld xmlns:a="http://schemas.openxmlformats.org/drawingml/2006/main" xmlns:r="http://schemas.openxmlformats.org/officeDocument/2006/relationships" xmlns:mc="http://schemas.openxmlformats.org/markup-compatibility/2006" xmlns:mv="urn:schemas-microsoft-com:mac:vml" xmlns:p="http://schemas.openxmlformats.org/presentationml/2006/main" xmlns:c="http://schemas.openxmlformats.org/drawingml/2006/chart" xmlns:dgm="http://schemas.openxmlformats.org/drawingml/2006/diagram" xmlns:o="urn:schemas-microsoft-com:office:office" xmlns:v="urn:schemas-microsoft-com:vml" xmlns:pvml="urn:schemas-microsoft-com:office:powerpoint" xmlns:com="http://schemas.openxmlformats.org/drawingml/2006/compatibility" xmlns:p14="http://schemas.microsoft.com/office/powerpoint/2010/main" xmlns:p15="http://schemas.microsoft.com/office/powerpoint/2012/main">
+<p:sld xmlns:a="http://schemas.openxmlformats.org/drawingml/2006/main" xmlns:r="http://schemas.openxmlformats.org/officeDocument/2006/relationships" xmlns:p="http://schemas.openxmlformats.org/presentationml/2006/main">
   <p:cSld>
     <p:spTree>
       <p:nvGrpSpPr>
-        <p:cNvPr id="70" name="Shape 70"/>
+        <p:cNvPr id="1" name="Shape 70"/>
         <p:cNvGrpSpPr/>
         <p:nvPr/>
       </p:nvGrpSpPr>
@@ -5868,7 +6276,9 @@
       <p:sp>
         <p:nvSpPr>
           <p:cNvPr id="71" name="Shape 71"/>
-          <p:cNvSpPr txBox="1"/>
+          <p:cNvSpPr txBox="1">
+            <a:spLocks noGrp="1"/>
+          </p:cNvSpPr>
           <p:nvPr>
             <p:ph type="title"/>
           </p:nvPr>
@@ -5883,7 +6293,7 @@
           </a:prstGeom>
         </p:spPr>
         <p:txBody>
-          <a:bodyPr anchorCtr="0" anchor="b" bIns="91425" lIns="91425" rIns="91425" wrap="square" tIns="91425">
+          <a:bodyPr wrap="square" lIns="91425" tIns="91425" rIns="91425" bIns="91425" anchor="b" anchorCtr="0">
             <a:noAutofit/>
           </a:bodyPr>
           <a:lstStyle/>
@@ -5904,9 +6314,11 @@
       <p:sp>
         <p:nvSpPr>
           <p:cNvPr id="72" name="Shape 72"/>
-          <p:cNvSpPr txBox="1"/>
+          <p:cNvSpPr txBox="1">
+            <a:spLocks noGrp="1"/>
+          </p:cNvSpPr>
           <p:nvPr>
-            <p:ph idx="2" type="body"/>
+            <p:ph type="body" idx="2"/>
           </p:nvPr>
         </p:nvSpPr>
         <p:spPr>
@@ -5919,12 +6331,12 @@
           </a:prstGeom>
         </p:spPr>
         <p:txBody>
-          <a:bodyPr anchorCtr="0" anchor="ctr" bIns="91425" lIns="91425" rIns="91425" wrap="square" tIns="91425">
+          <a:bodyPr wrap="square" lIns="91425" tIns="91425" rIns="91425" bIns="91425" anchor="ctr" anchorCtr="0">
             <a:noAutofit/>
           </a:bodyPr>
           <a:lstStyle/>
           <a:p>
-            <a:pPr indent="-342900" lvl="0" marL="457200" rtl="0">
+            <a:pPr marL="457200" lvl="0" indent="-342900" rtl="0">
               <a:spcBef>
                 <a:spcPts val="0"/>
               </a:spcBef>
@@ -5939,7 +6351,7 @@
             </a:r>
           </a:p>
           <a:p>
-            <a:pPr indent="-342900" lvl="0" marL="457200" rtl="0">
+            <a:pPr marL="457200" lvl="0" indent="-342900" rtl="0">
               <a:spcBef>
                 <a:spcPts val="0"/>
               </a:spcBef>
@@ -5950,15 +6362,11 @@
             </a:pPr>
             <a:r>
               <a:rPr lang="en"/>
-              <a:t>Given over a hundred variables </a:t>
+              <a:t>Given over a hundred variables describing attributes of life insurance applicants </a:t>
             </a:r>
-            <a:r>
-              <a:rPr lang="en"/>
-              <a:t>describing attributes of life insurance applicants </a:t>
-            </a:r>
-          </a:p>
-          <a:p>
-            <a:pPr indent="-342900" lvl="0" marL="457200" rtl="0">
+          </a:p>
+          <a:p>
+            <a:pPr marL="457200" lvl="0" indent="-342900" rtl="0">
               <a:spcBef>
                 <a:spcPts val="0"/>
               </a:spcBef>
@@ -5973,7 +6381,7 @@
             </a:r>
           </a:p>
           <a:p>
-            <a:pPr indent="-342900" lvl="0" marL="457200">
+            <a:pPr marL="457200" lvl="0" indent="-342900">
               <a:spcBef>
                 <a:spcPts val="0"/>
               </a:spcBef>
@@ -5995,11 +6403,11 @@
 </file>
 
 <file path=ppt/slides/slide4.xml><?xml version="1.0" encoding="utf-8"?>
-<p:sld xmlns:a="http://schemas.openxmlformats.org/drawingml/2006/main" xmlns:r="http://schemas.openxmlformats.org/officeDocument/2006/relationships" xmlns:mc="http://schemas.openxmlformats.org/markup-compatibility/2006" xmlns:mv="urn:schemas-microsoft-com:mac:vml" xmlns:p="http://schemas.openxmlformats.org/presentationml/2006/main" xmlns:c="http://schemas.openxmlformats.org/drawingml/2006/chart" xmlns:dgm="http://schemas.openxmlformats.org/drawingml/2006/diagram" xmlns:o="urn:schemas-microsoft-com:office:office" xmlns:v="urn:schemas-microsoft-com:vml" xmlns:pvml="urn:schemas-microsoft-com:office:powerpoint" xmlns:com="http://schemas.openxmlformats.org/drawingml/2006/compatibility" xmlns:p14="http://schemas.microsoft.com/office/powerpoint/2010/main" xmlns:p15="http://schemas.microsoft.com/office/powerpoint/2012/main">
+<p:sld xmlns:a="http://schemas.openxmlformats.org/drawingml/2006/main" xmlns:r="http://schemas.openxmlformats.org/officeDocument/2006/relationships" xmlns:p="http://schemas.openxmlformats.org/presentationml/2006/main">
   <p:cSld>
     <p:spTree>
       <p:nvGrpSpPr>
-        <p:cNvPr id="76" name="Shape 76"/>
+        <p:cNvPr id="1" name="Shape 76"/>
         <p:cNvGrpSpPr/>
         <p:nvPr/>
       </p:nvGrpSpPr>
@@ -6014,7 +6422,9 @@
       <p:sp>
         <p:nvSpPr>
           <p:cNvPr id="77" name="Shape 77"/>
-          <p:cNvSpPr txBox="1"/>
+          <p:cNvSpPr txBox="1">
+            <a:spLocks noGrp="1"/>
+          </p:cNvSpPr>
           <p:nvPr>
             <p:ph type="title"/>
           </p:nvPr>
@@ -6029,7 +6439,7 @@
           </a:prstGeom>
         </p:spPr>
         <p:txBody>
-          <a:bodyPr anchorCtr="0" anchor="t" bIns="91425" lIns="91425" rIns="91425" wrap="square" tIns="91425">
+          <a:bodyPr wrap="square" lIns="91425" tIns="91425" rIns="91425" bIns="91425" anchor="t" anchorCtr="0">
             <a:noAutofit/>
           </a:bodyPr>
           <a:lstStyle/>
@@ -6050,9 +6460,11 @@
       <p:sp>
         <p:nvSpPr>
           <p:cNvPr id="78" name="Shape 78"/>
-          <p:cNvSpPr txBox="1"/>
+          <p:cNvSpPr txBox="1">
+            <a:spLocks noGrp="1"/>
+          </p:cNvSpPr>
           <p:nvPr>
-            <p:ph idx="1" type="body"/>
+            <p:ph type="body" idx="1"/>
           </p:nvPr>
         </p:nvSpPr>
         <p:spPr>
@@ -6065,12 +6477,12 @@
           </a:prstGeom>
         </p:spPr>
         <p:txBody>
-          <a:bodyPr anchorCtr="0" anchor="t" bIns="91425" lIns="91425" rIns="91425" wrap="square" tIns="91425">
+          <a:bodyPr wrap="square" lIns="91425" tIns="91425" rIns="91425" bIns="91425" anchor="t" anchorCtr="0">
             <a:noAutofit/>
           </a:bodyPr>
           <a:lstStyle/>
           <a:p>
-            <a:pPr indent="-330200" lvl="0" marL="457200" rtl="0">
+            <a:pPr marL="457200" lvl="0" indent="-330200" rtl="0">
               <a:spcBef>
                 <a:spcPts val="0"/>
               </a:spcBef>
@@ -6078,12 +6490,12 @@
               <a:buAutoNum type="arabicPeriod"/>
             </a:pPr>
             <a:r>
-              <a:rPr lang="en" sz="1600"/>
+              <a:rPr lang="en" sz="1600" dirty="0"/>
               <a:t>Develop a predictive model that accurately classifies risk</a:t>
             </a:r>
           </a:p>
           <a:p>
-            <a:pPr indent="-330200" lvl="0" marL="457200" rtl="0">
+            <a:pPr marL="457200" lvl="0" indent="-330200" rtl="0">
               <a:spcBef>
                 <a:spcPts val="0"/>
               </a:spcBef>
@@ -6091,12 +6503,12 @@
               <a:buAutoNum type="arabicPeriod"/>
             </a:pPr>
             <a:r>
-              <a:rPr lang="en" sz="1600"/>
+              <a:rPr lang="en" sz="1600" dirty="0"/>
               <a:t>Apply and compare results for various Machine Learning Algorithms</a:t>
             </a:r>
           </a:p>
           <a:p>
-            <a:pPr indent="-330200" lvl="0" marL="457200" rtl="0">
+            <a:pPr marL="457200" lvl="0" indent="-330200" rtl="0">
               <a:spcBef>
                 <a:spcPts val="0"/>
               </a:spcBef>
@@ -6104,12 +6516,16 @@
               <a:buAutoNum type="arabicPeriod"/>
             </a:pPr>
             <a:r>
-              <a:rPr lang="en" sz="1600"/>
-              <a:t>Use Scala to stream and clean the data set</a:t>
+              <a:rPr lang="en" sz="1600" dirty="0"/>
+              <a:t>Use Scala to stream and clean the data </a:t>
             </a:r>
-          </a:p>
-          <a:p>
-            <a:pPr indent="-330200" lvl="0" marL="457200" rtl="0">
+            <a:r>
+              <a:rPr lang="en" sz="1600" dirty="0" smtClean="0"/>
+              <a:t>set.</a:t>
+            </a:r>
+          </a:p>
+          <a:p>
+            <a:pPr marL="457200" lvl="0" indent="-330200" rtl="0">
               <a:spcBef>
                 <a:spcPts val="0"/>
               </a:spcBef>
@@ -6117,9 +6533,10 @@
               <a:buAutoNum type="arabicPeriod"/>
             </a:pPr>
             <a:r>
-              <a:rPr lang="en" sz="1600"/>
-              <a:t>Getting acquainted with MLlib</a:t>
+              <a:rPr lang="en" sz="1600" dirty="0" smtClean="0"/>
+              <a:t>Applying PCA technique for dimensional reduction.</a:t>
             </a:r>
+            <a:endParaRPr lang="en" sz="1600" dirty="0"/>
           </a:p>
         </p:txBody>
       </p:sp>
@@ -6132,11 +6549,11 @@
 </file>
 
 <file path=ppt/slides/slide5.xml><?xml version="1.0" encoding="utf-8"?>
-<p:sld xmlns:a="http://schemas.openxmlformats.org/drawingml/2006/main" xmlns:r="http://schemas.openxmlformats.org/officeDocument/2006/relationships" xmlns:mc="http://schemas.openxmlformats.org/markup-compatibility/2006" xmlns:mv="urn:schemas-microsoft-com:mac:vml" xmlns:p="http://schemas.openxmlformats.org/presentationml/2006/main" xmlns:c="http://schemas.openxmlformats.org/drawingml/2006/chart" xmlns:dgm="http://schemas.openxmlformats.org/drawingml/2006/diagram" xmlns:o="urn:schemas-microsoft-com:office:office" xmlns:v="urn:schemas-microsoft-com:vml" xmlns:pvml="urn:schemas-microsoft-com:office:powerpoint" xmlns:com="http://schemas.openxmlformats.org/drawingml/2006/compatibility" xmlns:p14="http://schemas.microsoft.com/office/powerpoint/2010/main" xmlns:p15="http://schemas.microsoft.com/office/powerpoint/2012/main">
+<p:sld xmlns:a="http://schemas.openxmlformats.org/drawingml/2006/main" xmlns:r="http://schemas.openxmlformats.org/officeDocument/2006/relationships" xmlns:p="http://schemas.openxmlformats.org/presentationml/2006/main">
   <p:cSld>
     <p:spTree>
       <p:nvGrpSpPr>
-        <p:cNvPr id="82" name="Shape 82"/>
+        <p:cNvPr id="1" name="Shape 82"/>
         <p:cNvGrpSpPr/>
         <p:nvPr/>
       </p:nvGrpSpPr>
@@ -6151,7 +6568,9 @@
       <p:sp>
         <p:nvSpPr>
           <p:cNvPr id="83" name="Shape 83"/>
-          <p:cNvSpPr txBox="1"/>
+          <p:cNvSpPr txBox="1">
+            <a:spLocks noGrp="1"/>
+          </p:cNvSpPr>
           <p:nvPr>
             <p:ph type="title"/>
           </p:nvPr>
@@ -6166,7 +6585,7 @@
           </a:prstGeom>
         </p:spPr>
         <p:txBody>
-          <a:bodyPr anchorCtr="0" anchor="b" bIns="91425" lIns="91425" rIns="91425" wrap="square" tIns="91425">
+          <a:bodyPr wrap="square" lIns="91425" tIns="91425" rIns="91425" bIns="91425" anchor="b" anchorCtr="0">
             <a:noAutofit/>
           </a:bodyPr>
           <a:lstStyle/>
@@ -6187,9 +6606,11 @@
       <p:sp>
         <p:nvSpPr>
           <p:cNvPr id="84" name="Shape 84"/>
-          <p:cNvSpPr txBox="1"/>
+          <p:cNvSpPr txBox="1">
+            <a:spLocks noGrp="1"/>
+          </p:cNvSpPr>
           <p:nvPr>
-            <p:ph idx="2" type="body"/>
+            <p:ph type="body" idx="2"/>
           </p:nvPr>
         </p:nvSpPr>
         <p:spPr>
@@ -6202,56 +6623,59 @@
           </a:prstGeom>
         </p:spPr>
         <p:txBody>
-          <a:bodyPr anchorCtr="0" anchor="ctr" bIns="91425" lIns="91425" rIns="91425" wrap="square" tIns="91425">
+          <a:bodyPr wrap="square" lIns="91425" tIns="91425" rIns="91425" bIns="91425" anchor="ctr" anchorCtr="0">
             <a:noAutofit/>
           </a:bodyPr>
           <a:lstStyle/>
           <a:p>
-            <a:pPr indent="-342900" lvl="0" marL="457200" rtl="0">
+            <a:pPr marL="457200" lvl="0" indent="-342900" rtl="0">
               <a:spcBef>
                 <a:spcPts val="0"/>
               </a:spcBef>
             </a:pPr>
             <a:r>
-              <a:rPr lang="en"/>
-              <a:t>Missing Data</a:t>
+              <a:rPr lang="en" dirty="0" smtClean="0"/>
+              <a:t>Missing Data replaced with mean.</a:t>
             </a:r>
           </a:p>
           <a:p>
-            <a:pPr indent="-228600" lvl="0" marL="457200">
-              <a:spcBef>
-                <a:spcPts val="0"/>
-              </a:spcBef>
-              <a:buNone/>
-            </a:pPr>
+            <a:pPr marL="457200" indent="-342900"/>
             <a:r>
-              <a:rPr lang="en"/>
+              <a:rPr lang="en" dirty="0" smtClean="0"/>
               <a:t>Dimensional Reduction using Filter methods in Scala</a:t>
             </a:r>
           </a:p>
           <a:p>
-            <a:pPr indent="-228600" lvl="0" marL="457200">
-              <a:spcBef>
-                <a:spcPts val="0"/>
-              </a:spcBef>
-              <a:buNone/>
-            </a:pPr>
+            <a:pPr marL="457200" lvl="0" indent="-342900"/>
             <a:r>
-              <a:rPr lang="en"/>
+              <a:rPr lang="en" dirty="0" smtClean="0"/>
               <a:t>Formatting and validating</a:t>
             </a:r>
           </a:p>
           <a:p>
+            <a:pPr marL="457200" lvl="0" indent="-342900" rtl="0">
+              <a:spcBef>
+                <a:spcPts val="0"/>
+              </a:spcBef>
+            </a:pPr>
+            <a:endParaRPr lang="en" dirty="0" smtClean="0"/>
+          </a:p>
+          <a:p>
+            <a:pPr marL="457200" lvl="0" indent="-342900" rtl="0">
+              <a:spcBef>
+                <a:spcPts val="0"/>
+              </a:spcBef>
+            </a:pPr>
+            <a:endParaRPr lang="en" dirty="0"/>
+          </a:p>
+          <a:p>
             <a:pPr lvl="0">
               <a:spcBef>
                 <a:spcPts val="0"/>
               </a:spcBef>
               <a:buNone/>
             </a:pPr>
-            <a:r>
-              <a:t/>
-            </a:r>
-            <a:endParaRPr/>
+            <a:endParaRPr dirty="0"/>
           </a:p>
         </p:txBody>
       </p:sp>
@@ -6264,11 +6688,11 @@
 </file>
 
 <file path=ppt/slides/slide6.xml><?xml version="1.0" encoding="utf-8"?>
-<p:sld xmlns:a="http://schemas.openxmlformats.org/drawingml/2006/main" xmlns:r="http://schemas.openxmlformats.org/officeDocument/2006/relationships" xmlns:mc="http://schemas.openxmlformats.org/markup-compatibility/2006" xmlns:mv="urn:schemas-microsoft-com:mac:vml" xmlns:p="http://schemas.openxmlformats.org/presentationml/2006/main" xmlns:c="http://schemas.openxmlformats.org/drawingml/2006/chart" xmlns:dgm="http://schemas.openxmlformats.org/drawingml/2006/diagram" xmlns:o="urn:schemas-microsoft-com:office:office" xmlns:v="urn:schemas-microsoft-com:vml" xmlns:pvml="urn:schemas-microsoft-com:office:powerpoint" xmlns:com="http://schemas.openxmlformats.org/drawingml/2006/compatibility" xmlns:p14="http://schemas.microsoft.com/office/powerpoint/2010/main" xmlns:p15="http://schemas.microsoft.com/office/powerpoint/2012/main">
+<p:sld xmlns:a="http://schemas.openxmlformats.org/drawingml/2006/main" xmlns:r="http://schemas.openxmlformats.org/officeDocument/2006/relationships" xmlns:p="http://schemas.openxmlformats.org/presentationml/2006/main">
   <p:cSld>
     <p:spTree>
       <p:nvGrpSpPr>
-        <p:cNvPr id="88" name="Shape 88"/>
+        <p:cNvPr id="1" name="Shape 88"/>
         <p:cNvGrpSpPr/>
         <p:nvPr/>
       </p:nvGrpSpPr>
@@ -6283,7 +6707,9 @@
       <p:sp>
         <p:nvSpPr>
           <p:cNvPr id="89" name="Shape 89"/>
-          <p:cNvSpPr txBox="1"/>
+          <p:cNvSpPr txBox="1">
+            <a:spLocks noGrp="1"/>
+          </p:cNvSpPr>
           <p:nvPr>
             <p:ph type="title"/>
           </p:nvPr>
@@ -6298,7 +6724,7 @@
           </a:prstGeom>
         </p:spPr>
         <p:txBody>
-          <a:bodyPr anchorCtr="0" anchor="b" bIns="91425" lIns="91425" rIns="91425" wrap="square" tIns="91425">
+          <a:bodyPr wrap="square" lIns="91425" tIns="91425" rIns="91425" bIns="91425" anchor="b" anchorCtr="0">
             <a:noAutofit/>
           </a:bodyPr>
           <a:lstStyle/>
@@ -6336,7 +6762,7 @@
           </a:ln>
         </p:spPr>
         <p:txBody>
-          <a:bodyPr anchorCtr="0" anchor="t" bIns="91425" lIns="91425" rIns="91425" wrap="square" tIns="91425">
+          <a:bodyPr wrap="square" lIns="91425" tIns="91425" rIns="91425" bIns="91425" anchor="t" anchorCtr="0">
             <a:noAutofit/>
           </a:bodyPr>
           <a:lstStyle/>
@@ -6360,7 +6786,7 @@
               <a:t>A method to predict a target variable by fitting the </a:t>
             </a:r>
             <a:r>
-              <a:rPr i="1" lang="en" sz="1800">
+              <a:rPr lang="en" sz="1800" i="1">
                 <a:solidFill>
                   <a:schemeClr val="lt1"/>
                 </a:solidFill>
@@ -6391,9 +6817,6 @@
               </a:spcBef>
               <a:buNone/>
             </a:pPr>
-            <a:r>
-              <a:t/>
-            </a:r>
             <a:endParaRPr/>
           </a:p>
         </p:txBody>
@@ -6407,11 +6830,11 @@
 </file>
 
 <file path=ppt/slides/slide7.xml><?xml version="1.0" encoding="utf-8"?>
-<p:sld xmlns:a="http://schemas.openxmlformats.org/drawingml/2006/main" xmlns:r="http://schemas.openxmlformats.org/officeDocument/2006/relationships" xmlns:mc="http://schemas.openxmlformats.org/markup-compatibility/2006" xmlns:mv="urn:schemas-microsoft-com:mac:vml" xmlns:p="http://schemas.openxmlformats.org/presentationml/2006/main" xmlns:c="http://schemas.openxmlformats.org/drawingml/2006/chart" xmlns:dgm="http://schemas.openxmlformats.org/drawingml/2006/diagram" xmlns:o="urn:schemas-microsoft-com:office:office" xmlns:v="urn:schemas-microsoft-com:vml" xmlns:pvml="urn:schemas-microsoft-com:office:powerpoint" xmlns:com="http://schemas.openxmlformats.org/drawingml/2006/compatibility" xmlns:p14="http://schemas.microsoft.com/office/powerpoint/2010/main" xmlns:p15="http://schemas.microsoft.com/office/powerpoint/2012/main">
+<p:sld xmlns:a="http://schemas.openxmlformats.org/drawingml/2006/main" xmlns:r="http://schemas.openxmlformats.org/officeDocument/2006/relationships" xmlns:p="http://schemas.openxmlformats.org/presentationml/2006/main">
   <p:cSld>
     <p:spTree>
       <p:nvGrpSpPr>
-        <p:cNvPr id="94" name="Shape 94"/>
+        <p:cNvPr id="1" name="Shape 94"/>
         <p:cNvGrpSpPr/>
         <p:nvPr/>
       </p:nvGrpSpPr>
@@ -6426,7 +6849,9 @@
       <p:sp>
         <p:nvSpPr>
           <p:cNvPr id="95" name="Shape 95"/>
-          <p:cNvSpPr txBox="1"/>
+          <p:cNvSpPr txBox="1">
+            <a:spLocks noGrp="1"/>
+          </p:cNvSpPr>
           <p:nvPr>
             <p:ph type="title"/>
           </p:nvPr>
@@ -6441,7 +6866,7 @@
           </a:prstGeom>
         </p:spPr>
         <p:txBody>
-          <a:bodyPr anchorCtr="0" anchor="b" bIns="91425" lIns="91425" rIns="91425" wrap="square" tIns="91425">
+          <a:bodyPr wrap="square" lIns="91425" tIns="91425" rIns="91425" bIns="91425" anchor="b" anchorCtr="0">
             <a:noAutofit/>
           </a:bodyPr>
           <a:lstStyle/>
@@ -6479,7 +6904,7 @@
           </a:ln>
         </p:spPr>
         <p:txBody>
-          <a:bodyPr anchorCtr="0" anchor="t" bIns="91425" lIns="91425" rIns="91425" wrap="square" tIns="91425">
+          <a:bodyPr wrap="square" lIns="91425" tIns="91425" rIns="91425" bIns="91425" anchor="t" anchorCtr="0">
             <a:noAutofit/>
           </a:bodyPr>
           <a:lstStyle/>
@@ -6516,9 +6941,6 @@
               </a:spcBef>
               <a:buNone/>
             </a:pPr>
-            <a:r>
-              <a:t/>
-            </a:r>
             <a:endParaRPr/>
           </a:p>
         </p:txBody>
@@ -6532,11 +6954,11 @@
 </file>
 
 <file path=ppt/slides/slide8.xml><?xml version="1.0" encoding="utf-8"?>
-<p:sld xmlns:a="http://schemas.openxmlformats.org/drawingml/2006/main" xmlns:r="http://schemas.openxmlformats.org/officeDocument/2006/relationships" xmlns:mc="http://schemas.openxmlformats.org/markup-compatibility/2006" xmlns:mv="urn:schemas-microsoft-com:mac:vml" xmlns:p="http://schemas.openxmlformats.org/presentationml/2006/main" xmlns:c="http://schemas.openxmlformats.org/drawingml/2006/chart" xmlns:dgm="http://schemas.openxmlformats.org/drawingml/2006/diagram" xmlns:o="urn:schemas-microsoft-com:office:office" xmlns:v="urn:schemas-microsoft-com:vml" xmlns:pvml="urn:schemas-microsoft-com:office:powerpoint" xmlns:com="http://schemas.openxmlformats.org/drawingml/2006/compatibility" xmlns:p14="http://schemas.microsoft.com/office/powerpoint/2010/main" xmlns:p15="http://schemas.microsoft.com/office/powerpoint/2012/main">
+<p:sld xmlns:a="http://schemas.openxmlformats.org/drawingml/2006/main" xmlns:r="http://schemas.openxmlformats.org/officeDocument/2006/relationships" xmlns:p="http://schemas.openxmlformats.org/presentationml/2006/main">
   <p:cSld>
     <p:spTree>
       <p:nvGrpSpPr>
-        <p:cNvPr id="100" name="Shape 100"/>
+        <p:cNvPr id="1" name="Shape 100"/>
         <p:cNvGrpSpPr/>
         <p:nvPr/>
       </p:nvGrpSpPr>
@@ -6551,7 +6973,9 @@
       <p:sp>
         <p:nvSpPr>
           <p:cNvPr id="101" name="Shape 101"/>
-          <p:cNvSpPr txBox="1"/>
+          <p:cNvSpPr txBox="1">
+            <a:spLocks noGrp="1"/>
+          </p:cNvSpPr>
           <p:nvPr>
             <p:ph type="title"/>
           </p:nvPr>
@@ -6566,7 +6990,7 @@
           </a:prstGeom>
         </p:spPr>
         <p:txBody>
-          <a:bodyPr anchorCtr="0" anchor="b" bIns="91425" lIns="91425" rIns="91425" wrap="square" tIns="91425">
+          <a:bodyPr wrap="square" lIns="91425" tIns="91425" rIns="91425" bIns="91425" anchor="b" anchorCtr="0">
             <a:noAutofit/>
           </a:bodyPr>
           <a:lstStyle/>
@@ -6604,7 +7028,7 @@
           </a:ln>
         </p:spPr>
         <p:txBody>
-          <a:bodyPr anchorCtr="0" anchor="t" bIns="91425" lIns="91425" rIns="91425" wrap="square" tIns="91425">
+          <a:bodyPr wrap="square" lIns="91425" tIns="91425" rIns="91425" bIns="91425" anchor="t" anchorCtr="0">
             <a:noAutofit/>
           </a:bodyPr>
           <a:lstStyle/>
@@ -6638,9 +7062,6 @@
               </a:spcBef>
               <a:buNone/>
             </a:pPr>
-            <a:r>
-              <a:t/>
-            </a:r>
             <a:endParaRPr/>
           </a:p>
         </p:txBody>
@@ -6654,11 +7075,11 @@
 </file>
 
 <file path=ppt/slides/slide9.xml><?xml version="1.0" encoding="utf-8"?>
-<p:sld xmlns:a="http://schemas.openxmlformats.org/drawingml/2006/main" xmlns:r="http://schemas.openxmlformats.org/officeDocument/2006/relationships" xmlns:mc="http://schemas.openxmlformats.org/markup-compatibility/2006" xmlns:mv="urn:schemas-microsoft-com:mac:vml" xmlns:p="http://schemas.openxmlformats.org/presentationml/2006/main" xmlns:c="http://schemas.openxmlformats.org/drawingml/2006/chart" xmlns:dgm="http://schemas.openxmlformats.org/drawingml/2006/diagram" xmlns:o="urn:schemas-microsoft-com:office:office" xmlns:v="urn:schemas-microsoft-com:vml" xmlns:pvml="urn:schemas-microsoft-com:office:powerpoint" xmlns:com="http://schemas.openxmlformats.org/drawingml/2006/compatibility" xmlns:p14="http://schemas.microsoft.com/office/powerpoint/2010/main" xmlns:p15="http://schemas.microsoft.com/office/powerpoint/2012/main">
+<p:sld xmlns:a="http://schemas.openxmlformats.org/drawingml/2006/main" xmlns:r="http://schemas.openxmlformats.org/officeDocument/2006/relationships" xmlns:p="http://schemas.openxmlformats.org/presentationml/2006/main">
   <p:cSld>
     <p:spTree>
       <p:nvGrpSpPr>
-        <p:cNvPr id="106" name="Shape 106"/>
+        <p:cNvPr id="1" name="Shape 106"/>
         <p:cNvGrpSpPr/>
         <p:nvPr/>
       </p:nvGrpSpPr>
@@ -6673,7 +7094,9 @@
       <p:sp>
         <p:nvSpPr>
           <p:cNvPr id="107" name="Shape 107"/>
-          <p:cNvSpPr txBox="1"/>
+          <p:cNvSpPr txBox="1">
+            <a:spLocks noGrp="1"/>
+          </p:cNvSpPr>
           <p:nvPr>
             <p:ph type="title"/>
           </p:nvPr>
@@ -6688,7 +7111,7 @@
           </a:prstGeom>
         </p:spPr>
         <p:txBody>
-          <a:bodyPr anchorCtr="0" anchor="t" bIns="91425" lIns="91425" rIns="91425" wrap="square" tIns="91425">
+          <a:bodyPr wrap="square" lIns="91425" tIns="91425" rIns="91425" bIns="91425" anchor="t" anchorCtr="0">
             <a:noAutofit/>
           </a:bodyPr>
           <a:lstStyle/>
@@ -6709,9 +7132,11 @@
       <p:sp>
         <p:nvSpPr>
           <p:cNvPr id="108" name="Shape 108"/>
-          <p:cNvSpPr txBox="1"/>
+          <p:cNvSpPr txBox="1">
+            <a:spLocks noGrp="1"/>
+          </p:cNvSpPr>
           <p:nvPr>
-            <p:ph idx="1" type="body"/>
+            <p:ph type="body" idx="1"/>
           </p:nvPr>
         </p:nvSpPr>
         <p:spPr>
@@ -6724,77 +7149,75 @@
           </a:prstGeom>
         </p:spPr>
         <p:txBody>
-          <a:bodyPr anchorCtr="0" anchor="t" bIns="91425" lIns="91425" rIns="91425" wrap="square" tIns="91425">
+          <a:bodyPr wrap="square" lIns="91425" tIns="91425" rIns="91425" bIns="91425" anchor="t" anchorCtr="0">
             <a:noAutofit/>
           </a:bodyPr>
           <a:lstStyle/>
           <a:p>
-            <a:pPr indent="-342900" lvl="0" marL="457200" rtl="0">
+            <a:pPr marL="457200" lvl="0" indent="-342900" rtl="0">
               <a:spcBef>
                 <a:spcPts val="0"/>
               </a:spcBef>
               <a:buChar char="-"/>
             </a:pPr>
             <a:r>
-              <a:rPr lang="en"/>
-              <a:t>To </a:t>
+              <a:rPr lang="en" dirty="0"/>
+              <a:t>To successfully predict risk for customers given various </a:t>
             </a:r>
             <a:r>
-              <a:rPr lang="en"/>
-              <a:t>successfully</a:t>
+              <a:rPr lang="en" dirty="0" smtClean="0"/>
+              <a:t>inputs</a:t>
             </a:r>
-            <a:r>
-              <a:rPr lang="en"/>
-              <a:t> predict risk for customers given various inputs</a:t>
-            </a:r>
-          </a:p>
-          <a:p>
-            <a:pPr lvl="0" rtl="0">
-              <a:spcBef>
-                <a:spcPts val="0"/>
-              </a:spcBef>
-              <a:buNone/>
-            </a:pPr>
-            <a:r>
-              <a:t/>
-            </a:r>
-            <a:endParaRPr/>
-          </a:p>
-          <a:p>
-            <a:pPr indent="-342900" lvl="0" marL="457200" rtl="0">
-              <a:spcBef>
-                <a:spcPts val="0"/>
-              </a:spcBef>
+          </a:p>
+          <a:p>
+            <a:pPr marL="457200" indent="-342900">
+              <a:buFont typeface="Old Standard TT"/>
               <a:buChar char="-"/>
             </a:pPr>
             <a:r>
-              <a:rPr lang="en"/>
-              <a:t>Implement machine learning algorithms</a:t>
+              <a:rPr lang="en" dirty="0" smtClean="0"/>
+              <a:t>Calculate RMSE values for each algorithm and determine the best algorithm based on the lowest RMSE value</a:t>
             </a:r>
-          </a:p>
-          <a:p>
-            <a:pPr lvl="0" rtl="0">
-              <a:spcBef>
-                <a:spcPts val="0"/>
-              </a:spcBef>
-              <a:buNone/>
-            </a:pPr>
             <a:r>
-              <a:t/>
+              <a:rPr lang="en" dirty="0" smtClean="0"/>
+              <a:t>.</a:t>
             </a:r>
-            <a:endParaRPr/>
-          </a:p>
-          <a:p>
-            <a:pPr indent="-342900" lvl="0" marL="457200" rtl="0">
-              <a:spcBef>
-                <a:spcPts val="0"/>
-              </a:spcBef>
+          </a:p>
+          <a:p>
+            <a:pPr marL="457200" indent="-342900">
+              <a:buFont typeface="Old Standard TT"/>
               <a:buChar char="-"/>
             </a:pPr>
             <a:r>
-              <a:rPr lang="en"/>
-              <a:t>Calculate RMSE values for each algorithm and determine the best algorithm</a:t>
+              <a:rPr lang="en" smtClean="0"/>
+              <a:t>Lower RMSE value indicate higher precision for ML algorithm and vice versa.</a:t>
             </a:r>
+            <a:endParaRPr lang="en" dirty="0" smtClean="0"/>
+          </a:p>
+          <a:p>
+            <a:pPr marL="457200" indent="-342900">
+              <a:buFont typeface="Old Standard TT"/>
+              <a:buChar char="-"/>
+            </a:pPr>
+            <a:endParaRPr lang="en" dirty="0" smtClean="0"/>
+          </a:p>
+          <a:p>
+            <a:pPr lvl="0" rtl="0">
+              <a:spcBef>
+                <a:spcPts val="0"/>
+              </a:spcBef>
+              <a:buNone/>
+            </a:pPr>
+            <a:endParaRPr dirty="0"/>
+          </a:p>
+          <a:p>
+            <a:pPr lvl="0" rtl="0">
+              <a:spcBef>
+                <a:spcPts val="0"/>
+              </a:spcBef>
+              <a:buNone/>
+            </a:pPr>
+            <a:endParaRPr dirty="0"/>
           </a:p>
           <a:p>
             <a:pPr lvl="0" rtl="0">
@@ -6804,23 +7227,11 @@
               <a:buNone/>
             </a:pPr>
             <a:r>
-              <a:t/>
-            </a:r>
-            <a:endParaRPr/>
-          </a:p>
-          <a:p>
-            <a:pPr lvl="0" rtl="0">
-              <a:spcBef>
-                <a:spcPts val="0"/>
-              </a:spcBef>
-              <a:buNone/>
-            </a:pPr>
-            <a:r>
-              <a:rPr lang="en"/>
+              <a:rPr lang="en" dirty="0"/>
               <a:t>Repository Link:</a:t>
             </a:r>
             <a:r>
-              <a:rPr lang="en" u="sng">
+              <a:rPr lang="en" u="sng" dirty="0">
                 <a:solidFill>
                   <a:schemeClr val="hlink"/>
                 </a:solidFill>
@@ -6836,10 +7247,7 @@
               </a:spcBef>
               <a:buNone/>
             </a:pPr>
-            <a:r>
-              <a:t/>
-            </a:r>
-            <a:endParaRPr/>
+            <a:endParaRPr dirty="0"/>
           </a:p>
           <a:p>
             <a:pPr lvl="0">
@@ -6848,10 +7256,7 @@
               </a:spcBef>
               <a:buNone/>
             </a:pPr>
-            <a:r>
-              <a:t/>
-            </a:r>
-            <a:endParaRPr/>
+            <a:endParaRPr dirty="0"/>
           </a:p>
         </p:txBody>
       </p:sp>
@@ -6864,7 +7269,7 @@
 </file>
 
 <file path=ppt/theme/theme1.xml><?xml version="1.0" encoding="utf-8"?>
-<a:theme xmlns:a="http://schemas.openxmlformats.org/drawingml/2006/main" xmlns:r="http://schemas.openxmlformats.org/officeDocument/2006/relationships" name="Paperback">
+<a:theme xmlns:a="http://schemas.openxmlformats.org/drawingml/2006/main" name="Paperback">
   <a:themeElements>
     <a:clrScheme name="Paperback">
       <a:dk1>
@@ -7139,11 +7544,13 @@
       </a:bgFillStyleLst>
     </a:fmtScheme>
   </a:themeElements>
+  <a:objectDefaults/>
+  <a:extraClrSchemeLst/>
 </a:theme>
 </file>
 
 <file path=ppt/theme/theme2.xml><?xml version="1.0" encoding="utf-8"?>
-<a:theme xmlns:a="http://schemas.openxmlformats.org/drawingml/2006/main" xmlns:r="http://schemas.openxmlformats.org/officeDocument/2006/relationships" name="Custom Theme">
+<a:theme xmlns:a="http://schemas.openxmlformats.org/drawingml/2006/main" name="Custom Theme">
   <a:themeElements>
     <a:clrScheme name="Default">
       <a:dk1>
@@ -7418,5 +7825,7 @@
       </a:bgFillStyleLst>
     </a:fmtScheme>
   </a:themeElements>
+  <a:objectDefaults/>
+  <a:extraClrSchemeLst/>
 </a:theme>
 </file>